--- a/chap_10_11.pptx
+++ b/chap_10_11.pptx
@@ -8,7 +8,17 @@
     <p:sldId id="256" r:id="rId2"/>
     <p:sldId id="257" r:id="rId3"/>
     <p:sldId id="258" r:id="rId4"/>
-    <p:sldId id="259" r:id="rId5"/>
+    <p:sldId id="263" r:id="rId5"/>
+    <p:sldId id="259" r:id="rId6"/>
+    <p:sldId id="264" r:id="rId7"/>
+    <p:sldId id="267" r:id="rId8"/>
+    <p:sldId id="266" r:id="rId9"/>
+    <p:sldId id="265" r:id="rId10"/>
+    <p:sldId id="269" r:id="rId11"/>
+    <p:sldId id="261" r:id="rId12"/>
+    <p:sldId id="262" r:id="rId13"/>
+    <p:sldId id="260" r:id="rId14"/>
+    <p:sldId id="268" r:id="rId15"/>
   </p:sldIdLst>
   <p:sldSz cx="12192000" cy="6858000"/>
   <p:notesSz cx="6858000" cy="9144000"/>
@@ -107,6 +117,11 @@
       </a:defRPr>
     </a:lvl9pPr>
   </p:defaultTextStyle>
+  <p:extLst>
+    <p:ext uri="{EFAFB233-063F-42B5-8137-9DF3F51BA10A}">
+      <p15:sldGuideLst xmlns:p15="http://schemas.microsoft.com/office/powerpoint/2012/main"/>
+    </p:ext>
+  </p:extLst>
 </p:presentation>
 </file>
 
@@ -3258,6 +3273,721 @@
 </p:sld>
 </file>
 
+<file path=ppt/slides/slide10.xml><?xml version="1.0" encoding="utf-8"?>
+<p:sld xmlns:a="http://schemas.openxmlformats.org/drawingml/2006/main" xmlns:r="http://schemas.openxmlformats.org/officeDocument/2006/relationships" xmlns:p="http://schemas.openxmlformats.org/presentationml/2006/main">
+  <p:cSld>
+    <p:spTree>
+      <p:nvGrpSpPr>
+        <p:cNvPr id="1" name=""/>
+        <p:cNvGrpSpPr/>
+        <p:nvPr/>
+      </p:nvGrpSpPr>
+      <p:grpSpPr>
+        <a:xfrm>
+          <a:off x="0" y="0"/>
+          <a:ext cx="0" cy="0"/>
+          <a:chOff x="0" y="0"/>
+          <a:chExt cx="0" cy="0"/>
+        </a:xfrm>
+      </p:grpSpPr>
+      <p:sp>
+        <p:nvSpPr>
+          <p:cNvPr id="2" name="Title 1"/>
+          <p:cNvSpPr>
+            <a:spLocks noGrp="1"/>
+          </p:cNvSpPr>
+          <p:nvPr>
+            <p:ph type="title"/>
+          </p:nvPr>
+        </p:nvSpPr>
+        <p:spPr/>
+        <p:txBody>
+          <a:bodyPr/>
+          <a:lstStyle/>
+          <a:p>
+            <a:endParaRPr lang="en-US"/>
+          </a:p>
+        </p:txBody>
+      </p:sp>
+      <p:sp>
+        <p:nvSpPr>
+          <p:cNvPr id="3" name="Content Placeholder 2"/>
+          <p:cNvSpPr>
+            <a:spLocks noGrp="1"/>
+          </p:cNvSpPr>
+          <p:nvPr>
+            <p:ph idx="1"/>
+          </p:nvPr>
+        </p:nvSpPr>
+        <p:spPr/>
+        <p:txBody>
+          <a:bodyPr/>
+          <a:lstStyle/>
+          <a:p>
+            <a:endParaRPr lang="en-US"/>
+          </a:p>
+        </p:txBody>
+      </p:sp>
+    </p:spTree>
+    <p:extLst>
+      <p:ext uri="{BB962C8B-B14F-4D97-AF65-F5344CB8AC3E}">
+        <p14:creationId xmlns:p14="http://schemas.microsoft.com/office/powerpoint/2010/main" val="3132797793"/>
+      </p:ext>
+    </p:extLst>
+  </p:cSld>
+  <p:clrMapOvr>
+    <a:masterClrMapping/>
+  </p:clrMapOvr>
+</p:sld>
+</file>
+
+<file path=ppt/slides/slide11.xml><?xml version="1.0" encoding="utf-8"?>
+<p:sld xmlns:a="http://schemas.openxmlformats.org/drawingml/2006/main" xmlns:r="http://schemas.openxmlformats.org/officeDocument/2006/relationships" xmlns:p="http://schemas.openxmlformats.org/presentationml/2006/main">
+  <p:cSld>
+    <p:spTree>
+      <p:nvGrpSpPr>
+        <p:cNvPr id="1" name=""/>
+        <p:cNvGrpSpPr/>
+        <p:nvPr/>
+      </p:nvGrpSpPr>
+      <p:grpSpPr>
+        <a:xfrm>
+          <a:off x="0" y="0"/>
+          <a:ext cx="0" cy="0"/>
+          <a:chOff x="0" y="0"/>
+          <a:chExt cx="0" cy="0"/>
+        </a:xfrm>
+      </p:grpSpPr>
+      <p:sp>
+        <p:nvSpPr>
+          <p:cNvPr id="2" name="Title 1"/>
+          <p:cNvSpPr>
+            <a:spLocks noGrp="1"/>
+          </p:cNvSpPr>
+          <p:nvPr>
+            <p:ph type="title"/>
+          </p:nvPr>
+        </p:nvSpPr>
+        <p:spPr/>
+        <p:txBody>
+          <a:bodyPr/>
+          <a:lstStyle/>
+          <a:p>
+            <a:r>
+              <a:rPr lang="en-US" dirty="0"/>
+              <a:t>How to Compute It In MATLAB</a:t>
+            </a:r>
+          </a:p>
+        </p:txBody>
+      </p:sp>
+      <p:sp>
+        <p:nvSpPr>
+          <p:cNvPr id="3" name="Content Placeholder 2"/>
+          <p:cNvSpPr>
+            <a:spLocks noGrp="1"/>
+          </p:cNvSpPr>
+          <p:nvPr>
+            <p:ph idx="1"/>
+          </p:nvPr>
+        </p:nvSpPr>
+        <p:spPr/>
+        <p:txBody>
+          <a:bodyPr/>
+          <a:lstStyle/>
+          <a:p>
+            <a:r>
+              <a:rPr lang="en-US" dirty="0"/>
+              <a:t>Given two vectors (lists of numbers):</a:t>
+            </a:r>
+          </a:p>
+          <a:p>
+            <a:endParaRPr lang="en-US" dirty="0"/>
+          </a:p>
+        </p:txBody>
+      </p:sp>
+      <p:pic>
+        <p:nvPicPr>
+          <p:cNvPr id="5" name="Picture 4"/>
+          <p:cNvPicPr>
+            <a:picLocks noChangeAspect="1"/>
+          </p:cNvPicPr>
+          <p:nvPr/>
+        </p:nvPicPr>
+        <p:blipFill>
+          <a:blip r:embed="rId2"/>
+          <a:stretch>
+            <a:fillRect/>
+          </a:stretch>
+        </p:blipFill>
+        <p:spPr>
+          <a:xfrm>
+            <a:off x="1371600" y="3244459"/>
+            <a:ext cx="9448800" cy="1381125"/>
+          </a:xfrm>
+          <a:prstGeom prst="rect">
+            <a:avLst/>
+          </a:prstGeom>
+        </p:spPr>
+      </p:pic>
+    </p:spTree>
+    <p:extLst>
+      <p:ext uri="{BB962C8B-B14F-4D97-AF65-F5344CB8AC3E}">
+        <p14:creationId xmlns:p14="http://schemas.microsoft.com/office/powerpoint/2010/main" val="23924719"/>
+      </p:ext>
+    </p:extLst>
+  </p:cSld>
+  <p:clrMapOvr>
+    <a:masterClrMapping/>
+  </p:clrMapOvr>
+</p:sld>
+</file>
+
+<file path=ppt/slides/slide12.xml><?xml version="1.0" encoding="utf-8"?>
+<p:sld xmlns:a="http://schemas.openxmlformats.org/drawingml/2006/main" xmlns:r="http://schemas.openxmlformats.org/officeDocument/2006/relationships" xmlns:p="http://schemas.openxmlformats.org/presentationml/2006/main">
+  <p:cSld>
+    <p:spTree>
+      <p:nvGrpSpPr>
+        <p:cNvPr id="1" name=""/>
+        <p:cNvGrpSpPr/>
+        <p:nvPr/>
+      </p:nvGrpSpPr>
+      <p:grpSpPr>
+        <a:xfrm>
+          <a:off x="0" y="0"/>
+          <a:ext cx="0" cy="0"/>
+          <a:chOff x="0" y="0"/>
+          <a:chExt cx="0" cy="0"/>
+        </a:xfrm>
+      </p:grpSpPr>
+      <p:sp>
+        <p:nvSpPr>
+          <p:cNvPr id="2" name="Title 1"/>
+          <p:cNvSpPr>
+            <a:spLocks noGrp="1"/>
+          </p:cNvSpPr>
+          <p:nvPr>
+            <p:ph type="title"/>
+          </p:nvPr>
+        </p:nvSpPr>
+        <p:spPr/>
+        <p:txBody>
+          <a:bodyPr/>
+          <a:lstStyle/>
+          <a:p>
+            <a:r>
+              <a:rPr lang="en-US" dirty="0"/>
+              <a:t>How to Compute It In MATLAB</a:t>
+            </a:r>
+          </a:p>
+        </p:txBody>
+      </p:sp>
+      <p:sp>
+        <p:nvSpPr>
+          <p:cNvPr id="3" name="Content Placeholder 2"/>
+          <p:cNvSpPr>
+            <a:spLocks noGrp="1"/>
+          </p:cNvSpPr>
+          <p:nvPr>
+            <p:ph idx="1"/>
+          </p:nvPr>
+        </p:nvSpPr>
+        <p:spPr/>
+        <p:txBody>
+          <a:bodyPr/>
+          <a:lstStyle/>
+          <a:p>
+            <a:r>
+              <a:rPr lang="en-US" dirty="0"/>
+              <a:t>Given two vectors (lists of numbers):</a:t>
+            </a:r>
+          </a:p>
+          <a:p>
+            <a:endParaRPr lang="en-US" dirty="0"/>
+          </a:p>
+          <a:p>
+            <a:endParaRPr lang="en-US" dirty="0"/>
+          </a:p>
+          <a:p>
+            <a:endParaRPr lang="en-US" dirty="0"/>
+          </a:p>
+          <a:p>
+            <a:endParaRPr lang="en-US" dirty="0"/>
+          </a:p>
+          <a:p>
+            <a:endParaRPr lang="en-US" dirty="0"/>
+          </a:p>
+          <a:p>
+            <a:r>
+              <a:rPr lang="en-US" dirty="0"/>
+              <a:t>In MATLAB:</a:t>
+            </a:r>
+          </a:p>
+          <a:p>
+            <a:endParaRPr lang="en-US" dirty="0"/>
+          </a:p>
+        </p:txBody>
+      </p:sp>
+      <p:pic>
+        <p:nvPicPr>
+          <p:cNvPr id="5" name="Picture 4"/>
+          <p:cNvPicPr>
+            <a:picLocks noChangeAspect="1"/>
+          </p:cNvPicPr>
+          <p:nvPr/>
+        </p:nvPicPr>
+        <p:blipFill>
+          <a:blip r:embed="rId2"/>
+          <a:stretch>
+            <a:fillRect/>
+          </a:stretch>
+        </p:blipFill>
+        <p:spPr>
+          <a:xfrm>
+            <a:off x="448319" y="3237566"/>
+            <a:ext cx="7541581" cy="1102348"/>
+          </a:xfrm>
+          <a:prstGeom prst="rect">
+            <a:avLst/>
+          </a:prstGeom>
+        </p:spPr>
+      </p:pic>
+      <p:pic>
+        <p:nvPicPr>
+          <p:cNvPr id="4" name="Picture 3"/>
+          <p:cNvPicPr>
+            <a:picLocks noChangeAspect="1"/>
+          </p:cNvPicPr>
+          <p:nvPr/>
+        </p:nvPicPr>
+        <p:blipFill>
+          <a:blip r:embed="rId3"/>
+          <a:stretch>
+            <a:fillRect/>
+          </a:stretch>
+        </p:blipFill>
+        <p:spPr>
+          <a:xfrm>
+            <a:off x="4157756" y="4346597"/>
+            <a:ext cx="4657725" cy="1762125"/>
+          </a:xfrm>
+          <a:prstGeom prst="rect">
+            <a:avLst/>
+          </a:prstGeom>
+        </p:spPr>
+      </p:pic>
+      <p:sp>
+        <p:nvSpPr>
+          <p:cNvPr id="6" name="TextBox 5"/>
+          <p:cNvSpPr txBox="1"/>
+          <p:nvPr/>
+        </p:nvSpPr>
+        <p:spPr>
+          <a:xfrm>
+            <a:off x="7075457" y="5291092"/>
+            <a:ext cx="2796511" cy="523220"/>
+          </a:xfrm>
+          <a:prstGeom prst="rect">
+            <a:avLst/>
+          </a:prstGeom>
+          <a:solidFill>
+            <a:schemeClr val="bg1">
+              <a:lumMod val="95000"/>
+            </a:schemeClr>
+          </a:solidFill>
+          <a:ln w="38100">
+            <a:solidFill>
+              <a:schemeClr val="accent1"/>
+            </a:solidFill>
+          </a:ln>
+        </p:spPr>
+        <p:txBody>
+          <a:bodyPr wrap="square" rtlCol="0">
+            <a:spAutoFit/>
+          </a:bodyPr>
+          <a:lstStyle/>
+          <a:p>
+            <a:pPr algn="just"/>
+            <a:r>
+              <a:rPr lang="en-US" sz="1400" dirty="0"/>
+              <a:t>The “dot” before * means do something “elementwise”</a:t>
+            </a:r>
+          </a:p>
+        </p:txBody>
+      </p:sp>
+      <p:cxnSp>
+        <p:nvCxnSpPr>
+          <p:cNvPr id="8" name="Straight Arrow Connector 7"/>
+          <p:cNvCxnSpPr/>
+          <p:nvPr/>
+        </p:nvCxnSpPr>
+        <p:spPr>
+          <a:xfrm flipH="1" flipV="1">
+            <a:off x="5584054" y="5450889"/>
+            <a:ext cx="1491403" cy="101813"/>
+          </a:xfrm>
+          <a:prstGeom prst="straightConnector1">
+            <a:avLst/>
+          </a:prstGeom>
+          <a:ln w="38100">
+            <a:tailEnd type="triangle"/>
+          </a:ln>
+        </p:spPr>
+        <p:style>
+          <a:lnRef idx="1">
+            <a:schemeClr val="accent1"/>
+          </a:lnRef>
+          <a:fillRef idx="0">
+            <a:schemeClr val="accent1"/>
+          </a:fillRef>
+          <a:effectRef idx="0">
+            <a:schemeClr val="accent1"/>
+          </a:effectRef>
+          <a:fontRef idx="minor">
+            <a:schemeClr val="tx1"/>
+          </a:fontRef>
+        </p:style>
+      </p:cxnSp>
+    </p:spTree>
+    <p:extLst>
+      <p:ext uri="{BB962C8B-B14F-4D97-AF65-F5344CB8AC3E}">
+        <p14:creationId xmlns:p14="http://schemas.microsoft.com/office/powerpoint/2010/main" val="4198105317"/>
+      </p:ext>
+    </p:extLst>
+  </p:cSld>
+  <p:clrMapOvr>
+    <a:masterClrMapping/>
+  </p:clrMapOvr>
+</p:sld>
+</file>
+
+<file path=ppt/slides/slide13.xml><?xml version="1.0" encoding="utf-8"?>
+<p:sld xmlns:a="http://schemas.openxmlformats.org/drawingml/2006/main" xmlns:r="http://schemas.openxmlformats.org/officeDocument/2006/relationships" xmlns:p="http://schemas.openxmlformats.org/presentationml/2006/main">
+  <p:cSld>
+    <p:spTree>
+      <p:nvGrpSpPr>
+        <p:cNvPr id="1" name=""/>
+        <p:cNvGrpSpPr/>
+        <p:nvPr/>
+      </p:nvGrpSpPr>
+      <p:grpSpPr>
+        <a:xfrm>
+          <a:off x="0" y="0"/>
+          <a:ext cx="0" cy="0"/>
+          <a:chOff x="0" y="0"/>
+          <a:chExt cx="0" cy="0"/>
+        </a:xfrm>
+      </p:grpSpPr>
+      <p:sp>
+        <p:nvSpPr>
+          <p:cNvPr id="2" name="Title 1"/>
+          <p:cNvSpPr>
+            <a:spLocks noGrp="1"/>
+          </p:cNvSpPr>
+          <p:nvPr>
+            <p:ph type="title"/>
+          </p:nvPr>
+        </p:nvSpPr>
+        <p:spPr>
+          <a:xfrm>
+            <a:off x="2231136" y="316992"/>
+            <a:ext cx="7729728" cy="1188720"/>
+          </a:xfrm>
+        </p:spPr>
+        <p:txBody>
+          <a:bodyPr/>
+          <a:lstStyle/>
+          <a:p>
+            <a:r>
+              <a:rPr lang="en-US" dirty="0"/>
+              <a:t>Properties of Dot Products</a:t>
+            </a:r>
+          </a:p>
+        </p:txBody>
+      </p:sp>
+      <p:sp>
+        <p:nvSpPr>
+          <p:cNvPr id="3" name="Content Placeholder 2"/>
+          <p:cNvSpPr>
+            <a:spLocks noGrp="1"/>
+          </p:cNvSpPr>
+          <p:nvPr>
+            <p:ph idx="1"/>
+          </p:nvPr>
+        </p:nvSpPr>
+        <p:spPr/>
+        <p:txBody>
+          <a:bodyPr/>
+          <a:lstStyle/>
+          <a:p>
+            <a:endParaRPr lang="en-US"/>
+          </a:p>
+        </p:txBody>
+      </p:sp>
+      <p:pic>
+        <p:nvPicPr>
+          <p:cNvPr id="4" name="Picture 3"/>
+          <p:cNvPicPr>
+            <a:picLocks noChangeAspect="1"/>
+          </p:cNvPicPr>
+          <p:nvPr/>
+        </p:nvPicPr>
+        <p:blipFill>
+          <a:blip r:embed="rId2"/>
+          <a:stretch>
+            <a:fillRect/>
+          </a:stretch>
+        </p:blipFill>
+        <p:spPr>
+          <a:xfrm>
+            <a:off x="1403652" y="1622489"/>
+            <a:ext cx="9384696" cy="4978811"/>
+          </a:xfrm>
+          <a:prstGeom prst="rect">
+            <a:avLst/>
+          </a:prstGeom>
+        </p:spPr>
+      </p:pic>
+    </p:spTree>
+    <p:extLst>
+      <p:ext uri="{BB962C8B-B14F-4D97-AF65-F5344CB8AC3E}">
+        <p14:creationId xmlns:p14="http://schemas.microsoft.com/office/powerpoint/2010/main" val="2594692894"/>
+      </p:ext>
+    </p:extLst>
+  </p:cSld>
+  <p:clrMapOvr>
+    <a:masterClrMapping/>
+  </p:clrMapOvr>
+</p:sld>
+</file>
+
+<file path=ppt/slides/slide14.xml><?xml version="1.0" encoding="utf-8"?>
+<p:sld xmlns:a="http://schemas.openxmlformats.org/drawingml/2006/main" xmlns:r="http://schemas.openxmlformats.org/officeDocument/2006/relationships" xmlns:p="http://schemas.openxmlformats.org/presentationml/2006/main">
+  <p:cSld>
+    <p:spTree>
+      <p:nvGrpSpPr>
+        <p:cNvPr id="1" name=""/>
+        <p:cNvGrpSpPr/>
+        <p:nvPr/>
+      </p:nvGrpSpPr>
+      <p:grpSpPr>
+        <a:xfrm>
+          <a:off x="0" y="0"/>
+          <a:ext cx="0" cy="0"/>
+          <a:chOff x="0" y="0"/>
+          <a:chExt cx="0" cy="0"/>
+        </a:xfrm>
+      </p:grpSpPr>
+      <p:sp>
+        <p:nvSpPr>
+          <p:cNvPr id="2" name="Title 1"/>
+          <p:cNvSpPr>
+            <a:spLocks noGrp="1"/>
+          </p:cNvSpPr>
+          <p:nvPr>
+            <p:ph type="title"/>
+          </p:nvPr>
+        </p:nvSpPr>
+        <p:spPr>
+          <a:xfrm>
+            <a:off x="2231136" y="316992"/>
+            <a:ext cx="7729728" cy="1188720"/>
+          </a:xfrm>
+        </p:spPr>
+        <p:txBody>
+          <a:bodyPr/>
+          <a:lstStyle/>
+          <a:p>
+            <a:r>
+              <a:rPr lang="en-US" dirty="0"/>
+              <a:t>Properties of Dot Products (MATLAB)</a:t>
+            </a:r>
+          </a:p>
+        </p:txBody>
+      </p:sp>
+      <p:sp>
+        <p:nvSpPr>
+          <p:cNvPr id="3" name="Content Placeholder 2"/>
+          <p:cNvSpPr>
+            <a:spLocks noGrp="1"/>
+          </p:cNvSpPr>
+          <p:nvPr>
+            <p:ph idx="1"/>
+          </p:nvPr>
+        </p:nvSpPr>
+        <p:spPr/>
+        <p:txBody>
+          <a:bodyPr/>
+          <a:lstStyle/>
+          <a:p>
+            <a:endParaRPr lang="en-US"/>
+          </a:p>
+        </p:txBody>
+      </p:sp>
+      <p:pic>
+        <p:nvPicPr>
+          <p:cNvPr id="4" name="Picture 3"/>
+          <p:cNvPicPr>
+            <a:picLocks noChangeAspect="1"/>
+          </p:cNvPicPr>
+          <p:nvPr/>
+        </p:nvPicPr>
+        <p:blipFill>
+          <a:blip r:embed="rId2"/>
+          <a:stretch>
+            <a:fillRect/>
+          </a:stretch>
+        </p:blipFill>
+        <p:spPr>
+          <a:xfrm>
+            <a:off x="1403652" y="1622489"/>
+            <a:ext cx="9384696" cy="4978811"/>
+          </a:xfrm>
+          <a:prstGeom prst="rect">
+            <a:avLst/>
+          </a:prstGeom>
+        </p:spPr>
+      </p:pic>
+      <p:pic>
+        <p:nvPicPr>
+          <p:cNvPr id="5" name="Picture 4"/>
+          <p:cNvPicPr>
+            <a:picLocks noChangeAspect="1"/>
+          </p:cNvPicPr>
+          <p:nvPr/>
+        </p:nvPicPr>
+        <p:blipFill>
+          <a:blip r:embed="rId3"/>
+          <a:stretch>
+            <a:fillRect/>
+          </a:stretch>
+        </p:blipFill>
+        <p:spPr>
+          <a:xfrm>
+            <a:off x="8216874" y="1643601"/>
+            <a:ext cx="3743325" cy="2057400"/>
+          </a:xfrm>
+          <a:prstGeom prst="rect">
+            <a:avLst/>
+          </a:prstGeom>
+          <a:ln w="38100">
+            <a:solidFill>
+              <a:schemeClr val="accent1"/>
+            </a:solidFill>
+          </a:ln>
+        </p:spPr>
+      </p:pic>
+      <p:pic>
+        <p:nvPicPr>
+          <p:cNvPr id="6" name="Picture 5"/>
+          <p:cNvPicPr>
+            <a:picLocks noChangeAspect="1"/>
+          </p:cNvPicPr>
+          <p:nvPr/>
+        </p:nvPicPr>
+        <p:blipFill>
+          <a:blip r:embed="rId4"/>
+          <a:stretch>
+            <a:fillRect/>
+          </a:stretch>
+        </p:blipFill>
+        <p:spPr>
+          <a:xfrm>
+            <a:off x="5139893" y="3324700"/>
+            <a:ext cx="2533650" cy="3276600"/>
+          </a:xfrm>
+          <a:prstGeom prst="rect">
+            <a:avLst/>
+          </a:prstGeom>
+          <a:ln w="38100">
+            <a:solidFill>
+              <a:schemeClr val="accent1"/>
+            </a:solidFill>
+          </a:ln>
+        </p:spPr>
+      </p:pic>
+      <p:cxnSp>
+        <p:nvCxnSpPr>
+          <p:cNvPr id="8" name="Straight Arrow Connector 7"/>
+          <p:cNvCxnSpPr>
+            <a:stCxn id="5" idx="1"/>
+          </p:cNvCxnSpPr>
+          <p:nvPr/>
+        </p:nvCxnSpPr>
+        <p:spPr>
+          <a:xfrm flipH="1" flipV="1">
+            <a:off x="3053918" y="2263806"/>
+            <a:ext cx="5162956" cy="408495"/>
+          </a:xfrm>
+          <a:prstGeom prst="straightConnector1">
+            <a:avLst/>
+          </a:prstGeom>
+          <a:ln w="38100">
+            <a:tailEnd type="triangle"/>
+          </a:ln>
+        </p:spPr>
+        <p:style>
+          <a:lnRef idx="1">
+            <a:schemeClr val="accent1"/>
+          </a:lnRef>
+          <a:fillRef idx="0">
+            <a:schemeClr val="accent1"/>
+          </a:fillRef>
+          <a:effectRef idx="0">
+            <a:schemeClr val="accent1"/>
+          </a:effectRef>
+          <a:fontRef idx="minor">
+            <a:schemeClr val="tx1"/>
+          </a:fontRef>
+        </p:style>
+      </p:cxnSp>
+      <p:cxnSp>
+        <p:nvCxnSpPr>
+          <p:cNvPr id="9" name="Straight Arrow Connector 8"/>
+          <p:cNvCxnSpPr>
+            <a:stCxn id="6" idx="1"/>
+          </p:cNvCxnSpPr>
+          <p:nvPr/>
+        </p:nvCxnSpPr>
+        <p:spPr>
+          <a:xfrm flipH="1" flipV="1">
+            <a:off x="3808520" y="4128117"/>
+            <a:ext cx="1331373" cy="834883"/>
+          </a:xfrm>
+          <a:prstGeom prst="straightConnector1">
+            <a:avLst/>
+          </a:prstGeom>
+          <a:ln w="38100">
+            <a:tailEnd type="triangle"/>
+          </a:ln>
+        </p:spPr>
+        <p:style>
+          <a:lnRef idx="1">
+            <a:schemeClr val="accent1"/>
+          </a:lnRef>
+          <a:fillRef idx="0">
+            <a:schemeClr val="accent1"/>
+          </a:fillRef>
+          <a:effectRef idx="0">
+            <a:schemeClr val="accent1"/>
+          </a:effectRef>
+          <a:fontRef idx="minor">
+            <a:schemeClr val="tx1"/>
+          </a:fontRef>
+        </p:style>
+      </p:cxnSp>
+    </p:spTree>
+    <p:extLst>
+      <p:ext uri="{BB962C8B-B14F-4D97-AF65-F5344CB8AC3E}">
+        <p14:creationId xmlns:p14="http://schemas.microsoft.com/office/powerpoint/2010/main" val="2606242517"/>
+      </p:ext>
+    </p:extLst>
+  </p:cSld>
+  <p:clrMapOvr>
+    <a:masterClrMapping/>
+  </p:clrMapOvr>
+</p:sld>
+</file>
+
 <file path=ppt/slides/slide2.xml><?xml version="1.0" encoding="utf-8"?>
 <p:sld xmlns:a="http://schemas.openxmlformats.org/drawingml/2006/main" xmlns:r="http://schemas.openxmlformats.org/officeDocument/2006/relationships" xmlns:p="http://schemas.openxmlformats.org/presentationml/2006/main">
   <p:cSld>
@@ -3421,8 +4151,8 @@
           </a:p>
         </p:txBody>
       </p:sp>
-      <mc:AlternateContent xmlns:mc="http://schemas.openxmlformats.org/markup-compatibility/2006">
-        <mc:Choice xmlns:a14="http://schemas.microsoft.com/office/drawing/2010/main" Requires="a14">
+      <mc:AlternateContent xmlns:mc="http://schemas.openxmlformats.org/markup-compatibility/2006" xmlns:a14="http://schemas.microsoft.com/office/drawing/2010/main">
+        <mc:Choice Requires="a14">
           <p:sp>
             <p:nvSpPr>
               <p:cNvPr id="5" name="TextBox 4"/>
@@ -3445,13 +4175,14 @@
               </a:bodyPr>
               <a:lstStyle/>
               <a:p>
+                <a:pPr/>
                 <a14:m>
                   <m:oMathPara xmlns:m="http://schemas.openxmlformats.org/officeDocument/2006/math">
                     <m:oMathParaPr>
                       <m:jc m:val="centerGroup"/>
                     </m:oMathParaPr>
                     <m:oMath xmlns:m="http://schemas.openxmlformats.org/officeDocument/2006/math">
-                      <a:fld id="{8D2927B3-EC56-4515-B69C-E7B3F65F3BD3}" type="mathplaceholder">
+                      <a:fld id="{2015583D-7597-49CB-B1A1-034CFD9FC313}" type="mathplaceholder">
                         <a:rPr lang="en-US" i="1" smtClean="0">
                           <a:latin typeface="Cambria Math" panose="02040503050406030204" pitchFamily="18" charset="0"/>
                         </a:rPr>
@@ -3465,7 +4196,7 @@
             </p:txBody>
           </p:sp>
         </mc:Choice>
-        <mc:Fallback>
+        <mc:Fallback xmlns="">
           <p:sp>
             <p:nvSpPr>
               <p:cNvPr id="5" name="TextBox 4"/>
@@ -3566,19 +4297,1265 @@
             <p:ph idx="1"/>
           </p:nvPr>
         </p:nvSpPr>
+        <p:spPr>
+          <a:xfrm>
+            <a:off x="2231136" y="2638044"/>
+            <a:ext cx="7729728" cy="3523059"/>
+          </a:xfrm>
+        </p:spPr>
+        <p:txBody>
+          <a:bodyPr>
+            <a:normAutofit/>
+          </a:bodyPr>
+          <a:lstStyle/>
+          <a:p>
+            <a:r>
+              <a:rPr lang="en-US" dirty="0"/>
+              <a:t>AKA:</a:t>
+            </a:r>
+          </a:p>
+          <a:p>
+            <a:pPr lvl="1"/>
+            <a:r>
+              <a:rPr lang="en-US" dirty="0"/>
+              <a:t>Dot product</a:t>
+            </a:r>
+          </a:p>
+          <a:p>
+            <a:pPr lvl="1"/>
+            <a:r>
+              <a:rPr lang="en-US" dirty="0"/>
+              <a:t>Scalar product</a:t>
+            </a:r>
+          </a:p>
+          <a:p>
+            <a:pPr lvl="1"/>
+            <a:r>
+              <a:rPr lang="en-US" dirty="0"/>
+              <a:t>Inner product</a:t>
+            </a:r>
+          </a:p>
+          <a:p>
+            <a:r>
+              <a:rPr lang="en-US" dirty="0"/>
+              <a:t>The dot product is a </a:t>
+            </a:r>
+            <a:r>
+              <a:rPr lang="en-US" b="1" dirty="0"/>
+              <a:t>single number</a:t>
+            </a:r>
+            <a:endParaRPr lang="en-US" dirty="0"/>
+          </a:p>
+          <a:p>
+            <a:pPr lvl="1"/>
+            <a:r>
+              <a:rPr lang="en-US" dirty="0"/>
+              <a:t>It can be thought of as a </a:t>
+            </a:r>
+            <a:r>
+              <a:rPr lang="en-US" b="1" dirty="0"/>
+              <a:t>weighted sum</a:t>
+            </a:r>
+            <a:r>
+              <a:rPr lang="en-US" dirty="0"/>
+              <a:t> (one vector is the set of numbers to be summed, the other the weights)</a:t>
+            </a:r>
+          </a:p>
+          <a:p>
+            <a:pPr lvl="1"/>
+            <a:r>
+              <a:rPr lang="en-US" dirty="0"/>
+              <a:t>It is the length of the </a:t>
+            </a:r>
+            <a:r>
+              <a:rPr lang="en-US" b="1" dirty="0"/>
+              <a:t>projection</a:t>
+            </a:r>
+            <a:r>
+              <a:rPr lang="en-US" dirty="0"/>
+              <a:t> of one vector onto the (dimension of) the other vector</a:t>
+            </a:r>
+          </a:p>
+          <a:p>
+            <a:pPr lvl="1"/>
+            <a:r>
+              <a:rPr lang="en-US" dirty="0"/>
+              <a:t>It also represents a </a:t>
+            </a:r>
+            <a:r>
+              <a:rPr lang="en-US" b="1" dirty="0"/>
+              <a:t>similarity measure</a:t>
+            </a:r>
+          </a:p>
+        </p:txBody>
+      </p:sp>
+    </p:spTree>
+    <p:extLst>
+      <p:ext uri="{BB962C8B-B14F-4D97-AF65-F5344CB8AC3E}">
+        <p14:creationId xmlns:p14="http://schemas.microsoft.com/office/powerpoint/2010/main" val="3285822073"/>
+      </p:ext>
+    </p:extLst>
+  </p:cSld>
+  <p:clrMapOvr>
+    <a:masterClrMapping/>
+  </p:clrMapOvr>
+</p:sld>
+</file>
+
+<file path=ppt/slides/slide5.xml><?xml version="1.0" encoding="utf-8"?>
+<p:sld xmlns:a="http://schemas.openxmlformats.org/drawingml/2006/main" xmlns:r="http://schemas.openxmlformats.org/officeDocument/2006/relationships" xmlns:p="http://schemas.openxmlformats.org/presentationml/2006/main">
+  <p:cSld>
+    <p:spTree>
+      <p:nvGrpSpPr>
+        <p:cNvPr id="1" name=""/>
+        <p:cNvGrpSpPr/>
+        <p:nvPr/>
+      </p:nvGrpSpPr>
+      <p:grpSpPr>
+        <a:xfrm>
+          <a:off x="0" y="0"/>
+          <a:ext cx="0" cy="0"/>
+          <a:chOff x="0" y="0"/>
+          <a:chExt cx="0" cy="0"/>
+        </a:xfrm>
+      </p:grpSpPr>
+      <p:sp>
+        <p:nvSpPr>
+          <p:cNvPr id="2" name="Title 1"/>
+          <p:cNvSpPr>
+            <a:spLocks noGrp="1"/>
+          </p:cNvSpPr>
+          <p:nvPr>
+            <p:ph type="title"/>
+          </p:nvPr>
+        </p:nvSpPr>
         <p:spPr/>
         <p:txBody>
           <a:bodyPr/>
           <a:lstStyle/>
           <a:p>
-            <a:endParaRPr lang="en-US"/>
-          </a:p>
-        </p:txBody>
-      </p:sp>
+            <a:r>
+              <a:rPr lang="en-US" dirty="0"/>
+              <a:t>Dot Products</a:t>
+            </a:r>
+          </a:p>
+        </p:txBody>
+      </p:sp>
+      <mc:AlternateContent xmlns:mc="http://schemas.openxmlformats.org/markup-compatibility/2006">
+        <mc:Choice xmlns:a14="http://schemas.microsoft.com/office/drawing/2010/main" Requires="a14">
+          <p:sp>
+            <p:nvSpPr>
+              <p:cNvPr id="3" name="Content Placeholder 2"/>
+              <p:cNvSpPr>
+                <a:spLocks noGrp="1"/>
+              </p:cNvSpPr>
+              <p:nvPr>
+                <p:ph idx="1"/>
+              </p:nvPr>
+            </p:nvSpPr>
+            <p:spPr>
+              <a:xfrm>
+                <a:off x="2231136" y="2638044"/>
+                <a:ext cx="7729728" cy="3523059"/>
+              </a:xfrm>
+            </p:spPr>
+            <p:txBody>
+              <a:bodyPr>
+                <a:normAutofit/>
+              </a:bodyPr>
+              <a:lstStyle/>
+              <a:p>
+                <a:r>
+                  <a:rPr lang="en-US" dirty="0"/>
+                  <a:t>AKA:</a:t>
+                </a:r>
+              </a:p>
+              <a:p>
+                <a:pPr lvl="1"/>
+                <a:r>
+                  <a:rPr lang="en-US" dirty="0"/>
+                  <a:t>Dot product</a:t>
+                </a:r>
+              </a:p>
+              <a:p>
+                <a:pPr lvl="1"/>
+                <a:r>
+                  <a:rPr lang="en-US" dirty="0"/>
+                  <a:t>Scalar product</a:t>
+                </a:r>
+              </a:p>
+              <a:p>
+                <a:pPr lvl="1"/>
+                <a:r>
+                  <a:rPr lang="en-US" dirty="0"/>
+                  <a:t>Inner product</a:t>
+                </a:r>
+              </a:p>
+              <a:p>
+                <a:r>
+                  <a:rPr lang="en-US" dirty="0"/>
+                  <a:t>Dot products also </a:t>
+                </a:r>
+                <a:r>
+                  <a:rPr lang="en-US" b="1" dirty="0"/>
+                  <a:t>define</a:t>
+                </a:r>
+                <a:r>
+                  <a:rPr lang="en-US" dirty="0"/>
+                  <a:t> lengths and angles:</a:t>
+                </a:r>
+              </a:p>
+              <a:p>
+                <a:pPr lvl="1"/>
+                <a14:m>
+                  <m:oMath xmlns:m="http://schemas.openxmlformats.org/officeDocument/2006/math">
+                    <m:r>
+                      <a:rPr lang="en-US" b="0" i="1" smtClean="0">
+                        <a:latin typeface="Cambria Math" panose="02040503050406030204" pitchFamily="18" charset="0"/>
+                      </a:rPr>
+                      <m:t>𝐴</m:t>
+                    </m:r>
+                    <m:r>
+                      <a:rPr lang="en-US" b="0" i="1" smtClean="0">
+                        <a:latin typeface="Cambria Math" panose="02040503050406030204" pitchFamily="18" charset="0"/>
+                      </a:rPr>
+                      <m:t>⋅</m:t>
+                    </m:r>
+                    <m:r>
+                      <a:rPr lang="en-US" b="0" i="1" smtClean="0">
+                        <a:latin typeface="Cambria Math" panose="02040503050406030204" pitchFamily="18" charset="0"/>
+                      </a:rPr>
+                      <m:t>𝐵</m:t>
+                    </m:r>
+                    <m:r>
+                      <a:rPr lang="en-US" b="0" i="1" smtClean="0">
+                        <a:latin typeface="Cambria Math" panose="02040503050406030204" pitchFamily="18" charset="0"/>
+                      </a:rPr>
+                      <m:t>=</m:t>
+                    </m:r>
+                    <m:nary>
+                      <m:naryPr>
+                        <m:chr m:val="∑"/>
+                        <m:ctrlPr>
+                          <a:rPr lang="en-US" b="0" i="1" smtClean="0">
+                            <a:latin typeface="Cambria Math" panose="02040503050406030204" pitchFamily="18" charset="0"/>
+                          </a:rPr>
+                        </m:ctrlPr>
+                      </m:naryPr>
+                      <m:sub>
+                        <m:r>
+                          <m:rPr>
+                            <m:brk m:alnAt="23"/>
+                          </m:rPr>
+                          <a:rPr lang="en-US" b="0" i="1" smtClean="0">
+                            <a:latin typeface="Cambria Math" panose="02040503050406030204" pitchFamily="18" charset="0"/>
+                          </a:rPr>
+                          <m:t>𝑖</m:t>
+                        </m:r>
+                        <m:r>
+                          <a:rPr lang="en-US" b="0" i="1" smtClean="0">
+                            <a:latin typeface="Cambria Math" panose="02040503050406030204" pitchFamily="18" charset="0"/>
+                          </a:rPr>
+                          <m:t>=1</m:t>
+                        </m:r>
+                      </m:sub>
+                      <m:sup>
+                        <m:r>
+                          <a:rPr lang="en-US" b="0" i="1" smtClean="0">
+                            <a:latin typeface="Cambria Math" panose="02040503050406030204" pitchFamily="18" charset="0"/>
+                          </a:rPr>
+                          <m:t>𝑛</m:t>
+                        </m:r>
+                      </m:sup>
+                      <m:e>
+                        <m:sSub>
+                          <m:sSubPr>
+                            <m:ctrlPr>
+                              <a:rPr lang="en-US" b="0" i="1" smtClean="0">
+                                <a:latin typeface="Cambria Math" panose="02040503050406030204" pitchFamily="18" charset="0"/>
+                              </a:rPr>
+                            </m:ctrlPr>
+                          </m:sSubPr>
+                          <m:e>
+                            <m:r>
+                              <a:rPr lang="en-US" b="0" i="1" smtClean="0">
+                                <a:latin typeface="Cambria Math" panose="02040503050406030204" pitchFamily="18" charset="0"/>
+                              </a:rPr>
+                              <m:t>𝑎</m:t>
+                            </m:r>
+                          </m:e>
+                          <m:sub>
+                            <m:r>
+                              <a:rPr lang="en-US" b="0" i="1" smtClean="0">
+                                <a:latin typeface="Cambria Math" panose="02040503050406030204" pitchFamily="18" charset="0"/>
+                              </a:rPr>
+                              <m:t>𝑖</m:t>
+                            </m:r>
+                          </m:sub>
+                        </m:sSub>
+                        <m:sSub>
+                          <m:sSubPr>
+                            <m:ctrlPr>
+                              <a:rPr lang="en-US" b="0" i="1" smtClean="0">
+                                <a:latin typeface="Cambria Math" panose="02040503050406030204" pitchFamily="18" charset="0"/>
+                              </a:rPr>
+                            </m:ctrlPr>
+                          </m:sSubPr>
+                          <m:e>
+                            <m:r>
+                              <a:rPr lang="en-US" b="0" i="1" smtClean="0">
+                                <a:latin typeface="Cambria Math" panose="02040503050406030204" pitchFamily="18" charset="0"/>
+                              </a:rPr>
+                              <m:t>𝑏</m:t>
+                            </m:r>
+                          </m:e>
+                          <m:sub>
+                            <m:r>
+                              <a:rPr lang="en-US" b="0" i="1" smtClean="0">
+                                <a:latin typeface="Cambria Math" panose="02040503050406030204" pitchFamily="18" charset="0"/>
+                              </a:rPr>
+                              <m:t>𝑖</m:t>
+                            </m:r>
+                          </m:sub>
+                        </m:sSub>
+                      </m:e>
+                    </m:nary>
+                  </m:oMath>
+                </a14:m>
+                <a:endParaRPr lang="en-US" dirty="0"/>
+              </a:p>
+              <a:p>
+                <a:pPr lvl="1"/>
+                <a14:m>
+                  <m:oMath xmlns:m="http://schemas.openxmlformats.org/officeDocument/2006/math">
+                    <m:d>
+                      <m:dPr>
+                        <m:begChr m:val="‖"/>
+                        <m:endChr m:val="‖"/>
+                        <m:ctrlPr>
+                          <a:rPr lang="en-US" i="1" smtClean="0">
+                            <a:latin typeface="Cambria Math" panose="02040503050406030204" pitchFamily="18" charset="0"/>
+                          </a:rPr>
+                        </m:ctrlPr>
+                      </m:dPr>
+                      <m:e>
+                        <m:r>
+                          <a:rPr lang="en-US" b="0" i="1" smtClean="0">
+                            <a:latin typeface="Cambria Math" panose="02040503050406030204" pitchFamily="18" charset="0"/>
+                          </a:rPr>
+                          <m:t>𝐴</m:t>
+                        </m:r>
+                      </m:e>
+                    </m:d>
+                    <m:r>
+                      <a:rPr lang="en-US" b="0" i="1" smtClean="0">
+                        <a:latin typeface="Cambria Math" panose="02040503050406030204" pitchFamily="18" charset="0"/>
+                      </a:rPr>
+                      <m:t>=</m:t>
+                    </m:r>
+                    <m:rad>
+                      <m:radPr>
+                        <m:degHide m:val="on"/>
+                        <m:ctrlPr>
+                          <a:rPr lang="en-US" b="0" i="1" smtClean="0">
+                            <a:latin typeface="Cambria Math" panose="02040503050406030204" pitchFamily="18" charset="0"/>
+                          </a:rPr>
+                        </m:ctrlPr>
+                      </m:radPr>
+                      <m:deg/>
+                      <m:e>
+                        <m:r>
+                          <a:rPr lang="en-US" b="0" i="1" smtClean="0">
+                            <a:latin typeface="Cambria Math" panose="02040503050406030204" pitchFamily="18" charset="0"/>
+                          </a:rPr>
+                          <m:t>𝐴</m:t>
+                        </m:r>
+                        <m:r>
+                          <a:rPr lang="en-US" b="0" i="1" smtClean="0">
+                            <a:latin typeface="Cambria Math" panose="02040503050406030204" pitchFamily="18" charset="0"/>
+                          </a:rPr>
+                          <m:t>⋅</m:t>
+                        </m:r>
+                        <m:r>
+                          <a:rPr lang="en-US" b="0" i="1" smtClean="0">
+                            <a:latin typeface="Cambria Math" panose="02040503050406030204" pitchFamily="18" charset="0"/>
+                          </a:rPr>
+                          <m:t>𝐵</m:t>
+                        </m:r>
+                      </m:e>
+                    </m:rad>
+                  </m:oMath>
+                </a14:m>
+                <a:r>
+                  <a:rPr lang="en-US" dirty="0"/>
+                  <a:t>    (Inner product definition of </a:t>
+                </a:r>
+                <a:r>
+                  <a:rPr lang="en-US" b="1" dirty="0"/>
+                  <a:t>length</a:t>
+                </a:r>
+                <a:r>
+                  <a:rPr lang="en-US" dirty="0"/>
+                  <a:t> of vector </a:t>
+                </a:r>
+                <a14:m>
+                  <m:oMath xmlns:m="http://schemas.openxmlformats.org/officeDocument/2006/math">
+                    <m:r>
+                      <a:rPr lang="en-US" b="0" i="1" smtClean="0">
+                        <a:latin typeface="Cambria Math" panose="02040503050406030204" pitchFamily="18" charset="0"/>
+                      </a:rPr>
+                      <m:t>𝐴</m:t>
+                    </m:r>
+                  </m:oMath>
+                </a14:m>
+                <a:r>
+                  <a:rPr lang="en-US" dirty="0"/>
+                  <a:t>)</a:t>
+                </a:r>
+              </a:p>
+              <a:p>
+                <a:pPr lvl="1"/>
+                <a14:m>
+                  <m:oMath xmlns:m="http://schemas.openxmlformats.org/officeDocument/2006/math">
+                    <m:func>
+                      <m:funcPr>
+                        <m:ctrlPr>
+                          <a:rPr lang="en-US" b="0" i="1" smtClean="0">
+                            <a:latin typeface="Cambria Math" panose="02040503050406030204" pitchFamily="18" charset="0"/>
+                          </a:rPr>
+                        </m:ctrlPr>
+                      </m:funcPr>
+                      <m:fName>
+                        <m:r>
+                          <m:rPr>
+                            <m:sty m:val="p"/>
+                          </m:rPr>
+                          <a:rPr lang="en-US" b="0" i="0" smtClean="0">
+                            <a:latin typeface="Cambria Math" panose="02040503050406030204" pitchFamily="18" charset="0"/>
+                          </a:rPr>
+                          <m:t>cos</m:t>
+                        </m:r>
+                      </m:fName>
+                      <m:e>
+                        <m:d>
+                          <m:dPr>
+                            <m:ctrlPr>
+                              <a:rPr lang="en-US" b="0" i="1" smtClean="0">
+                                <a:latin typeface="Cambria Math" panose="02040503050406030204" pitchFamily="18" charset="0"/>
+                              </a:rPr>
+                            </m:ctrlPr>
+                          </m:dPr>
+                          <m:e>
+                            <m:r>
+                              <a:rPr lang="en-US" b="0" i="1" smtClean="0">
+                                <a:latin typeface="Cambria Math" panose="02040503050406030204" pitchFamily="18" charset="0"/>
+                              </a:rPr>
+                              <m:t>𝜃</m:t>
+                            </m:r>
+                          </m:e>
+                        </m:d>
+                      </m:e>
+                    </m:func>
+                    <m:r>
+                      <a:rPr lang="en-US" b="0" i="1" smtClean="0">
+                        <a:latin typeface="Cambria Math" panose="02040503050406030204" pitchFamily="18" charset="0"/>
+                      </a:rPr>
+                      <m:t>=</m:t>
+                    </m:r>
+                    <m:box>
+                      <m:boxPr>
+                        <m:ctrlPr>
+                          <a:rPr lang="en-US" b="0" i="1" smtClean="0">
+                            <a:latin typeface="Cambria Math" panose="02040503050406030204" pitchFamily="18" charset="0"/>
+                          </a:rPr>
+                        </m:ctrlPr>
+                      </m:boxPr>
+                      <m:e>
+                        <m:argPr>
+                          <m:argSz m:val="-1"/>
+                        </m:argPr>
+                        <m:f>
+                          <m:fPr>
+                            <m:ctrlPr>
+                              <a:rPr lang="en-US" b="0" i="1" smtClean="0">
+                                <a:latin typeface="Cambria Math" panose="02040503050406030204" pitchFamily="18" charset="0"/>
+                              </a:rPr>
+                            </m:ctrlPr>
+                          </m:fPr>
+                          <m:num>
+                            <m:r>
+                              <a:rPr lang="en-US" b="0" i="1" smtClean="0">
+                                <a:latin typeface="Cambria Math" panose="02040503050406030204" pitchFamily="18" charset="0"/>
+                              </a:rPr>
+                              <m:t>𝐴</m:t>
+                            </m:r>
+                            <m:r>
+                              <a:rPr lang="en-US" b="0" i="1" smtClean="0">
+                                <a:latin typeface="Cambria Math" panose="02040503050406030204" pitchFamily="18" charset="0"/>
+                              </a:rPr>
+                              <m:t>⋅</m:t>
+                            </m:r>
+                            <m:r>
+                              <a:rPr lang="en-US" b="0" i="1" smtClean="0">
+                                <a:latin typeface="Cambria Math" panose="02040503050406030204" pitchFamily="18" charset="0"/>
+                              </a:rPr>
+                              <m:t>𝐵</m:t>
+                            </m:r>
+                          </m:num>
+                          <m:den>
+                            <m:d>
+                              <m:dPr>
+                                <m:begChr m:val="‖"/>
+                                <m:endChr m:val="‖"/>
+                                <m:ctrlPr>
+                                  <a:rPr lang="en-US" b="0" i="1" smtClean="0">
+                                    <a:latin typeface="Cambria Math" panose="02040503050406030204" pitchFamily="18" charset="0"/>
+                                  </a:rPr>
+                                </m:ctrlPr>
+                              </m:dPr>
+                              <m:e>
+                                <m:r>
+                                  <a:rPr lang="en-US" b="0" i="1" smtClean="0">
+                                    <a:latin typeface="Cambria Math" panose="02040503050406030204" pitchFamily="18" charset="0"/>
+                                  </a:rPr>
+                                  <m:t>𝐴</m:t>
+                                </m:r>
+                              </m:e>
+                            </m:d>
+                            <m:d>
+                              <m:dPr>
+                                <m:begChr m:val="‖"/>
+                                <m:endChr m:val="‖"/>
+                                <m:ctrlPr>
+                                  <a:rPr lang="en-US" b="0" i="1" smtClean="0">
+                                    <a:latin typeface="Cambria Math" panose="02040503050406030204" pitchFamily="18" charset="0"/>
+                                  </a:rPr>
+                                </m:ctrlPr>
+                              </m:dPr>
+                              <m:e>
+                                <m:r>
+                                  <a:rPr lang="en-US" b="0" i="1" smtClean="0">
+                                    <a:latin typeface="Cambria Math" panose="02040503050406030204" pitchFamily="18" charset="0"/>
+                                  </a:rPr>
+                                  <m:t>𝐵</m:t>
+                                </m:r>
+                              </m:e>
+                            </m:d>
+                          </m:den>
+                        </m:f>
+                      </m:e>
+                    </m:box>
+                  </m:oMath>
+                </a14:m>
+                <a:r>
+                  <a:rPr lang="en-US" dirty="0"/>
+                  <a:t>  (Inner product definition of </a:t>
+                </a:r>
+                <a:r>
+                  <a:rPr lang="en-US" b="1" dirty="0"/>
+                  <a:t>angle </a:t>
+                </a:r>
+                <a14:m>
+                  <m:oMath xmlns:m="http://schemas.openxmlformats.org/officeDocument/2006/math">
+                    <m:r>
+                      <a:rPr lang="en-US" b="1" i="1" smtClean="0">
+                        <a:latin typeface="Cambria Math" panose="02040503050406030204" pitchFamily="18" charset="0"/>
+                      </a:rPr>
+                      <m:t>𝜽</m:t>
+                    </m:r>
+                  </m:oMath>
+                </a14:m>
+                <a:r>
+                  <a:rPr lang="en-US" b="1" dirty="0"/>
+                  <a:t> </a:t>
+                </a:r>
+                <a:r>
+                  <a:rPr lang="en-US" dirty="0"/>
+                  <a:t>between </a:t>
+                </a:r>
+                <a14:m>
+                  <m:oMath xmlns:m="http://schemas.openxmlformats.org/officeDocument/2006/math">
+                    <m:r>
+                      <a:rPr lang="en-US" i="1">
+                        <a:latin typeface="Cambria Math" panose="02040503050406030204" pitchFamily="18" charset="0"/>
+                      </a:rPr>
+                      <m:t>𝐴</m:t>
+                    </m:r>
+                  </m:oMath>
+                </a14:m>
+                <a:r>
+                  <a:rPr lang="en-US" dirty="0"/>
+                  <a:t> and </a:t>
+                </a:r>
+                <a14:m>
+                  <m:oMath xmlns:m="http://schemas.openxmlformats.org/officeDocument/2006/math">
+                    <m:r>
+                      <a:rPr lang="en-US" b="0" i="1" smtClean="0">
+                        <a:latin typeface="Cambria Math" panose="02040503050406030204" pitchFamily="18" charset="0"/>
+                      </a:rPr>
+                      <m:t>𝐵</m:t>
+                    </m:r>
+                  </m:oMath>
+                </a14:m>
+                <a:r>
+                  <a:rPr lang="en-US" dirty="0"/>
+                  <a:t>)</a:t>
+                </a:r>
+              </a:p>
+            </p:txBody>
+          </p:sp>
+        </mc:Choice>
+        <mc:Fallback>
+          <p:sp>
+            <p:nvSpPr>
+              <p:cNvPr id="3" name="Content Placeholder 2"/>
+              <p:cNvSpPr>
+                <a:spLocks noGrp="1" noRot="1" noChangeAspect="1" noMove="1" noResize="1" noEditPoints="1" noAdjustHandles="1" noChangeArrowheads="1" noChangeShapeType="1" noTextEdit="1"/>
+              </p:cNvSpPr>
+              <p:nvPr>
+                <p:ph idx="1"/>
+              </p:nvPr>
+            </p:nvSpPr>
+            <p:spPr>
+              <a:xfrm>
+                <a:off x="2231136" y="2638044"/>
+                <a:ext cx="7729728" cy="3523059"/>
+              </a:xfrm>
+              <a:blipFill>
+                <a:blip r:embed="rId2"/>
+                <a:stretch>
+                  <a:fillRect l="-473" t="-1038"/>
+                </a:stretch>
+              </a:blipFill>
+            </p:spPr>
+            <p:txBody>
+              <a:bodyPr/>
+              <a:lstStyle/>
+              <a:p>
+                <a:r>
+                  <a:rPr lang="en-US">
+                    <a:noFill/>
+                  </a:rPr>
+                  <a:t> </a:t>
+                </a:r>
+              </a:p>
+            </p:txBody>
+          </p:sp>
+        </mc:Fallback>
+      </mc:AlternateContent>
     </p:spTree>
     <p:extLst>
       <p:ext uri="{BB962C8B-B14F-4D97-AF65-F5344CB8AC3E}">
         <p14:creationId xmlns:p14="http://schemas.microsoft.com/office/powerpoint/2010/main" val="61979083"/>
+      </p:ext>
+    </p:extLst>
+  </p:cSld>
+  <p:clrMapOvr>
+    <a:masterClrMapping/>
+  </p:clrMapOvr>
+</p:sld>
+</file>
+
+<file path=ppt/slides/slide6.xml><?xml version="1.0" encoding="utf-8"?>
+<p:sld xmlns:a="http://schemas.openxmlformats.org/drawingml/2006/main" xmlns:r="http://schemas.openxmlformats.org/officeDocument/2006/relationships" xmlns:p="http://schemas.openxmlformats.org/presentationml/2006/main">
+  <p:cSld>
+    <p:spTree>
+      <p:nvGrpSpPr>
+        <p:cNvPr id="1" name=""/>
+        <p:cNvGrpSpPr/>
+        <p:nvPr/>
+      </p:nvGrpSpPr>
+      <p:grpSpPr>
+        <a:xfrm>
+          <a:off x="0" y="0"/>
+          <a:ext cx="0" cy="0"/>
+          <a:chOff x="0" y="0"/>
+          <a:chExt cx="0" cy="0"/>
+        </a:xfrm>
+      </p:grpSpPr>
+      <p:grpSp>
+        <p:nvGrpSpPr>
+          <p:cNvPr id="7" name="Group 6"/>
+          <p:cNvGrpSpPr/>
+          <p:nvPr/>
+        </p:nvGrpSpPr>
+        <p:grpSpPr>
+          <a:xfrm>
+            <a:off x="599050" y="433204"/>
+            <a:ext cx="10993900" cy="5050562"/>
+            <a:chOff x="599050" y="903719"/>
+            <a:chExt cx="10993900" cy="5050562"/>
+          </a:xfrm>
+        </p:grpSpPr>
+        <p:pic>
+          <p:nvPicPr>
+            <p:cNvPr id="4" name="Picture 3"/>
+            <p:cNvPicPr>
+              <a:picLocks noChangeAspect="1"/>
+            </p:cNvPicPr>
+            <p:nvPr/>
+          </p:nvPicPr>
+          <p:blipFill>
+            <a:blip r:embed="rId2"/>
+            <a:stretch>
+              <a:fillRect/>
+            </a:stretch>
+          </p:blipFill>
+          <p:spPr>
+            <a:xfrm>
+              <a:off x="599050" y="903719"/>
+              <a:ext cx="10993900" cy="5050562"/>
+            </a:xfrm>
+            <a:prstGeom prst="rect">
+              <a:avLst/>
+            </a:prstGeom>
+          </p:spPr>
+        </p:pic>
+        <p:sp>
+          <p:nvSpPr>
+            <p:cNvPr id="5" name="TextBox 4"/>
+            <p:cNvSpPr txBox="1"/>
+            <p:nvPr/>
+          </p:nvSpPr>
+          <p:spPr>
+            <a:xfrm>
+              <a:off x="4847207" y="1083076"/>
+              <a:ext cx="2308194" cy="430887"/>
+            </a:xfrm>
+            <a:prstGeom prst="rect">
+              <a:avLst/>
+            </a:prstGeom>
+            <a:noFill/>
+          </p:spPr>
+          <p:txBody>
+            <a:bodyPr wrap="square" rtlCol="0">
+              <a:spAutoFit/>
+            </a:bodyPr>
+            <a:lstStyle/>
+            <a:p>
+              <a:pPr algn="ctr"/>
+              <a:r>
+                <a:rPr lang="en-US" sz="2200" dirty="0">
+                  <a:solidFill>
+                    <a:srgbClr val="0070C0"/>
+                  </a:solidFill>
+                  <a:latin typeface="Arial" panose="020B0604020202020204" pitchFamily="34" charset="0"/>
+                  <a:cs typeface="Arial" panose="020B0604020202020204" pitchFamily="34" charset="0"/>
+                </a:rPr>
+                <a:t>Orthogonal Case</a:t>
+              </a:r>
+            </a:p>
+          </p:txBody>
+        </p:sp>
+      </p:grpSp>
+      <p:sp>
+        <p:nvSpPr>
+          <p:cNvPr id="6" name="TextBox 5"/>
+          <p:cNvSpPr txBox="1"/>
+          <p:nvPr/>
+        </p:nvSpPr>
+        <p:spPr>
+          <a:xfrm>
+            <a:off x="2900039" y="5769596"/>
+            <a:ext cx="6391922" cy="646331"/>
+          </a:xfrm>
+          <a:prstGeom prst="rect">
+            <a:avLst/>
+          </a:prstGeom>
+          <a:solidFill>
+            <a:schemeClr val="bg1"/>
+          </a:solidFill>
+          <a:ln w="38100">
+            <a:solidFill>
+              <a:schemeClr val="accent1"/>
+            </a:solidFill>
+          </a:ln>
+        </p:spPr>
+        <p:txBody>
+          <a:bodyPr wrap="square" rtlCol="0">
+            <a:spAutoFit/>
+          </a:bodyPr>
+          <a:lstStyle/>
+          <a:p>
+            <a:pPr algn="just"/>
+            <a:r>
+              <a:rPr lang="en-US" dirty="0">
+                <a:solidFill>
+                  <a:srgbClr val="0070C0"/>
+                </a:solidFill>
+              </a:rPr>
+              <a:t>The dot product can be thought of as the length along one of the vectors of the </a:t>
+            </a:r>
+            <a:r>
+              <a:rPr lang="en-US" b="1" dirty="0">
+                <a:solidFill>
+                  <a:srgbClr val="0070C0"/>
+                </a:solidFill>
+              </a:rPr>
+              <a:t>projection</a:t>
+            </a:r>
+            <a:r>
+              <a:rPr lang="en-US" dirty="0">
+                <a:solidFill>
+                  <a:srgbClr val="0070C0"/>
+                </a:solidFill>
+              </a:rPr>
+              <a:t> of the other vector.</a:t>
+            </a:r>
+          </a:p>
+        </p:txBody>
+      </p:sp>
+    </p:spTree>
+    <p:extLst>
+      <p:ext uri="{BB962C8B-B14F-4D97-AF65-F5344CB8AC3E}">
+        <p14:creationId xmlns:p14="http://schemas.microsoft.com/office/powerpoint/2010/main" val="735594970"/>
+      </p:ext>
+    </p:extLst>
+  </p:cSld>
+  <p:clrMapOvr>
+    <a:masterClrMapping/>
+  </p:clrMapOvr>
+</p:sld>
+</file>
+
+<file path=ppt/slides/slide7.xml><?xml version="1.0" encoding="utf-8"?>
+<p:sld xmlns:a="http://schemas.openxmlformats.org/drawingml/2006/main" xmlns:r="http://schemas.openxmlformats.org/officeDocument/2006/relationships" xmlns:p="http://schemas.openxmlformats.org/presentationml/2006/main">
+  <p:cSld>
+    <p:spTree>
+      <p:nvGrpSpPr>
+        <p:cNvPr id="1" name=""/>
+        <p:cNvGrpSpPr/>
+        <p:nvPr/>
+      </p:nvGrpSpPr>
+      <p:grpSpPr>
+        <a:xfrm>
+          <a:off x="0" y="0"/>
+          <a:ext cx="0" cy="0"/>
+          <a:chOff x="0" y="0"/>
+          <a:chExt cx="0" cy="0"/>
+        </a:xfrm>
+      </p:grpSpPr>
+      <p:grpSp>
+        <p:nvGrpSpPr>
+          <p:cNvPr id="7" name="Group 6"/>
+          <p:cNvGrpSpPr/>
+          <p:nvPr/>
+        </p:nvGrpSpPr>
+        <p:grpSpPr>
+          <a:xfrm>
+            <a:off x="599050" y="433204"/>
+            <a:ext cx="10993900" cy="5050562"/>
+            <a:chOff x="599050" y="903719"/>
+            <a:chExt cx="10993900" cy="5050562"/>
+          </a:xfrm>
+        </p:grpSpPr>
+        <p:pic>
+          <p:nvPicPr>
+            <p:cNvPr id="4" name="Picture 3"/>
+            <p:cNvPicPr>
+              <a:picLocks noChangeAspect="1"/>
+            </p:cNvPicPr>
+            <p:nvPr/>
+          </p:nvPicPr>
+          <p:blipFill>
+            <a:blip r:embed="rId2"/>
+            <a:stretch>
+              <a:fillRect/>
+            </a:stretch>
+          </p:blipFill>
+          <p:spPr>
+            <a:xfrm>
+              <a:off x="599050" y="903719"/>
+              <a:ext cx="10993900" cy="5050562"/>
+            </a:xfrm>
+            <a:prstGeom prst="rect">
+              <a:avLst/>
+            </a:prstGeom>
+          </p:spPr>
+        </p:pic>
+        <p:sp>
+          <p:nvSpPr>
+            <p:cNvPr id="5" name="TextBox 4"/>
+            <p:cNvSpPr txBox="1"/>
+            <p:nvPr/>
+          </p:nvSpPr>
+          <p:spPr>
+            <a:xfrm>
+              <a:off x="4847207" y="1083076"/>
+              <a:ext cx="2308194" cy="430887"/>
+            </a:xfrm>
+            <a:prstGeom prst="rect">
+              <a:avLst/>
+            </a:prstGeom>
+            <a:noFill/>
+          </p:spPr>
+          <p:txBody>
+            <a:bodyPr wrap="square" rtlCol="0">
+              <a:spAutoFit/>
+            </a:bodyPr>
+            <a:lstStyle/>
+            <a:p>
+              <a:pPr algn="ctr"/>
+              <a:r>
+                <a:rPr lang="en-US" sz="2200" dirty="0">
+                  <a:solidFill>
+                    <a:srgbClr val="0070C0"/>
+                  </a:solidFill>
+                  <a:latin typeface="Arial" panose="020B0604020202020204" pitchFamily="34" charset="0"/>
+                  <a:cs typeface="Arial" panose="020B0604020202020204" pitchFamily="34" charset="0"/>
+                </a:rPr>
+                <a:t>Orthogonal Case</a:t>
+              </a:r>
+            </a:p>
+          </p:txBody>
+        </p:sp>
+      </p:grpSp>
+      <p:sp>
+        <p:nvSpPr>
+          <p:cNvPr id="6" name="TextBox 5"/>
+          <p:cNvSpPr txBox="1"/>
+          <p:nvPr/>
+        </p:nvSpPr>
+        <p:spPr>
+          <a:xfrm>
+            <a:off x="2900039" y="5769596"/>
+            <a:ext cx="6391922" cy="646331"/>
+          </a:xfrm>
+          <a:prstGeom prst="rect">
+            <a:avLst/>
+          </a:prstGeom>
+          <a:solidFill>
+            <a:schemeClr val="bg1"/>
+          </a:solidFill>
+          <a:ln w="38100">
+            <a:solidFill>
+              <a:schemeClr val="accent1"/>
+            </a:solidFill>
+          </a:ln>
+        </p:spPr>
+        <p:txBody>
+          <a:bodyPr wrap="square" rtlCol="0">
+            <a:spAutoFit/>
+          </a:bodyPr>
+          <a:lstStyle/>
+          <a:p>
+            <a:pPr algn="just"/>
+            <a:r>
+              <a:rPr lang="en-US" dirty="0">
+                <a:solidFill>
+                  <a:srgbClr val="0070C0"/>
+                </a:solidFill>
+              </a:rPr>
+              <a:t>The dot product can be thought of as the length along one of the vectors of the </a:t>
+            </a:r>
+            <a:r>
+              <a:rPr lang="en-US" b="1" dirty="0">
+                <a:solidFill>
+                  <a:srgbClr val="0070C0"/>
+                </a:solidFill>
+              </a:rPr>
+              <a:t>projection</a:t>
+            </a:r>
+            <a:r>
+              <a:rPr lang="en-US" dirty="0">
+                <a:solidFill>
+                  <a:srgbClr val="0070C0"/>
+                </a:solidFill>
+              </a:rPr>
+              <a:t> of the other vector.</a:t>
+            </a:r>
+          </a:p>
+        </p:txBody>
+      </p:sp>
+    </p:spTree>
+    <p:extLst>
+      <p:ext uri="{BB962C8B-B14F-4D97-AF65-F5344CB8AC3E}">
+        <p14:creationId xmlns:p14="http://schemas.microsoft.com/office/powerpoint/2010/main" val="2453329963"/>
+      </p:ext>
+    </p:extLst>
+  </p:cSld>
+  <p:clrMapOvr>
+    <a:masterClrMapping/>
+  </p:clrMapOvr>
+</p:sld>
+</file>
+
+<file path=ppt/slides/slide8.xml><?xml version="1.0" encoding="utf-8"?>
+<p:sld xmlns:a="http://schemas.openxmlformats.org/drawingml/2006/main" xmlns:r="http://schemas.openxmlformats.org/officeDocument/2006/relationships" xmlns:p="http://schemas.openxmlformats.org/presentationml/2006/main">
+  <p:cSld>
+    <p:spTree>
+      <p:nvGrpSpPr>
+        <p:cNvPr id="1" name=""/>
+        <p:cNvGrpSpPr/>
+        <p:nvPr/>
+      </p:nvGrpSpPr>
+      <p:grpSpPr>
+        <a:xfrm>
+          <a:off x="0" y="0"/>
+          <a:ext cx="0" cy="0"/>
+          <a:chOff x="0" y="0"/>
+          <a:chExt cx="0" cy="0"/>
+        </a:xfrm>
+      </p:grpSpPr>
+      <p:pic>
+        <p:nvPicPr>
+          <p:cNvPr id="4" name="Picture 3"/>
+          <p:cNvPicPr>
+            <a:picLocks noChangeAspect="1"/>
+          </p:cNvPicPr>
+          <p:nvPr/>
+        </p:nvPicPr>
+        <p:blipFill>
+          <a:blip r:embed="rId2"/>
+          <a:stretch>
+            <a:fillRect/>
+          </a:stretch>
+        </p:blipFill>
+        <p:spPr>
+          <a:xfrm>
+            <a:off x="599050" y="903719"/>
+            <a:ext cx="10993900" cy="5050562"/>
+          </a:xfrm>
+          <a:prstGeom prst="rect">
+            <a:avLst/>
+          </a:prstGeom>
+        </p:spPr>
+      </p:pic>
+      <p:sp>
+        <p:nvSpPr>
+          <p:cNvPr id="5" name="TextBox 4"/>
+          <p:cNvSpPr txBox="1"/>
+          <p:nvPr/>
+        </p:nvSpPr>
+        <p:spPr>
+          <a:xfrm>
+            <a:off x="4847207" y="1083076"/>
+            <a:ext cx="2308194" cy="430887"/>
+          </a:xfrm>
+          <a:prstGeom prst="rect">
+            <a:avLst/>
+          </a:prstGeom>
+          <a:noFill/>
+        </p:spPr>
+        <p:txBody>
+          <a:bodyPr wrap="square" rtlCol="0">
+            <a:spAutoFit/>
+          </a:bodyPr>
+          <a:lstStyle/>
+          <a:p>
+            <a:pPr algn="ctr"/>
+            <a:r>
+              <a:rPr lang="en-US" sz="2200" dirty="0">
+                <a:solidFill>
+                  <a:srgbClr val="0070C0"/>
+                </a:solidFill>
+                <a:latin typeface="Arial" panose="020B0604020202020204" pitchFamily="34" charset="0"/>
+                <a:cs typeface="Arial" panose="020B0604020202020204" pitchFamily="34" charset="0"/>
+              </a:rPr>
+              <a:t>Orthogonal Case</a:t>
+            </a:r>
+          </a:p>
+        </p:txBody>
+      </p:sp>
+      <p:pic>
+        <p:nvPicPr>
+          <p:cNvPr id="2" name="Picture 1"/>
+          <p:cNvPicPr>
+            <a:picLocks noChangeAspect="1"/>
+          </p:cNvPicPr>
+          <p:nvPr/>
+        </p:nvPicPr>
+        <p:blipFill>
+          <a:blip r:embed="rId3"/>
+          <a:stretch>
+            <a:fillRect/>
+          </a:stretch>
+        </p:blipFill>
+        <p:spPr>
+          <a:xfrm>
+            <a:off x="7822387" y="5118532"/>
+            <a:ext cx="3667125" cy="1485900"/>
+          </a:xfrm>
+          <a:prstGeom prst="rect">
+            <a:avLst/>
+          </a:prstGeom>
+          <a:ln w="38100">
+            <a:solidFill>
+              <a:schemeClr val="accent1"/>
+            </a:solidFill>
+          </a:ln>
+        </p:spPr>
+      </p:pic>
+      <p:pic>
+        <p:nvPicPr>
+          <p:cNvPr id="3" name="Picture 2"/>
+          <p:cNvPicPr>
+            <a:picLocks noChangeAspect="1"/>
+          </p:cNvPicPr>
+          <p:nvPr/>
+        </p:nvPicPr>
+        <p:blipFill>
+          <a:blip r:embed="rId4"/>
+          <a:stretch>
+            <a:fillRect/>
+          </a:stretch>
+        </p:blipFill>
+        <p:spPr>
+          <a:xfrm>
+            <a:off x="4174727" y="5147107"/>
+            <a:ext cx="3505200" cy="1428750"/>
+          </a:xfrm>
+          <a:prstGeom prst="rect">
+            <a:avLst/>
+          </a:prstGeom>
+          <a:ln w="38100">
+            <a:solidFill>
+              <a:schemeClr val="accent1"/>
+            </a:solidFill>
+          </a:ln>
+        </p:spPr>
+      </p:pic>
+    </p:spTree>
+    <p:extLst>
+      <p:ext uri="{BB962C8B-B14F-4D97-AF65-F5344CB8AC3E}">
+        <p14:creationId xmlns:p14="http://schemas.microsoft.com/office/powerpoint/2010/main" val="1463008120"/>
+      </p:ext>
+    </p:extLst>
+  </p:cSld>
+  <p:clrMapOvr>
+    <a:masterClrMapping/>
+  </p:clrMapOvr>
+</p:sld>
+</file>
+
+<file path=ppt/slides/slide9.xml><?xml version="1.0" encoding="utf-8"?>
+<p:sld xmlns:a="http://schemas.openxmlformats.org/drawingml/2006/main" xmlns:r="http://schemas.openxmlformats.org/officeDocument/2006/relationships" xmlns:p="http://schemas.openxmlformats.org/presentationml/2006/main">
+  <p:cSld>
+    <p:spTree>
+      <p:nvGrpSpPr>
+        <p:cNvPr id="1" name=""/>
+        <p:cNvGrpSpPr/>
+        <p:nvPr/>
+      </p:nvGrpSpPr>
+      <p:grpSpPr>
+        <a:xfrm>
+          <a:off x="0" y="0"/>
+          <a:ext cx="0" cy="0"/>
+          <a:chOff x="0" y="0"/>
+          <a:chExt cx="0" cy="0"/>
+        </a:xfrm>
+      </p:grpSpPr>
+      <p:sp>
+        <p:nvSpPr>
+          <p:cNvPr id="2" name="Title 1"/>
+          <p:cNvSpPr>
+            <a:spLocks noGrp="1"/>
+          </p:cNvSpPr>
+          <p:nvPr>
+            <p:ph type="title"/>
+          </p:nvPr>
+        </p:nvSpPr>
+        <p:spPr/>
+        <p:txBody>
+          <a:bodyPr/>
+          <a:lstStyle/>
+          <a:p>
+            <a:r>
+              <a:rPr lang="en-US" dirty="0"/>
+              <a:t>Weird at First</a:t>
+            </a:r>
+          </a:p>
+        </p:txBody>
+      </p:sp>
+      <p:sp>
+        <p:nvSpPr>
+          <p:cNvPr id="3" name="Content Placeholder 2"/>
+          <p:cNvSpPr>
+            <a:spLocks noGrp="1"/>
+          </p:cNvSpPr>
+          <p:nvPr>
+            <p:ph idx="1"/>
+          </p:nvPr>
+        </p:nvSpPr>
+        <p:spPr/>
+        <p:txBody>
+          <a:bodyPr/>
+          <a:lstStyle/>
+          <a:p>
+            <a:r>
+              <a:rPr lang="en-US" dirty="0"/>
+              <a:t>It takes some getting used to, but our vectors live in a </a:t>
+            </a:r>
+            <a:r>
+              <a:rPr lang="en-US" b="1" dirty="0"/>
+              <a:t>high dimensional space</a:t>
+            </a:r>
+            <a:r>
+              <a:rPr lang="en-US" dirty="0"/>
+              <a:t>:</a:t>
+            </a:r>
+          </a:p>
+          <a:p>
+            <a:pPr lvl="1"/>
+            <a:r>
+              <a:rPr lang="en-US" dirty="0"/>
+              <a:t>A vector of length 2 is a point in </a:t>
+            </a:r>
+            <a:r>
+              <a:rPr lang="en-US" b="1" dirty="0"/>
+              <a:t>2-space</a:t>
+            </a:r>
+            <a:r>
+              <a:rPr lang="en-US" dirty="0"/>
+              <a:t> (the </a:t>
+            </a:r>
+            <a:r>
+              <a:rPr lang="en-US" b="1" dirty="0"/>
+              <a:t>Cartesian plane</a:t>
+            </a:r>
+            <a:r>
+              <a:rPr lang="en-US" dirty="0"/>
+              <a:t>)</a:t>
+            </a:r>
+          </a:p>
+          <a:p>
+            <a:pPr lvl="1"/>
+            <a:r>
+              <a:rPr lang="en-US" dirty="0"/>
+              <a:t>A vector of length 3 is a point in 3-D space </a:t>
+            </a:r>
+          </a:p>
+          <a:p>
+            <a:pPr lvl="1"/>
+            <a:r>
+              <a:rPr lang="en-US" dirty="0"/>
+              <a:t>A vector representing a 2 second sample of EEG (for one electrode) with a sampling rate of 512 Hz is a vector of length 1024</a:t>
+            </a:r>
+          </a:p>
+          <a:p>
+            <a:pPr lvl="2"/>
+            <a:r>
+              <a:rPr lang="en-US" dirty="0"/>
+              <a:t>It lives as a single point in a </a:t>
+            </a:r>
+            <a:r>
+              <a:rPr lang="en-US" b="1" dirty="0"/>
+              <a:t>1024-dimensional space</a:t>
+            </a:r>
+          </a:p>
+          <a:p>
+            <a:pPr lvl="2"/>
+            <a:r>
+              <a:rPr lang="en-US" dirty="0"/>
+              <a:t>Each number in the vector is one coordinate of the 1024-dimensional point</a:t>
+            </a:r>
+          </a:p>
+        </p:txBody>
+      </p:sp>
+    </p:spTree>
+    <p:extLst>
+      <p:ext uri="{BB962C8B-B14F-4D97-AF65-F5344CB8AC3E}">
+        <p14:creationId xmlns:p14="http://schemas.microsoft.com/office/powerpoint/2010/main" val="3108552304"/>
       </p:ext>
     </p:extLst>
   </p:cSld>

--- a/chap_10_11.pptx
+++ b/chap_10_11.pptx
@@ -7,18 +7,30 @@
   <p:sldIdLst>
     <p:sldId id="256" r:id="rId2"/>
     <p:sldId id="257" r:id="rId3"/>
-    <p:sldId id="258" r:id="rId4"/>
-    <p:sldId id="263" r:id="rId5"/>
-    <p:sldId id="259" r:id="rId6"/>
-    <p:sldId id="264" r:id="rId7"/>
-    <p:sldId id="267" r:id="rId8"/>
-    <p:sldId id="266" r:id="rId9"/>
-    <p:sldId id="265" r:id="rId10"/>
-    <p:sldId id="269" r:id="rId11"/>
-    <p:sldId id="261" r:id="rId12"/>
-    <p:sldId id="262" r:id="rId13"/>
-    <p:sldId id="260" r:id="rId14"/>
-    <p:sldId id="268" r:id="rId15"/>
+    <p:sldId id="277" r:id="rId4"/>
+    <p:sldId id="287" r:id="rId5"/>
+    <p:sldId id="286" r:id="rId6"/>
+    <p:sldId id="278" r:id="rId7"/>
+    <p:sldId id="280" r:id="rId8"/>
+    <p:sldId id="288" r:id="rId9"/>
+    <p:sldId id="261" r:id="rId10"/>
+    <p:sldId id="262" r:id="rId11"/>
+    <p:sldId id="289" r:id="rId12"/>
+    <p:sldId id="279" r:id="rId13"/>
+    <p:sldId id="263" r:id="rId14"/>
+    <p:sldId id="259" r:id="rId15"/>
+    <p:sldId id="260" r:id="rId16"/>
+    <p:sldId id="268" r:id="rId17"/>
+    <p:sldId id="264" r:id="rId18"/>
+    <p:sldId id="266" r:id="rId19"/>
+    <p:sldId id="281" r:id="rId20"/>
+    <p:sldId id="265" r:id="rId21"/>
+    <p:sldId id="270" r:id="rId22"/>
+    <p:sldId id="273" r:id="rId23"/>
+    <p:sldId id="272" r:id="rId24"/>
+    <p:sldId id="271" r:id="rId25"/>
+    <p:sldId id="276" r:id="rId26"/>
+    <p:sldId id="274" r:id="rId27"/>
   </p:sldIdLst>
   <p:sldSz cx="12192000" cy="6858000"/>
   <p:notesSz cx="6858000" cy="9144000"/>
@@ -280,7 +292,7 @@
           <a:p>
             <a:fld id="{CA430C0A-5464-4FE4-84EB-FF9C94016DF4}" type="datetimeFigureOut">
               <a:rPr lang="en-US" dirty="0"/>
-              <a:t>7/13/2016</a:t>
+              <a:t>7/14/2016</a:t>
             </a:fld>
             <a:endParaRPr lang="en-US" dirty="0"/>
           </a:p>
@@ -446,7 +458,7 @@
           <a:p>
             <a:fld id="{E9F9C37B-1D36-470B-8223-D6C91242EC14}" type="datetimeFigureOut">
               <a:rPr lang="en-US" dirty="0"/>
-              <a:t>7/13/2016</a:t>
+              <a:t>7/14/2016</a:t>
             </a:fld>
             <a:endParaRPr lang="en-US" dirty="0"/>
           </a:p>
@@ -621,7 +633,7 @@
           <a:p>
             <a:fld id="{67C6F52A-A82B-47A2-A83A-8C4C91F2D59F}" type="datetimeFigureOut">
               <a:rPr lang="en-US" dirty="0"/>
-              <a:t>7/13/2016</a:t>
+              <a:t>7/14/2016</a:t>
             </a:fld>
             <a:endParaRPr lang="en-US" dirty="0"/>
           </a:p>
@@ -786,7 +798,7 @@
           <a:p>
             <a:fld id="{F070A7B3-6521-4DCA-87E5-044747A908C1}" type="datetimeFigureOut">
               <a:rPr lang="en-US" dirty="0"/>
-              <a:t>7/13/2016</a:t>
+              <a:t>7/14/2016</a:t>
             </a:fld>
             <a:endParaRPr lang="en-US" dirty="0"/>
           </a:p>
@@ -1042,7 +1054,7 @@
           <a:p>
             <a:fld id="{360C6404-AD6E-4860-8E75-697CA40B95DA}" type="datetimeFigureOut">
               <a:rPr lang="en-US" dirty="0"/>
-              <a:t>7/13/2016</a:t>
+              <a:t>7/14/2016</a:t>
             </a:fld>
             <a:endParaRPr lang="en-US" dirty="0"/>
           </a:p>
@@ -1270,7 +1282,7 @@
           <a:p>
             <a:fld id="{AB134690-1557-4C89-A502-4959FE7FAD70}" type="datetimeFigureOut">
               <a:rPr lang="en-US" dirty="0"/>
-              <a:t>7/13/2016</a:t>
+              <a:t>7/14/2016</a:t>
             </a:fld>
             <a:endParaRPr lang="en-US" dirty="0"/>
           </a:p>
@@ -1620,7 +1632,7 @@
           <a:p>
             <a:fld id="{4F7D4976-E339-4826-83B7-FBD03F55ECF8}" type="datetimeFigureOut">
               <a:rPr lang="en-US" dirty="0"/>
-              <a:t>7/13/2016</a:t>
+              <a:t>7/14/2016</a:t>
             </a:fld>
             <a:endParaRPr lang="en-US" dirty="0"/>
           </a:p>
@@ -1756,7 +1768,7 @@
           <a:p>
             <a:fld id="{E1037C31-9E7A-4F99-8774-A0E530DE1A42}" type="datetimeFigureOut">
               <a:rPr lang="en-US" dirty="0"/>
-              <a:t>7/13/2016</a:t>
+              <a:t>7/14/2016</a:t>
             </a:fld>
             <a:endParaRPr lang="en-US" dirty="0"/>
           </a:p>
@@ -1846,7 +1858,7 @@
           <a:p>
             <a:fld id="{C278504F-A551-4DE0-9316-4DCD1D8CC752}" type="datetimeFigureOut">
               <a:rPr lang="en-US" dirty="0"/>
-              <a:t>7/13/2016</a:t>
+              <a:t>7/14/2016</a:t>
             </a:fld>
             <a:endParaRPr lang="en-US" dirty="0"/>
           </a:p>
@@ -2198,7 +2210,7 @@
           <a:p>
             <a:fld id="{D1BE4249-C0D0-4B06-8692-E8BB871AF643}" type="datetimeFigureOut">
               <a:rPr lang="en-US" dirty="0"/>
-              <a:t>7/13/2016</a:t>
+              <a:t>7/14/2016</a:t>
             </a:fld>
             <a:endParaRPr lang="en-US" dirty="0"/>
           </a:p>
@@ -2511,7 +2523,7 @@
           <a:p>
             <a:fld id="{042B0DB6-F5C7-45FB-8CF3-31B45F9C2DAC}" type="datetimeFigureOut">
               <a:rPr lang="en-US" dirty="0"/>
-              <a:t>7/13/2016</a:t>
+              <a:t>7/14/2016</a:t>
             </a:fld>
             <a:endParaRPr lang="en-US" dirty="0"/>
           </a:p>
@@ -2750,7 +2762,7 @@
           <a:p>
             <a:fld id="{1160EA64-D806-43AC-9DF2-F8C432F32B4C}" type="datetimeFigureOut">
               <a:rPr lang="en-US" dirty="0"/>
-              <a:t>7/13/2016</a:t>
+              <a:t>7/14/2016</a:t>
             </a:fld>
             <a:endParaRPr lang="en-US" dirty="0"/>
           </a:p>
@@ -3305,175 +3317,6 @@
           <a:bodyPr/>
           <a:lstStyle/>
           <a:p>
-            <a:endParaRPr lang="en-US"/>
-          </a:p>
-        </p:txBody>
-      </p:sp>
-      <p:sp>
-        <p:nvSpPr>
-          <p:cNvPr id="3" name="Content Placeholder 2"/>
-          <p:cNvSpPr>
-            <a:spLocks noGrp="1"/>
-          </p:cNvSpPr>
-          <p:nvPr>
-            <p:ph idx="1"/>
-          </p:nvPr>
-        </p:nvSpPr>
-        <p:spPr/>
-        <p:txBody>
-          <a:bodyPr/>
-          <a:lstStyle/>
-          <a:p>
-            <a:endParaRPr lang="en-US"/>
-          </a:p>
-        </p:txBody>
-      </p:sp>
-    </p:spTree>
-    <p:extLst>
-      <p:ext uri="{BB962C8B-B14F-4D97-AF65-F5344CB8AC3E}">
-        <p14:creationId xmlns:p14="http://schemas.microsoft.com/office/powerpoint/2010/main" val="3132797793"/>
-      </p:ext>
-    </p:extLst>
-  </p:cSld>
-  <p:clrMapOvr>
-    <a:masterClrMapping/>
-  </p:clrMapOvr>
-</p:sld>
-</file>
-
-<file path=ppt/slides/slide11.xml><?xml version="1.0" encoding="utf-8"?>
-<p:sld xmlns:a="http://schemas.openxmlformats.org/drawingml/2006/main" xmlns:r="http://schemas.openxmlformats.org/officeDocument/2006/relationships" xmlns:p="http://schemas.openxmlformats.org/presentationml/2006/main">
-  <p:cSld>
-    <p:spTree>
-      <p:nvGrpSpPr>
-        <p:cNvPr id="1" name=""/>
-        <p:cNvGrpSpPr/>
-        <p:nvPr/>
-      </p:nvGrpSpPr>
-      <p:grpSpPr>
-        <a:xfrm>
-          <a:off x="0" y="0"/>
-          <a:ext cx="0" cy="0"/>
-          <a:chOff x="0" y="0"/>
-          <a:chExt cx="0" cy="0"/>
-        </a:xfrm>
-      </p:grpSpPr>
-      <p:sp>
-        <p:nvSpPr>
-          <p:cNvPr id="2" name="Title 1"/>
-          <p:cNvSpPr>
-            <a:spLocks noGrp="1"/>
-          </p:cNvSpPr>
-          <p:nvPr>
-            <p:ph type="title"/>
-          </p:nvPr>
-        </p:nvSpPr>
-        <p:spPr/>
-        <p:txBody>
-          <a:bodyPr/>
-          <a:lstStyle/>
-          <a:p>
-            <a:r>
-              <a:rPr lang="en-US" dirty="0"/>
-              <a:t>How to Compute It In MATLAB</a:t>
-            </a:r>
-          </a:p>
-        </p:txBody>
-      </p:sp>
-      <p:sp>
-        <p:nvSpPr>
-          <p:cNvPr id="3" name="Content Placeholder 2"/>
-          <p:cNvSpPr>
-            <a:spLocks noGrp="1"/>
-          </p:cNvSpPr>
-          <p:nvPr>
-            <p:ph idx="1"/>
-          </p:nvPr>
-        </p:nvSpPr>
-        <p:spPr/>
-        <p:txBody>
-          <a:bodyPr/>
-          <a:lstStyle/>
-          <a:p>
-            <a:r>
-              <a:rPr lang="en-US" dirty="0"/>
-              <a:t>Given two vectors (lists of numbers):</a:t>
-            </a:r>
-          </a:p>
-          <a:p>
-            <a:endParaRPr lang="en-US" dirty="0"/>
-          </a:p>
-        </p:txBody>
-      </p:sp>
-      <p:pic>
-        <p:nvPicPr>
-          <p:cNvPr id="5" name="Picture 4"/>
-          <p:cNvPicPr>
-            <a:picLocks noChangeAspect="1"/>
-          </p:cNvPicPr>
-          <p:nvPr/>
-        </p:nvPicPr>
-        <p:blipFill>
-          <a:blip r:embed="rId2"/>
-          <a:stretch>
-            <a:fillRect/>
-          </a:stretch>
-        </p:blipFill>
-        <p:spPr>
-          <a:xfrm>
-            <a:off x="1371600" y="3244459"/>
-            <a:ext cx="9448800" cy="1381125"/>
-          </a:xfrm>
-          <a:prstGeom prst="rect">
-            <a:avLst/>
-          </a:prstGeom>
-        </p:spPr>
-      </p:pic>
-    </p:spTree>
-    <p:extLst>
-      <p:ext uri="{BB962C8B-B14F-4D97-AF65-F5344CB8AC3E}">
-        <p14:creationId xmlns:p14="http://schemas.microsoft.com/office/powerpoint/2010/main" val="23924719"/>
-      </p:ext>
-    </p:extLst>
-  </p:cSld>
-  <p:clrMapOvr>
-    <a:masterClrMapping/>
-  </p:clrMapOvr>
-</p:sld>
-</file>
-
-<file path=ppt/slides/slide12.xml><?xml version="1.0" encoding="utf-8"?>
-<p:sld xmlns:a="http://schemas.openxmlformats.org/drawingml/2006/main" xmlns:r="http://schemas.openxmlformats.org/officeDocument/2006/relationships" xmlns:p="http://schemas.openxmlformats.org/presentationml/2006/main">
-  <p:cSld>
-    <p:spTree>
-      <p:nvGrpSpPr>
-        <p:cNvPr id="1" name=""/>
-        <p:cNvGrpSpPr/>
-        <p:nvPr/>
-      </p:nvGrpSpPr>
-      <p:grpSpPr>
-        <a:xfrm>
-          <a:off x="0" y="0"/>
-          <a:ext cx="0" cy="0"/>
-          <a:chOff x="0" y="0"/>
-          <a:chExt cx="0" cy="0"/>
-        </a:xfrm>
-      </p:grpSpPr>
-      <p:sp>
-        <p:nvSpPr>
-          <p:cNvPr id="2" name="Title 1"/>
-          <p:cNvSpPr>
-            <a:spLocks noGrp="1"/>
-          </p:cNvSpPr>
-          <p:nvPr>
-            <p:ph type="title"/>
-          </p:nvPr>
-        </p:nvSpPr>
-        <p:spPr/>
-        <p:txBody>
-          <a:bodyPr/>
-          <a:lstStyle/>
-          <a:p>
             <a:r>
               <a:rPr lang="en-US" dirty="0"/>
               <a:t>How to Compute It In MATLAB</a:t>
@@ -3584,7 +3427,7 @@
         <p:spPr>
           <a:xfrm>
             <a:off x="7075457" y="5291092"/>
-            <a:ext cx="2796511" cy="523220"/>
+            <a:ext cx="2796511" cy="738664"/>
           </a:xfrm>
           <a:prstGeom prst="rect">
             <a:avLst/>
@@ -3609,8 +3452,23 @@
             <a:pPr algn="just"/>
             <a:r>
               <a:rPr lang="en-US" sz="1400" dirty="0"/>
-              <a:t>The “dot” before * means do something “elementwise”</a:t>
-            </a:r>
+              <a:t>The “dot” before * means do something “elementwise” not “linear </a:t>
+            </a:r>
+            <a:r>
+              <a:rPr lang="en-US" sz="1400" dirty="0" err="1"/>
+              <a:t>algebrawise</a:t>
+            </a:r>
+            <a:r>
+              <a:rPr lang="en-US" sz="1400" dirty="0"/>
+              <a:t>” </a:t>
+            </a:r>
+            <a:r>
+              <a:rPr lang="en-US" sz="1400" dirty="0">
+                <a:sym typeface="Wingdings" panose="05000000000000000000" pitchFamily="2" charset="2"/>
+              </a:rPr>
+              <a:t></a:t>
+            </a:r>
+            <a:endParaRPr lang="en-US" sz="1400" dirty="0"/>
           </a:p>
         </p:txBody>
       </p:sp>
@@ -3660,7 +3518,1005 @@
 </p:sld>
 </file>
 
+<file path=ppt/slides/slide11.xml><?xml version="1.0" encoding="utf-8"?>
+<p:sld xmlns:a="http://schemas.openxmlformats.org/drawingml/2006/main" xmlns:r="http://schemas.openxmlformats.org/officeDocument/2006/relationships" xmlns:p="http://schemas.openxmlformats.org/presentationml/2006/main">
+  <p:cSld>
+    <p:spTree>
+      <p:nvGrpSpPr>
+        <p:cNvPr id="1" name=""/>
+        <p:cNvGrpSpPr/>
+        <p:nvPr/>
+      </p:nvGrpSpPr>
+      <p:grpSpPr>
+        <a:xfrm>
+          <a:off x="0" y="0"/>
+          <a:ext cx="0" cy="0"/>
+          <a:chOff x="0" y="0"/>
+          <a:chExt cx="0" cy="0"/>
+        </a:xfrm>
+      </p:grpSpPr>
+      <p:pic>
+        <p:nvPicPr>
+          <p:cNvPr id="4" name="Picture 3"/>
+          <p:cNvPicPr>
+            <a:picLocks noChangeAspect="1"/>
+          </p:cNvPicPr>
+          <p:nvPr/>
+        </p:nvPicPr>
+        <p:blipFill>
+          <a:blip r:embed="rId2"/>
+          <a:stretch>
+            <a:fillRect/>
+          </a:stretch>
+        </p:blipFill>
+        <p:spPr>
+          <a:xfrm>
+            <a:off x="1082552" y="792041"/>
+            <a:ext cx="4505325" cy="2495550"/>
+          </a:xfrm>
+          <a:prstGeom prst="rect">
+            <a:avLst/>
+          </a:prstGeom>
+        </p:spPr>
+      </p:pic>
+      <p:sp>
+        <p:nvSpPr>
+          <p:cNvPr id="5" name="TextBox 4"/>
+          <p:cNvSpPr txBox="1"/>
+          <p:nvPr/>
+        </p:nvSpPr>
+        <p:spPr>
+          <a:xfrm>
+            <a:off x="6620608" y="1024153"/>
+            <a:ext cx="4457700" cy="2031325"/>
+          </a:xfrm>
+          <a:prstGeom prst="rect">
+            <a:avLst/>
+          </a:prstGeom>
+          <a:noFill/>
+        </p:spPr>
+        <p:txBody>
+          <a:bodyPr wrap="square" rtlCol="0">
+            <a:spAutoFit/>
+          </a:bodyPr>
+          <a:lstStyle/>
+          <a:p>
+            <a:r>
+              <a:rPr lang="en-US" dirty="0"/>
+              <a:t>If you know a little bit about linear algebra, it seems like the dot product should just be multiplication.</a:t>
+            </a:r>
+          </a:p>
+          <a:p>
+            <a:endParaRPr lang="en-US" dirty="0"/>
+          </a:p>
+          <a:p>
+            <a:r>
+              <a:rPr lang="en-US" dirty="0"/>
+              <a:t>It is.</a:t>
+            </a:r>
+          </a:p>
+          <a:p>
+            <a:endParaRPr lang="en-US" dirty="0"/>
+          </a:p>
+          <a:p>
+            <a:r>
+              <a:rPr lang="en-US" dirty="0"/>
+              <a:t>Sort of…</a:t>
+            </a:r>
+          </a:p>
+        </p:txBody>
+      </p:sp>
+      <p:sp>
+        <p:nvSpPr>
+          <p:cNvPr id="6" name="TextBox 5"/>
+          <p:cNvSpPr txBox="1"/>
+          <p:nvPr/>
+        </p:nvSpPr>
+        <p:spPr>
+          <a:xfrm>
+            <a:off x="2152650" y="4185138"/>
+            <a:ext cx="7886700" cy="369332"/>
+          </a:xfrm>
+          <a:prstGeom prst="rect">
+            <a:avLst/>
+          </a:prstGeom>
+          <a:noFill/>
+        </p:spPr>
+        <p:txBody>
+          <a:bodyPr wrap="square" rtlCol="0">
+            <a:spAutoFit/>
+          </a:bodyPr>
+          <a:lstStyle/>
+          <a:p>
+            <a:pPr algn="ctr"/>
+            <a:r>
+              <a:rPr lang="en-US" dirty="0"/>
+              <a:t>You have to “transpose” the second vector, that is, stand it up:</a:t>
+            </a:r>
+          </a:p>
+        </p:txBody>
+      </p:sp>
+      <p:pic>
+        <p:nvPicPr>
+          <p:cNvPr id="7" name="Picture 6"/>
+          <p:cNvPicPr>
+            <a:picLocks noChangeAspect="1"/>
+          </p:cNvPicPr>
+          <p:nvPr/>
+        </p:nvPicPr>
+        <p:blipFill>
+          <a:blip r:embed="rId3"/>
+          <a:stretch>
+            <a:fillRect/>
+          </a:stretch>
+        </p:blipFill>
+        <p:spPr>
+          <a:xfrm>
+            <a:off x="3346466" y="4837578"/>
+            <a:ext cx="5499069" cy="1579001"/>
+          </a:xfrm>
+          <a:prstGeom prst="rect">
+            <a:avLst/>
+          </a:prstGeom>
+        </p:spPr>
+      </p:pic>
+    </p:spTree>
+    <p:extLst>
+      <p:ext uri="{BB962C8B-B14F-4D97-AF65-F5344CB8AC3E}">
+        <p14:creationId xmlns:p14="http://schemas.microsoft.com/office/powerpoint/2010/main" val="252263669"/>
+      </p:ext>
+    </p:extLst>
+  </p:cSld>
+  <p:clrMapOvr>
+    <a:masterClrMapping/>
+  </p:clrMapOvr>
+</p:sld>
+</file>
+
+<file path=ppt/slides/slide12.xml><?xml version="1.0" encoding="utf-8"?>
+<p:sld xmlns:a="http://schemas.openxmlformats.org/drawingml/2006/main" xmlns:r="http://schemas.openxmlformats.org/officeDocument/2006/relationships" xmlns:p="http://schemas.openxmlformats.org/presentationml/2006/main">
+  <p:cSld>
+    <p:spTree>
+      <p:nvGrpSpPr>
+        <p:cNvPr id="1" name=""/>
+        <p:cNvGrpSpPr/>
+        <p:nvPr/>
+      </p:nvGrpSpPr>
+      <p:grpSpPr>
+        <a:xfrm>
+          <a:off x="0" y="0"/>
+          <a:ext cx="0" cy="0"/>
+          <a:chOff x="0" y="0"/>
+          <a:chExt cx="0" cy="0"/>
+        </a:xfrm>
+      </p:grpSpPr>
+      <p:pic>
+        <p:nvPicPr>
+          <p:cNvPr id="2" name="Picture 1"/>
+          <p:cNvPicPr>
+            <a:picLocks noChangeAspect="1"/>
+          </p:cNvPicPr>
+          <p:nvPr/>
+        </p:nvPicPr>
+        <p:blipFill>
+          <a:blip r:embed="rId2"/>
+          <a:stretch>
+            <a:fillRect/>
+          </a:stretch>
+        </p:blipFill>
+        <p:spPr>
+          <a:xfrm>
+            <a:off x="2728913" y="1421779"/>
+            <a:ext cx="6734175" cy="4752975"/>
+          </a:xfrm>
+          <a:prstGeom prst="rect">
+            <a:avLst/>
+          </a:prstGeom>
+        </p:spPr>
+      </p:pic>
+      <p:sp>
+        <p:nvSpPr>
+          <p:cNvPr id="3" name="TextBox 2"/>
+          <p:cNvSpPr txBox="1"/>
+          <p:nvPr/>
+        </p:nvSpPr>
+        <p:spPr>
+          <a:xfrm>
+            <a:off x="1362808" y="448408"/>
+            <a:ext cx="9466385" cy="1200329"/>
+          </a:xfrm>
+          <a:prstGeom prst="rect">
+            <a:avLst/>
+          </a:prstGeom>
+          <a:noFill/>
+        </p:spPr>
+        <p:txBody>
+          <a:bodyPr wrap="square" rtlCol="0">
+            <a:spAutoFit/>
+          </a:bodyPr>
+          <a:lstStyle/>
+          <a:p>
+            <a:r>
+              <a:rPr lang="en-US" dirty="0"/>
+              <a:t>General multiplication is much harder—the obvious choice of just multiplying corresponding elements in matrices does not have useful mathematical properties.</a:t>
+            </a:r>
+          </a:p>
+          <a:p>
+            <a:endParaRPr lang="en-US" dirty="0"/>
+          </a:p>
+          <a:p>
+            <a:r>
+              <a:rPr lang="en-US" dirty="0"/>
+              <a:t>Instead:</a:t>
+            </a:r>
+          </a:p>
+        </p:txBody>
+      </p:sp>
+    </p:spTree>
+    <p:extLst>
+      <p:ext uri="{BB962C8B-B14F-4D97-AF65-F5344CB8AC3E}">
+        <p14:creationId xmlns:p14="http://schemas.microsoft.com/office/powerpoint/2010/main" val="1197247267"/>
+      </p:ext>
+    </p:extLst>
+  </p:cSld>
+  <p:clrMapOvr>
+    <a:masterClrMapping/>
+  </p:clrMapOvr>
+</p:sld>
+</file>
+
 <file path=ppt/slides/slide13.xml><?xml version="1.0" encoding="utf-8"?>
+<p:sld xmlns:a="http://schemas.openxmlformats.org/drawingml/2006/main" xmlns:r="http://schemas.openxmlformats.org/officeDocument/2006/relationships" xmlns:p="http://schemas.openxmlformats.org/presentationml/2006/main">
+  <p:cSld>
+    <p:spTree>
+      <p:nvGrpSpPr>
+        <p:cNvPr id="1" name=""/>
+        <p:cNvGrpSpPr/>
+        <p:nvPr/>
+      </p:nvGrpSpPr>
+      <p:grpSpPr>
+        <a:xfrm>
+          <a:off x="0" y="0"/>
+          <a:ext cx="0" cy="0"/>
+          <a:chOff x="0" y="0"/>
+          <a:chExt cx="0" cy="0"/>
+        </a:xfrm>
+      </p:grpSpPr>
+      <p:sp>
+        <p:nvSpPr>
+          <p:cNvPr id="2" name="Title 1"/>
+          <p:cNvSpPr>
+            <a:spLocks noGrp="1"/>
+          </p:cNvSpPr>
+          <p:nvPr>
+            <p:ph type="title"/>
+          </p:nvPr>
+        </p:nvSpPr>
+        <p:spPr/>
+        <p:txBody>
+          <a:bodyPr/>
+          <a:lstStyle/>
+          <a:p>
+            <a:r>
+              <a:rPr lang="en-US" dirty="0"/>
+              <a:t>Dot Products</a:t>
+            </a:r>
+          </a:p>
+        </p:txBody>
+      </p:sp>
+      <p:sp>
+        <p:nvSpPr>
+          <p:cNvPr id="3" name="Content Placeholder 2"/>
+          <p:cNvSpPr>
+            <a:spLocks noGrp="1"/>
+          </p:cNvSpPr>
+          <p:nvPr>
+            <p:ph idx="1"/>
+          </p:nvPr>
+        </p:nvSpPr>
+        <p:spPr>
+          <a:xfrm>
+            <a:off x="2231136" y="2638044"/>
+            <a:ext cx="7729728" cy="3523059"/>
+          </a:xfrm>
+        </p:spPr>
+        <p:txBody>
+          <a:bodyPr>
+            <a:normAutofit/>
+          </a:bodyPr>
+          <a:lstStyle/>
+          <a:p>
+            <a:r>
+              <a:rPr lang="en-US" dirty="0"/>
+              <a:t>AKA:</a:t>
+            </a:r>
+          </a:p>
+          <a:p>
+            <a:pPr lvl="1"/>
+            <a:r>
+              <a:rPr lang="en-US" dirty="0"/>
+              <a:t>Dot product</a:t>
+            </a:r>
+          </a:p>
+          <a:p>
+            <a:pPr lvl="1"/>
+            <a:r>
+              <a:rPr lang="en-US" dirty="0"/>
+              <a:t>Scalar product</a:t>
+            </a:r>
+          </a:p>
+          <a:p>
+            <a:pPr lvl="1"/>
+            <a:r>
+              <a:rPr lang="en-US" dirty="0"/>
+              <a:t>Inner product</a:t>
+            </a:r>
+          </a:p>
+          <a:p>
+            <a:r>
+              <a:rPr lang="en-US" dirty="0"/>
+              <a:t>The dot product is a </a:t>
+            </a:r>
+            <a:r>
+              <a:rPr lang="en-US" b="1" dirty="0"/>
+              <a:t>single number</a:t>
+            </a:r>
+            <a:endParaRPr lang="en-US" dirty="0"/>
+          </a:p>
+          <a:p>
+            <a:pPr lvl="1"/>
+            <a:r>
+              <a:rPr lang="en-US" dirty="0"/>
+              <a:t>It can be thought of as a </a:t>
+            </a:r>
+            <a:r>
+              <a:rPr lang="en-US" b="1" dirty="0"/>
+              <a:t>weighted sum</a:t>
+            </a:r>
+            <a:r>
+              <a:rPr lang="en-US" dirty="0"/>
+              <a:t> (one vector is the set of </a:t>
+            </a:r>
+            <a:r>
+              <a:rPr lang="en-US" b="1" dirty="0"/>
+              <a:t>numbers to be summed</a:t>
+            </a:r>
+            <a:r>
+              <a:rPr lang="en-US" dirty="0"/>
+              <a:t>, the other the </a:t>
+            </a:r>
+            <a:r>
+              <a:rPr lang="en-US" b="1" dirty="0"/>
+              <a:t>weights</a:t>
+            </a:r>
+            <a:r>
+              <a:rPr lang="en-US" dirty="0"/>
+              <a:t>)</a:t>
+            </a:r>
+          </a:p>
+          <a:p>
+            <a:pPr lvl="1"/>
+            <a:r>
+              <a:rPr lang="en-US" dirty="0"/>
+              <a:t>It is the length of the </a:t>
+            </a:r>
+            <a:r>
+              <a:rPr lang="en-US" b="1" dirty="0"/>
+              <a:t>projection</a:t>
+            </a:r>
+            <a:r>
+              <a:rPr lang="en-US" dirty="0"/>
+              <a:t> of one vector onto the (</a:t>
+            </a:r>
+            <a:r>
+              <a:rPr lang="en-US" i="1" dirty="0"/>
+              <a:t>dimension of</a:t>
+            </a:r>
+            <a:r>
+              <a:rPr lang="en-US" dirty="0"/>
+              <a:t>) the other vector</a:t>
+            </a:r>
+          </a:p>
+          <a:p>
+            <a:pPr lvl="1"/>
+            <a:r>
+              <a:rPr lang="en-US" dirty="0"/>
+              <a:t>It also relates to a </a:t>
+            </a:r>
+            <a:r>
+              <a:rPr lang="en-US" b="1" dirty="0"/>
+              <a:t>similarity measure</a:t>
+            </a:r>
+          </a:p>
+        </p:txBody>
+      </p:sp>
+    </p:spTree>
+    <p:extLst>
+      <p:ext uri="{BB962C8B-B14F-4D97-AF65-F5344CB8AC3E}">
+        <p14:creationId xmlns:p14="http://schemas.microsoft.com/office/powerpoint/2010/main" val="3285822073"/>
+      </p:ext>
+    </p:extLst>
+  </p:cSld>
+  <p:clrMapOvr>
+    <a:masterClrMapping/>
+  </p:clrMapOvr>
+</p:sld>
+</file>
+
+<file path=ppt/slides/slide14.xml><?xml version="1.0" encoding="utf-8"?>
+<p:sld xmlns:a="http://schemas.openxmlformats.org/drawingml/2006/main" xmlns:r="http://schemas.openxmlformats.org/officeDocument/2006/relationships" xmlns:p="http://schemas.openxmlformats.org/presentationml/2006/main">
+  <p:cSld>
+    <p:spTree>
+      <p:nvGrpSpPr>
+        <p:cNvPr id="1" name=""/>
+        <p:cNvGrpSpPr/>
+        <p:nvPr/>
+      </p:nvGrpSpPr>
+      <p:grpSpPr>
+        <a:xfrm>
+          <a:off x="0" y="0"/>
+          <a:ext cx="0" cy="0"/>
+          <a:chOff x="0" y="0"/>
+          <a:chExt cx="0" cy="0"/>
+        </a:xfrm>
+      </p:grpSpPr>
+      <p:sp>
+        <p:nvSpPr>
+          <p:cNvPr id="2" name="Title 1"/>
+          <p:cNvSpPr>
+            <a:spLocks noGrp="1"/>
+          </p:cNvSpPr>
+          <p:nvPr>
+            <p:ph type="title"/>
+          </p:nvPr>
+        </p:nvSpPr>
+        <p:spPr/>
+        <p:txBody>
+          <a:bodyPr/>
+          <a:lstStyle/>
+          <a:p>
+            <a:r>
+              <a:rPr lang="en-US" dirty="0"/>
+              <a:t>Dot Products</a:t>
+            </a:r>
+          </a:p>
+        </p:txBody>
+      </p:sp>
+      <mc:AlternateContent xmlns:mc="http://schemas.openxmlformats.org/markup-compatibility/2006">
+        <mc:Choice xmlns:a14="http://schemas.microsoft.com/office/drawing/2010/main" Requires="a14">
+          <p:sp>
+            <p:nvSpPr>
+              <p:cNvPr id="3" name="Content Placeholder 2"/>
+              <p:cNvSpPr>
+                <a:spLocks noGrp="1"/>
+              </p:cNvSpPr>
+              <p:nvPr>
+                <p:ph idx="1"/>
+              </p:nvPr>
+            </p:nvSpPr>
+            <p:spPr>
+              <a:xfrm>
+                <a:off x="2231135" y="2638044"/>
+                <a:ext cx="8617377" cy="3523059"/>
+              </a:xfrm>
+            </p:spPr>
+            <p:txBody>
+              <a:bodyPr>
+                <a:normAutofit/>
+              </a:bodyPr>
+              <a:lstStyle/>
+              <a:p>
+                <a:r>
+                  <a:rPr lang="en-US" dirty="0"/>
+                  <a:t>AKA:</a:t>
+                </a:r>
+              </a:p>
+              <a:p>
+                <a:pPr lvl="1"/>
+                <a:r>
+                  <a:rPr lang="en-US" dirty="0"/>
+                  <a:t>Dot product</a:t>
+                </a:r>
+              </a:p>
+              <a:p>
+                <a:pPr lvl="1"/>
+                <a:r>
+                  <a:rPr lang="en-US" dirty="0"/>
+                  <a:t>Scalar product</a:t>
+                </a:r>
+              </a:p>
+              <a:p>
+                <a:pPr lvl="1"/>
+                <a:r>
+                  <a:rPr lang="en-US" dirty="0"/>
+                  <a:t>Inner product</a:t>
+                </a:r>
+              </a:p>
+              <a:p>
+                <a:r>
+                  <a:rPr lang="en-US" dirty="0"/>
+                  <a:t>Dot products also </a:t>
+                </a:r>
+                <a:r>
+                  <a:rPr lang="en-US" b="1" dirty="0"/>
+                  <a:t>define</a:t>
+                </a:r>
+                <a:r>
+                  <a:rPr lang="en-US" dirty="0"/>
+                  <a:t> </a:t>
+                </a:r>
+                <a:r>
+                  <a:rPr lang="en-US" i="1" dirty="0"/>
+                  <a:t>lengths</a:t>
+                </a:r>
+                <a:r>
+                  <a:rPr lang="en-US" dirty="0"/>
+                  <a:t> and </a:t>
+                </a:r>
+                <a:r>
+                  <a:rPr lang="en-US" i="1" dirty="0"/>
+                  <a:t>angles</a:t>
+                </a:r>
+                <a:r>
+                  <a:rPr lang="en-US" dirty="0"/>
+                  <a:t>:</a:t>
+                </a:r>
+              </a:p>
+              <a:p>
+                <a:pPr lvl="1"/>
+                <a14:m>
+                  <m:oMath xmlns:m="http://schemas.openxmlformats.org/officeDocument/2006/math">
+                    <m:r>
+                      <a:rPr lang="en-US" b="0" i="1" smtClean="0">
+                        <a:latin typeface="Cambria Math" panose="02040503050406030204" pitchFamily="18" charset="0"/>
+                      </a:rPr>
+                      <m:t>𝐴</m:t>
+                    </m:r>
+                    <m:r>
+                      <a:rPr lang="en-US" b="0" i="1" smtClean="0">
+                        <a:latin typeface="Cambria Math" panose="02040503050406030204" pitchFamily="18" charset="0"/>
+                      </a:rPr>
+                      <m:t>⋅</m:t>
+                    </m:r>
+                    <m:r>
+                      <a:rPr lang="en-US" b="0" i="1" smtClean="0">
+                        <a:latin typeface="Cambria Math" panose="02040503050406030204" pitchFamily="18" charset="0"/>
+                      </a:rPr>
+                      <m:t>𝐵</m:t>
+                    </m:r>
+                    <m:r>
+                      <a:rPr lang="en-US" b="0" i="1" smtClean="0">
+                        <a:latin typeface="Cambria Math" panose="02040503050406030204" pitchFamily="18" charset="0"/>
+                      </a:rPr>
+                      <m:t>=</m:t>
+                    </m:r>
+                    <m:nary>
+                      <m:naryPr>
+                        <m:chr m:val="∑"/>
+                        <m:ctrlPr>
+                          <a:rPr lang="en-US" b="0" i="1" smtClean="0">
+                            <a:latin typeface="Cambria Math" panose="02040503050406030204" pitchFamily="18" charset="0"/>
+                          </a:rPr>
+                        </m:ctrlPr>
+                      </m:naryPr>
+                      <m:sub>
+                        <m:r>
+                          <m:rPr>
+                            <m:brk m:alnAt="23"/>
+                          </m:rPr>
+                          <a:rPr lang="en-US" b="0" i="1" smtClean="0">
+                            <a:latin typeface="Cambria Math" panose="02040503050406030204" pitchFamily="18" charset="0"/>
+                          </a:rPr>
+                          <m:t>𝑖</m:t>
+                        </m:r>
+                        <m:r>
+                          <a:rPr lang="en-US" b="0" i="1" smtClean="0">
+                            <a:latin typeface="Cambria Math" panose="02040503050406030204" pitchFamily="18" charset="0"/>
+                          </a:rPr>
+                          <m:t>=1</m:t>
+                        </m:r>
+                      </m:sub>
+                      <m:sup>
+                        <m:r>
+                          <a:rPr lang="en-US" b="0" i="1" smtClean="0">
+                            <a:latin typeface="Cambria Math" panose="02040503050406030204" pitchFamily="18" charset="0"/>
+                          </a:rPr>
+                          <m:t>𝑛</m:t>
+                        </m:r>
+                      </m:sup>
+                      <m:e>
+                        <m:sSub>
+                          <m:sSubPr>
+                            <m:ctrlPr>
+                              <a:rPr lang="en-US" b="0" i="1" smtClean="0">
+                                <a:latin typeface="Cambria Math" panose="02040503050406030204" pitchFamily="18" charset="0"/>
+                              </a:rPr>
+                            </m:ctrlPr>
+                          </m:sSubPr>
+                          <m:e>
+                            <m:r>
+                              <a:rPr lang="en-US" b="0" i="1" smtClean="0">
+                                <a:latin typeface="Cambria Math" panose="02040503050406030204" pitchFamily="18" charset="0"/>
+                              </a:rPr>
+                              <m:t>𝑎</m:t>
+                            </m:r>
+                          </m:e>
+                          <m:sub>
+                            <m:r>
+                              <a:rPr lang="en-US" b="0" i="1" smtClean="0">
+                                <a:latin typeface="Cambria Math" panose="02040503050406030204" pitchFamily="18" charset="0"/>
+                              </a:rPr>
+                              <m:t>𝑖</m:t>
+                            </m:r>
+                          </m:sub>
+                        </m:sSub>
+                        <m:sSub>
+                          <m:sSubPr>
+                            <m:ctrlPr>
+                              <a:rPr lang="en-US" b="0" i="1" smtClean="0">
+                                <a:latin typeface="Cambria Math" panose="02040503050406030204" pitchFamily="18" charset="0"/>
+                              </a:rPr>
+                            </m:ctrlPr>
+                          </m:sSubPr>
+                          <m:e>
+                            <m:r>
+                              <a:rPr lang="en-US" b="0" i="1" smtClean="0">
+                                <a:latin typeface="Cambria Math" panose="02040503050406030204" pitchFamily="18" charset="0"/>
+                              </a:rPr>
+                              <m:t>𝑏</m:t>
+                            </m:r>
+                          </m:e>
+                          <m:sub>
+                            <m:r>
+                              <a:rPr lang="en-US" b="0" i="1" smtClean="0">
+                                <a:latin typeface="Cambria Math" panose="02040503050406030204" pitchFamily="18" charset="0"/>
+                              </a:rPr>
+                              <m:t>𝑖</m:t>
+                            </m:r>
+                          </m:sub>
+                        </m:sSub>
+                      </m:e>
+                    </m:nary>
+                  </m:oMath>
+                </a14:m>
+                <a:r>
+                  <a:rPr lang="en-US" dirty="0"/>
+                  <a:t>	(Definition of the dot product)</a:t>
+                </a:r>
+              </a:p>
+              <a:p>
+                <a:pPr lvl="1"/>
+                <a14:m>
+                  <m:oMath xmlns:m="http://schemas.openxmlformats.org/officeDocument/2006/math">
+                    <m:d>
+                      <m:dPr>
+                        <m:begChr m:val="‖"/>
+                        <m:endChr m:val="‖"/>
+                        <m:ctrlPr>
+                          <a:rPr lang="en-US" i="1" smtClean="0">
+                            <a:latin typeface="Cambria Math" panose="02040503050406030204" pitchFamily="18" charset="0"/>
+                          </a:rPr>
+                        </m:ctrlPr>
+                      </m:dPr>
+                      <m:e>
+                        <m:r>
+                          <a:rPr lang="en-US" b="0" i="1" smtClean="0">
+                            <a:latin typeface="Cambria Math" panose="02040503050406030204" pitchFamily="18" charset="0"/>
+                          </a:rPr>
+                          <m:t>𝐴</m:t>
+                        </m:r>
+                      </m:e>
+                    </m:d>
+                    <m:r>
+                      <a:rPr lang="en-US" b="0" i="1" smtClean="0">
+                        <a:latin typeface="Cambria Math" panose="02040503050406030204" pitchFamily="18" charset="0"/>
+                      </a:rPr>
+                      <m:t>=</m:t>
+                    </m:r>
+                    <m:rad>
+                      <m:radPr>
+                        <m:degHide m:val="on"/>
+                        <m:ctrlPr>
+                          <a:rPr lang="en-US" b="0" i="1" smtClean="0">
+                            <a:latin typeface="Cambria Math" panose="02040503050406030204" pitchFamily="18" charset="0"/>
+                          </a:rPr>
+                        </m:ctrlPr>
+                      </m:radPr>
+                      <m:deg/>
+                      <m:e>
+                        <m:r>
+                          <a:rPr lang="en-US" b="0" i="1" smtClean="0">
+                            <a:latin typeface="Cambria Math" panose="02040503050406030204" pitchFamily="18" charset="0"/>
+                          </a:rPr>
+                          <m:t>𝐴</m:t>
+                        </m:r>
+                        <m:r>
+                          <a:rPr lang="en-US" b="0" i="1" smtClean="0">
+                            <a:latin typeface="Cambria Math" panose="02040503050406030204" pitchFamily="18" charset="0"/>
+                          </a:rPr>
+                          <m:t>⋅</m:t>
+                        </m:r>
+                        <m:r>
+                          <a:rPr lang="en-US" b="0" i="1" smtClean="0">
+                            <a:latin typeface="Cambria Math" panose="02040503050406030204" pitchFamily="18" charset="0"/>
+                          </a:rPr>
+                          <m:t>𝐴</m:t>
+                        </m:r>
+                      </m:e>
+                    </m:rad>
+                  </m:oMath>
+                </a14:m>
+                <a:r>
+                  <a:rPr lang="en-US" dirty="0"/>
+                  <a:t>       	(Inner product definition of </a:t>
+                </a:r>
+                <a:r>
+                  <a:rPr lang="en-US" b="1" dirty="0"/>
+                  <a:t>length</a:t>
+                </a:r>
+                <a:r>
+                  <a:rPr lang="en-US" dirty="0"/>
+                  <a:t> of vector </a:t>
+                </a:r>
+                <a14:m>
+                  <m:oMath xmlns:m="http://schemas.openxmlformats.org/officeDocument/2006/math">
+                    <m:r>
+                      <a:rPr lang="en-US" b="0" i="1" smtClean="0">
+                        <a:latin typeface="Cambria Math" panose="02040503050406030204" pitchFamily="18" charset="0"/>
+                      </a:rPr>
+                      <m:t>𝐴</m:t>
+                    </m:r>
+                  </m:oMath>
+                </a14:m>
+                <a:r>
+                  <a:rPr lang="en-US" dirty="0"/>
+                  <a:t>)</a:t>
+                </a:r>
+              </a:p>
+              <a:p>
+                <a:pPr lvl="1"/>
+                <a14:m>
+                  <m:oMath xmlns:m="http://schemas.openxmlformats.org/officeDocument/2006/math">
+                    <m:func>
+                      <m:funcPr>
+                        <m:ctrlPr>
+                          <a:rPr lang="en-US" b="0" i="1" smtClean="0">
+                            <a:latin typeface="Cambria Math" panose="02040503050406030204" pitchFamily="18" charset="0"/>
+                          </a:rPr>
+                        </m:ctrlPr>
+                      </m:funcPr>
+                      <m:fName>
+                        <m:r>
+                          <m:rPr>
+                            <m:sty m:val="p"/>
+                          </m:rPr>
+                          <a:rPr lang="en-US" b="0" i="0" smtClean="0">
+                            <a:latin typeface="Cambria Math" panose="02040503050406030204" pitchFamily="18" charset="0"/>
+                          </a:rPr>
+                          <m:t>cos</m:t>
+                        </m:r>
+                      </m:fName>
+                      <m:e>
+                        <m:d>
+                          <m:dPr>
+                            <m:ctrlPr>
+                              <a:rPr lang="en-US" b="0" i="1" smtClean="0">
+                                <a:latin typeface="Cambria Math" panose="02040503050406030204" pitchFamily="18" charset="0"/>
+                              </a:rPr>
+                            </m:ctrlPr>
+                          </m:dPr>
+                          <m:e>
+                            <m:r>
+                              <a:rPr lang="en-US" b="0" i="1" smtClean="0">
+                                <a:latin typeface="Cambria Math" panose="02040503050406030204" pitchFamily="18" charset="0"/>
+                              </a:rPr>
+                              <m:t>𝜃</m:t>
+                            </m:r>
+                          </m:e>
+                        </m:d>
+                      </m:e>
+                    </m:func>
+                    <m:r>
+                      <a:rPr lang="en-US" b="0" i="1" smtClean="0">
+                        <a:latin typeface="Cambria Math" panose="02040503050406030204" pitchFamily="18" charset="0"/>
+                      </a:rPr>
+                      <m:t>=</m:t>
+                    </m:r>
+                    <m:box>
+                      <m:boxPr>
+                        <m:ctrlPr>
+                          <a:rPr lang="en-US" b="0" i="1" smtClean="0">
+                            <a:latin typeface="Cambria Math" panose="02040503050406030204" pitchFamily="18" charset="0"/>
+                          </a:rPr>
+                        </m:ctrlPr>
+                      </m:boxPr>
+                      <m:e>
+                        <m:argPr>
+                          <m:argSz m:val="-1"/>
+                        </m:argPr>
+                        <m:f>
+                          <m:fPr>
+                            <m:ctrlPr>
+                              <a:rPr lang="en-US" b="0" i="1" smtClean="0">
+                                <a:latin typeface="Cambria Math" panose="02040503050406030204" pitchFamily="18" charset="0"/>
+                              </a:rPr>
+                            </m:ctrlPr>
+                          </m:fPr>
+                          <m:num>
+                            <m:r>
+                              <a:rPr lang="en-US" b="0" i="1" smtClean="0">
+                                <a:latin typeface="Cambria Math" panose="02040503050406030204" pitchFamily="18" charset="0"/>
+                              </a:rPr>
+                              <m:t>𝐴</m:t>
+                            </m:r>
+                            <m:r>
+                              <a:rPr lang="en-US" b="0" i="1" smtClean="0">
+                                <a:latin typeface="Cambria Math" panose="02040503050406030204" pitchFamily="18" charset="0"/>
+                              </a:rPr>
+                              <m:t>⋅</m:t>
+                            </m:r>
+                            <m:r>
+                              <a:rPr lang="en-US" b="0" i="1" smtClean="0">
+                                <a:latin typeface="Cambria Math" panose="02040503050406030204" pitchFamily="18" charset="0"/>
+                              </a:rPr>
+                              <m:t>𝐵</m:t>
+                            </m:r>
+                          </m:num>
+                          <m:den>
+                            <m:d>
+                              <m:dPr>
+                                <m:begChr m:val="‖"/>
+                                <m:endChr m:val="‖"/>
+                                <m:ctrlPr>
+                                  <a:rPr lang="en-US" b="0" i="1" smtClean="0">
+                                    <a:latin typeface="Cambria Math" panose="02040503050406030204" pitchFamily="18" charset="0"/>
+                                  </a:rPr>
+                                </m:ctrlPr>
+                              </m:dPr>
+                              <m:e>
+                                <m:r>
+                                  <a:rPr lang="en-US" b="0" i="1" smtClean="0">
+                                    <a:latin typeface="Cambria Math" panose="02040503050406030204" pitchFamily="18" charset="0"/>
+                                  </a:rPr>
+                                  <m:t>𝐴</m:t>
+                                </m:r>
+                              </m:e>
+                            </m:d>
+                            <m:d>
+                              <m:dPr>
+                                <m:begChr m:val="‖"/>
+                                <m:endChr m:val="‖"/>
+                                <m:ctrlPr>
+                                  <a:rPr lang="en-US" b="0" i="1" smtClean="0">
+                                    <a:latin typeface="Cambria Math" panose="02040503050406030204" pitchFamily="18" charset="0"/>
+                                  </a:rPr>
+                                </m:ctrlPr>
+                              </m:dPr>
+                              <m:e>
+                                <m:r>
+                                  <a:rPr lang="en-US" b="0" i="1" smtClean="0">
+                                    <a:latin typeface="Cambria Math" panose="02040503050406030204" pitchFamily="18" charset="0"/>
+                                  </a:rPr>
+                                  <m:t>𝐵</m:t>
+                                </m:r>
+                              </m:e>
+                            </m:d>
+                          </m:den>
+                        </m:f>
+                      </m:e>
+                    </m:box>
+                  </m:oMath>
+                </a14:m>
+                <a:r>
+                  <a:rPr lang="en-US" dirty="0"/>
+                  <a:t>     	(Inner product definition of </a:t>
+                </a:r>
+                <a:r>
+                  <a:rPr lang="en-US" b="1" dirty="0"/>
+                  <a:t>angle </a:t>
+                </a:r>
+                <a14:m>
+                  <m:oMath xmlns:m="http://schemas.openxmlformats.org/officeDocument/2006/math">
+                    <m:r>
+                      <a:rPr lang="en-US" b="1" i="1" smtClean="0">
+                        <a:latin typeface="Cambria Math" panose="02040503050406030204" pitchFamily="18" charset="0"/>
+                      </a:rPr>
+                      <m:t>𝜽</m:t>
+                    </m:r>
+                  </m:oMath>
+                </a14:m>
+                <a:r>
+                  <a:rPr lang="en-US" b="1" dirty="0"/>
+                  <a:t> </a:t>
+                </a:r>
+                <a:r>
+                  <a:rPr lang="en-US" dirty="0"/>
+                  <a:t>between </a:t>
+                </a:r>
+                <a14:m>
+                  <m:oMath xmlns:m="http://schemas.openxmlformats.org/officeDocument/2006/math">
+                    <m:r>
+                      <a:rPr lang="en-US" i="1">
+                        <a:latin typeface="Cambria Math" panose="02040503050406030204" pitchFamily="18" charset="0"/>
+                      </a:rPr>
+                      <m:t>𝐴</m:t>
+                    </m:r>
+                  </m:oMath>
+                </a14:m>
+                <a:r>
+                  <a:rPr lang="en-US" dirty="0"/>
+                  <a:t> and </a:t>
+                </a:r>
+                <a14:m>
+                  <m:oMath xmlns:m="http://schemas.openxmlformats.org/officeDocument/2006/math">
+                    <m:r>
+                      <a:rPr lang="en-US" b="0" i="1" smtClean="0">
+                        <a:latin typeface="Cambria Math" panose="02040503050406030204" pitchFamily="18" charset="0"/>
+                      </a:rPr>
+                      <m:t>𝐵</m:t>
+                    </m:r>
+                  </m:oMath>
+                </a14:m>
+                <a:r>
+                  <a:rPr lang="en-US" dirty="0"/>
+                  <a:t>)</a:t>
+                </a:r>
+              </a:p>
+            </p:txBody>
+          </p:sp>
+        </mc:Choice>
+        <mc:Fallback>
+          <p:sp>
+            <p:nvSpPr>
+              <p:cNvPr id="3" name="Content Placeholder 2"/>
+              <p:cNvSpPr>
+                <a:spLocks noGrp="1" noRot="1" noChangeAspect="1" noMove="1" noResize="1" noEditPoints="1" noAdjustHandles="1" noChangeArrowheads="1" noChangeShapeType="1" noTextEdit="1"/>
+              </p:cNvSpPr>
+              <p:nvPr>
+                <p:ph idx="1"/>
+              </p:nvPr>
+            </p:nvSpPr>
+            <p:spPr>
+              <a:xfrm>
+                <a:off x="2231135" y="2638044"/>
+                <a:ext cx="8617377" cy="3523059"/>
+              </a:xfrm>
+              <a:blipFill>
+                <a:blip r:embed="rId2"/>
+                <a:stretch>
+                  <a:fillRect l="-424" t="-1038"/>
+                </a:stretch>
+              </a:blipFill>
+            </p:spPr>
+            <p:txBody>
+              <a:bodyPr/>
+              <a:lstStyle/>
+              <a:p>
+                <a:r>
+                  <a:rPr lang="en-US">
+                    <a:noFill/>
+                  </a:rPr>
+                  <a:t> </a:t>
+                </a:r>
+              </a:p>
+            </p:txBody>
+          </p:sp>
+        </mc:Fallback>
+      </mc:AlternateContent>
+    </p:spTree>
+    <p:extLst>
+      <p:ext uri="{BB962C8B-B14F-4D97-AF65-F5344CB8AC3E}">
+        <p14:creationId xmlns:p14="http://schemas.microsoft.com/office/powerpoint/2010/main" val="61979083"/>
+      </p:ext>
+    </p:extLst>
+  </p:cSld>
+  <p:clrMapOvr>
+    <a:masterClrMapping/>
+  </p:clrMapOvr>
+</p:sld>
+</file>
+
+<file path=ppt/slides/slide15.xml><?xml version="1.0" encoding="utf-8"?>
 <p:sld xmlns:a="http://schemas.openxmlformats.org/drawingml/2006/main" xmlns:r="http://schemas.openxmlformats.org/officeDocument/2006/relationships" xmlns:p="http://schemas.openxmlformats.org/presentationml/2006/main">
   <p:cSld>
     <p:spTree>
@@ -3760,7 +4616,7 @@
 </p:sld>
 </file>
 
-<file path=ppt/slides/slide14.xml><?xml version="1.0" encoding="utf-8"?>
+<file path=ppt/slides/slide16.xml><?xml version="1.0" encoding="utf-8"?>
 <p:sld xmlns:a="http://schemas.openxmlformats.org/drawingml/2006/main" xmlns:r="http://schemas.openxmlformats.org/officeDocument/2006/relationships" xmlns:p="http://schemas.openxmlformats.org/presentationml/2006/main">
   <p:cSld>
     <p:spTree>
@@ -3988,975 +4844,7 @@
 </p:sld>
 </file>
 
-<file path=ppt/slides/slide2.xml><?xml version="1.0" encoding="utf-8"?>
-<p:sld xmlns:a="http://schemas.openxmlformats.org/drawingml/2006/main" xmlns:r="http://schemas.openxmlformats.org/officeDocument/2006/relationships" xmlns:p="http://schemas.openxmlformats.org/presentationml/2006/main">
-  <p:cSld>
-    <p:spTree>
-      <p:nvGrpSpPr>
-        <p:cNvPr id="1" name=""/>
-        <p:cNvGrpSpPr/>
-        <p:nvPr/>
-      </p:nvGrpSpPr>
-      <p:grpSpPr>
-        <a:xfrm>
-          <a:off x="0" y="0"/>
-          <a:ext cx="0" cy="0"/>
-          <a:chOff x="0" y="0"/>
-          <a:chExt cx="0" cy="0"/>
-        </a:xfrm>
-      </p:grpSpPr>
-      <p:sp>
-        <p:nvSpPr>
-          <p:cNvPr id="2" name="Title 1"/>
-          <p:cNvSpPr>
-            <a:spLocks noGrp="1"/>
-          </p:cNvSpPr>
-          <p:nvPr>
-            <p:ph type="title"/>
-          </p:nvPr>
-        </p:nvSpPr>
-        <p:spPr/>
-        <p:txBody>
-          <a:bodyPr/>
-          <a:lstStyle/>
-          <a:p>
-            <a:r>
-              <a:rPr lang="en-US" dirty="0"/>
-              <a:t>Linear Algebra</a:t>
-            </a:r>
-          </a:p>
-        </p:txBody>
-      </p:sp>
-      <p:sp>
-        <p:nvSpPr>
-          <p:cNvPr id="3" name="Content Placeholder 2"/>
-          <p:cNvSpPr>
-            <a:spLocks noGrp="1"/>
-          </p:cNvSpPr>
-          <p:nvPr>
-            <p:ph idx="1"/>
-          </p:nvPr>
-        </p:nvSpPr>
-        <p:spPr/>
-        <p:txBody>
-          <a:bodyPr/>
-          <a:lstStyle/>
-          <a:p>
-            <a:r>
-              <a:rPr lang="en-US" dirty="0"/>
-              <a:t>Underlying all of applied math is the subject of Linear Algebra</a:t>
-            </a:r>
-          </a:p>
-          <a:p>
-            <a:pPr lvl="1"/>
-            <a:r>
-              <a:rPr lang="en-US" dirty="0"/>
-              <a:t>It is just the extension of algebra to other sorts of objects</a:t>
-            </a:r>
-          </a:p>
-          <a:p>
-            <a:pPr lvl="1"/>
-            <a:r>
-              <a:rPr lang="en-US" dirty="0"/>
-              <a:t>You begin by defining what +, -, and * (multiplication) mean</a:t>
-            </a:r>
-          </a:p>
-          <a:p>
-            <a:pPr lvl="1"/>
-            <a:r>
-              <a:rPr lang="en-US" dirty="0"/>
-              <a:t>The first two tend to be easy, the last one is where you get into trouble</a:t>
-            </a:r>
-          </a:p>
-          <a:p>
-            <a:r>
-              <a:rPr lang="en-US" dirty="0"/>
-              <a:t>Vectors (the basic objects) are often just ordered lists of numbers</a:t>
-            </a:r>
-          </a:p>
-          <a:p>
-            <a:pPr lvl="1"/>
-            <a:r>
-              <a:rPr lang="en-US" dirty="0"/>
-              <a:t>But not really</a:t>
-            </a:r>
-          </a:p>
-        </p:txBody>
-      </p:sp>
-    </p:spTree>
-    <p:extLst>
-      <p:ext uri="{BB962C8B-B14F-4D97-AF65-F5344CB8AC3E}">
-        <p14:creationId xmlns:p14="http://schemas.microsoft.com/office/powerpoint/2010/main" val="3441882852"/>
-      </p:ext>
-    </p:extLst>
-  </p:cSld>
-  <p:clrMapOvr>
-    <a:masterClrMapping/>
-  </p:clrMapOvr>
-</p:sld>
-</file>
-
-<file path=ppt/slides/slide3.xml><?xml version="1.0" encoding="utf-8"?>
-<p:sld xmlns:a="http://schemas.openxmlformats.org/drawingml/2006/main" xmlns:r="http://schemas.openxmlformats.org/officeDocument/2006/relationships" xmlns:p="http://schemas.openxmlformats.org/presentationml/2006/main">
-  <p:cSld>
-    <p:spTree>
-      <p:nvGrpSpPr>
-        <p:cNvPr id="1" name=""/>
-        <p:cNvGrpSpPr/>
-        <p:nvPr/>
-      </p:nvGrpSpPr>
-      <p:grpSpPr>
-        <a:xfrm>
-          <a:off x="0" y="0"/>
-          <a:ext cx="0" cy="0"/>
-          <a:chOff x="0" y="0"/>
-          <a:chExt cx="0" cy="0"/>
-        </a:xfrm>
-      </p:grpSpPr>
-      <p:sp>
-        <p:nvSpPr>
-          <p:cNvPr id="2" name="Title 1"/>
-          <p:cNvSpPr>
-            <a:spLocks noGrp="1"/>
-          </p:cNvSpPr>
-          <p:nvPr>
-            <p:ph type="title"/>
-          </p:nvPr>
-        </p:nvSpPr>
-        <p:spPr/>
-        <p:txBody>
-          <a:bodyPr/>
-          <a:lstStyle/>
-          <a:p>
-            <a:endParaRPr lang="en-US"/>
-          </a:p>
-        </p:txBody>
-      </p:sp>
-      <p:sp>
-        <p:nvSpPr>
-          <p:cNvPr id="3" name="Content Placeholder 2"/>
-          <p:cNvSpPr>
-            <a:spLocks noGrp="1"/>
-          </p:cNvSpPr>
-          <p:nvPr>
-            <p:ph idx="1"/>
-          </p:nvPr>
-        </p:nvSpPr>
-        <p:spPr/>
-        <p:txBody>
-          <a:bodyPr/>
-          <a:lstStyle/>
-          <a:p>
-            <a:endParaRPr lang="en-US"/>
-          </a:p>
-        </p:txBody>
-      </p:sp>
-      <mc:AlternateContent xmlns:mc="http://schemas.openxmlformats.org/markup-compatibility/2006" xmlns:a14="http://schemas.microsoft.com/office/drawing/2010/main">
-        <mc:Choice Requires="a14">
-          <p:sp>
-            <p:nvSpPr>
-              <p:cNvPr id="5" name="TextBox 4"/>
-              <p:cNvSpPr txBox="1"/>
-              <p:nvPr/>
-            </p:nvSpPr>
-            <p:spPr>
-              <a:xfrm>
-                <a:off x="5638800" y="2971800"/>
-                <a:ext cx="2039084" cy="276999"/>
-              </a:xfrm>
-              <a:prstGeom prst="rect">
-                <a:avLst/>
-              </a:prstGeom>
-              <a:noFill/>
-            </p:spPr>
-            <p:txBody>
-              <a:bodyPr wrap="none" lIns="0" tIns="0" rIns="0" bIns="0" rtlCol="0">
-                <a:spAutoFit/>
-              </a:bodyPr>
-              <a:lstStyle/>
-              <a:p>
-                <a:pPr/>
-                <a14:m>
-                  <m:oMathPara xmlns:m="http://schemas.openxmlformats.org/officeDocument/2006/math">
-                    <m:oMathParaPr>
-                      <m:jc m:val="centerGroup"/>
-                    </m:oMathParaPr>
-                    <m:oMath xmlns:m="http://schemas.openxmlformats.org/officeDocument/2006/math">
-                      <a:fld id="{2015583D-7597-49CB-B1A1-034CFD9FC313}" type="mathplaceholder">
-                        <a:rPr lang="en-US" i="1" smtClean="0">
-                          <a:latin typeface="Cambria Math" panose="02040503050406030204" pitchFamily="18" charset="0"/>
-                        </a:rPr>
-                        <a:t>Type equation here.</a:t>
-                      </a:fld>
-                    </m:oMath>
-                  </m:oMathPara>
-                </a14:m>
-                <a:endParaRPr lang="en-US" dirty="0"/>
-              </a:p>
-            </p:txBody>
-          </p:sp>
-        </mc:Choice>
-        <mc:Fallback xmlns="">
-          <p:sp>
-            <p:nvSpPr>
-              <p:cNvPr id="5" name="TextBox 4"/>
-              <p:cNvSpPr txBox="1">
-                <a:spLocks noRot="1" noChangeAspect="1" noMove="1" noResize="1" noEditPoints="1" noAdjustHandles="1" noChangeArrowheads="1" noChangeShapeType="1" noTextEdit="1"/>
-              </p:cNvSpPr>
-              <p:nvPr/>
-            </p:nvSpPr>
-            <p:spPr>
-              <a:xfrm>
-                <a:off x="5638800" y="2971800"/>
-                <a:ext cx="2039084" cy="276999"/>
-              </a:xfrm>
-              <a:prstGeom prst="rect">
-                <a:avLst/>
-              </a:prstGeom>
-              <a:blipFill>
-                <a:blip r:embed="rId2"/>
-                <a:stretch>
-                  <a:fillRect l="-2695" r="-2096" b="-35556"/>
-                </a:stretch>
-              </a:blipFill>
-            </p:spPr>
-            <p:txBody>
-              <a:bodyPr/>
-              <a:lstStyle/>
-              <a:p>
-                <a:r>
-                  <a:rPr lang="en-US">
-                    <a:noFill/>
-                  </a:rPr>
-                  <a:t> </a:t>
-                </a:r>
-              </a:p>
-            </p:txBody>
-          </p:sp>
-        </mc:Fallback>
-      </mc:AlternateContent>
-    </p:spTree>
-    <p:extLst>
-      <p:ext uri="{BB962C8B-B14F-4D97-AF65-F5344CB8AC3E}">
-        <p14:creationId xmlns:p14="http://schemas.microsoft.com/office/powerpoint/2010/main" val="1198890227"/>
-      </p:ext>
-    </p:extLst>
-  </p:cSld>
-  <p:clrMapOvr>
-    <a:masterClrMapping/>
-  </p:clrMapOvr>
-</p:sld>
-</file>
-
-<file path=ppt/slides/slide4.xml><?xml version="1.0" encoding="utf-8"?>
-<p:sld xmlns:a="http://schemas.openxmlformats.org/drawingml/2006/main" xmlns:r="http://schemas.openxmlformats.org/officeDocument/2006/relationships" xmlns:p="http://schemas.openxmlformats.org/presentationml/2006/main">
-  <p:cSld>
-    <p:spTree>
-      <p:nvGrpSpPr>
-        <p:cNvPr id="1" name=""/>
-        <p:cNvGrpSpPr/>
-        <p:nvPr/>
-      </p:nvGrpSpPr>
-      <p:grpSpPr>
-        <a:xfrm>
-          <a:off x="0" y="0"/>
-          <a:ext cx="0" cy="0"/>
-          <a:chOff x="0" y="0"/>
-          <a:chExt cx="0" cy="0"/>
-        </a:xfrm>
-      </p:grpSpPr>
-      <p:sp>
-        <p:nvSpPr>
-          <p:cNvPr id="2" name="Title 1"/>
-          <p:cNvSpPr>
-            <a:spLocks noGrp="1"/>
-          </p:cNvSpPr>
-          <p:nvPr>
-            <p:ph type="title"/>
-          </p:nvPr>
-        </p:nvSpPr>
-        <p:spPr/>
-        <p:txBody>
-          <a:bodyPr/>
-          <a:lstStyle/>
-          <a:p>
-            <a:r>
-              <a:rPr lang="en-US" dirty="0"/>
-              <a:t>Dot Products</a:t>
-            </a:r>
-          </a:p>
-        </p:txBody>
-      </p:sp>
-      <p:sp>
-        <p:nvSpPr>
-          <p:cNvPr id="3" name="Content Placeholder 2"/>
-          <p:cNvSpPr>
-            <a:spLocks noGrp="1"/>
-          </p:cNvSpPr>
-          <p:nvPr>
-            <p:ph idx="1"/>
-          </p:nvPr>
-        </p:nvSpPr>
-        <p:spPr>
-          <a:xfrm>
-            <a:off x="2231136" y="2638044"/>
-            <a:ext cx="7729728" cy="3523059"/>
-          </a:xfrm>
-        </p:spPr>
-        <p:txBody>
-          <a:bodyPr>
-            <a:normAutofit/>
-          </a:bodyPr>
-          <a:lstStyle/>
-          <a:p>
-            <a:r>
-              <a:rPr lang="en-US" dirty="0"/>
-              <a:t>AKA:</a:t>
-            </a:r>
-          </a:p>
-          <a:p>
-            <a:pPr lvl="1"/>
-            <a:r>
-              <a:rPr lang="en-US" dirty="0"/>
-              <a:t>Dot product</a:t>
-            </a:r>
-          </a:p>
-          <a:p>
-            <a:pPr lvl="1"/>
-            <a:r>
-              <a:rPr lang="en-US" dirty="0"/>
-              <a:t>Scalar product</a:t>
-            </a:r>
-          </a:p>
-          <a:p>
-            <a:pPr lvl="1"/>
-            <a:r>
-              <a:rPr lang="en-US" dirty="0"/>
-              <a:t>Inner product</a:t>
-            </a:r>
-          </a:p>
-          <a:p>
-            <a:r>
-              <a:rPr lang="en-US" dirty="0"/>
-              <a:t>The dot product is a </a:t>
-            </a:r>
-            <a:r>
-              <a:rPr lang="en-US" b="1" dirty="0"/>
-              <a:t>single number</a:t>
-            </a:r>
-            <a:endParaRPr lang="en-US" dirty="0"/>
-          </a:p>
-          <a:p>
-            <a:pPr lvl="1"/>
-            <a:r>
-              <a:rPr lang="en-US" dirty="0"/>
-              <a:t>It can be thought of as a </a:t>
-            </a:r>
-            <a:r>
-              <a:rPr lang="en-US" b="1" dirty="0"/>
-              <a:t>weighted sum</a:t>
-            </a:r>
-            <a:r>
-              <a:rPr lang="en-US" dirty="0"/>
-              <a:t> (one vector is the set of numbers to be summed, the other the weights)</a:t>
-            </a:r>
-          </a:p>
-          <a:p>
-            <a:pPr lvl="1"/>
-            <a:r>
-              <a:rPr lang="en-US" dirty="0"/>
-              <a:t>It is the length of the </a:t>
-            </a:r>
-            <a:r>
-              <a:rPr lang="en-US" b="1" dirty="0"/>
-              <a:t>projection</a:t>
-            </a:r>
-            <a:r>
-              <a:rPr lang="en-US" dirty="0"/>
-              <a:t> of one vector onto the (dimension of) the other vector</a:t>
-            </a:r>
-          </a:p>
-          <a:p>
-            <a:pPr lvl="1"/>
-            <a:r>
-              <a:rPr lang="en-US" dirty="0"/>
-              <a:t>It also represents a </a:t>
-            </a:r>
-            <a:r>
-              <a:rPr lang="en-US" b="1" dirty="0"/>
-              <a:t>similarity measure</a:t>
-            </a:r>
-          </a:p>
-        </p:txBody>
-      </p:sp>
-    </p:spTree>
-    <p:extLst>
-      <p:ext uri="{BB962C8B-B14F-4D97-AF65-F5344CB8AC3E}">
-        <p14:creationId xmlns:p14="http://schemas.microsoft.com/office/powerpoint/2010/main" val="3285822073"/>
-      </p:ext>
-    </p:extLst>
-  </p:cSld>
-  <p:clrMapOvr>
-    <a:masterClrMapping/>
-  </p:clrMapOvr>
-</p:sld>
-</file>
-
-<file path=ppt/slides/slide5.xml><?xml version="1.0" encoding="utf-8"?>
-<p:sld xmlns:a="http://schemas.openxmlformats.org/drawingml/2006/main" xmlns:r="http://schemas.openxmlformats.org/officeDocument/2006/relationships" xmlns:p="http://schemas.openxmlformats.org/presentationml/2006/main">
-  <p:cSld>
-    <p:spTree>
-      <p:nvGrpSpPr>
-        <p:cNvPr id="1" name=""/>
-        <p:cNvGrpSpPr/>
-        <p:nvPr/>
-      </p:nvGrpSpPr>
-      <p:grpSpPr>
-        <a:xfrm>
-          <a:off x="0" y="0"/>
-          <a:ext cx="0" cy="0"/>
-          <a:chOff x="0" y="0"/>
-          <a:chExt cx="0" cy="0"/>
-        </a:xfrm>
-      </p:grpSpPr>
-      <p:sp>
-        <p:nvSpPr>
-          <p:cNvPr id="2" name="Title 1"/>
-          <p:cNvSpPr>
-            <a:spLocks noGrp="1"/>
-          </p:cNvSpPr>
-          <p:nvPr>
-            <p:ph type="title"/>
-          </p:nvPr>
-        </p:nvSpPr>
-        <p:spPr/>
-        <p:txBody>
-          <a:bodyPr/>
-          <a:lstStyle/>
-          <a:p>
-            <a:r>
-              <a:rPr lang="en-US" dirty="0"/>
-              <a:t>Dot Products</a:t>
-            </a:r>
-          </a:p>
-        </p:txBody>
-      </p:sp>
-      <mc:AlternateContent xmlns:mc="http://schemas.openxmlformats.org/markup-compatibility/2006">
-        <mc:Choice xmlns:a14="http://schemas.microsoft.com/office/drawing/2010/main" Requires="a14">
-          <p:sp>
-            <p:nvSpPr>
-              <p:cNvPr id="3" name="Content Placeholder 2"/>
-              <p:cNvSpPr>
-                <a:spLocks noGrp="1"/>
-              </p:cNvSpPr>
-              <p:nvPr>
-                <p:ph idx="1"/>
-              </p:nvPr>
-            </p:nvSpPr>
-            <p:spPr>
-              <a:xfrm>
-                <a:off x="2231136" y="2638044"/>
-                <a:ext cx="7729728" cy="3523059"/>
-              </a:xfrm>
-            </p:spPr>
-            <p:txBody>
-              <a:bodyPr>
-                <a:normAutofit/>
-              </a:bodyPr>
-              <a:lstStyle/>
-              <a:p>
-                <a:r>
-                  <a:rPr lang="en-US" dirty="0"/>
-                  <a:t>AKA:</a:t>
-                </a:r>
-              </a:p>
-              <a:p>
-                <a:pPr lvl="1"/>
-                <a:r>
-                  <a:rPr lang="en-US" dirty="0"/>
-                  <a:t>Dot product</a:t>
-                </a:r>
-              </a:p>
-              <a:p>
-                <a:pPr lvl="1"/>
-                <a:r>
-                  <a:rPr lang="en-US" dirty="0"/>
-                  <a:t>Scalar product</a:t>
-                </a:r>
-              </a:p>
-              <a:p>
-                <a:pPr lvl="1"/>
-                <a:r>
-                  <a:rPr lang="en-US" dirty="0"/>
-                  <a:t>Inner product</a:t>
-                </a:r>
-              </a:p>
-              <a:p>
-                <a:r>
-                  <a:rPr lang="en-US" dirty="0"/>
-                  <a:t>Dot products also </a:t>
-                </a:r>
-                <a:r>
-                  <a:rPr lang="en-US" b="1" dirty="0"/>
-                  <a:t>define</a:t>
-                </a:r>
-                <a:r>
-                  <a:rPr lang="en-US" dirty="0"/>
-                  <a:t> lengths and angles:</a:t>
-                </a:r>
-              </a:p>
-              <a:p>
-                <a:pPr lvl="1"/>
-                <a14:m>
-                  <m:oMath xmlns:m="http://schemas.openxmlformats.org/officeDocument/2006/math">
-                    <m:r>
-                      <a:rPr lang="en-US" b="0" i="1" smtClean="0">
-                        <a:latin typeface="Cambria Math" panose="02040503050406030204" pitchFamily="18" charset="0"/>
-                      </a:rPr>
-                      <m:t>𝐴</m:t>
-                    </m:r>
-                    <m:r>
-                      <a:rPr lang="en-US" b="0" i="1" smtClean="0">
-                        <a:latin typeface="Cambria Math" panose="02040503050406030204" pitchFamily="18" charset="0"/>
-                      </a:rPr>
-                      <m:t>⋅</m:t>
-                    </m:r>
-                    <m:r>
-                      <a:rPr lang="en-US" b="0" i="1" smtClean="0">
-                        <a:latin typeface="Cambria Math" panose="02040503050406030204" pitchFamily="18" charset="0"/>
-                      </a:rPr>
-                      <m:t>𝐵</m:t>
-                    </m:r>
-                    <m:r>
-                      <a:rPr lang="en-US" b="0" i="1" smtClean="0">
-                        <a:latin typeface="Cambria Math" panose="02040503050406030204" pitchFamily="18" charset="0"/>
-                      </a:rPr>
-                      <m:t>=</m:t>
-                    </m:r>
-                    <m:nary>
-                      <m:naryPr>
-                        <m:chr m:val="∑"/>
-                        <m:ctrlPr>
-                          <a:rPr lang="en-US" b="0" i="1" smtClean="0">
-                            <a:latin typeface="Cambria Math" panose="02040503050406030204" pitchFamily="18" charset="0"/>
-                          </a:rPr>
-                        </m:ctrlPr>
-                      </m:naryPr>
-                      <m:sub>
-                        <m:r>
-                          <m:rPr>
-                            <m:brk m:alnAt="23"/>
-                          </m:rPr>
-                          <a:rPr lang="en-US" b="0" i="1" smtClean="0">
-                            <a:latin typeface="Cambria Math" panose="02040503050406030204" pitchFamily="18" charset="0"/>
-                          </a:rPr>
-                          <m:t>𝑖</m:t>
-                        </m:r>
-                        <m:r>
-                          <a:rPr lang="en-US" b="0" i="1" smtClean="0">
-                            <a:latin typeface="Cambria Math" panose="02040503050406030204" pitchFamily="18" charset="0"/>
-                          </a:rPr>
-                          <m:t>=1</m:t>
-                        </m:r>
-                      </m:sub>
-                      <m:sup>
-                        <m:r>
-                          <a:rPr lang="en-US" b="0" i="1" smtClean="0">
-                            <a:latin typeface="Cambria Math" panose="02040503050406030204" pitchFamily="18" charset="0"/>
-                          </a:rPr>
-                          <m:t>𝑛</m:t>
-                        </m:r>
-                      </m:sup>
-                      <m:e>
-                        <m:sSub>
-                          <m:sSubPr>
-                            <m:ctrlPr>
-                              <a:rPr lang="en-US" b="0" i="1" smtClean="0">
-                                <a:latin typeface="Cambria Math" panose="02040503050406030204" pitchFamily="18" charset="0"/>
-                              </a:rPr>
-                            </m:ctrlPr>
-                          </m:sSubPr>
-                          <m:e>
-                            <m:r>
-                              <a:rPr lang="en-US" b="0" i="1" smtClean="0">
-                                <a:latin typeface="Cambria Math" panose="02040503050406030204" pitchFamily="18" charset="0"/>
-                              </a:rPr>
-                              <m:t>𝑎</m:t>
-                            </m:r>
-                          </m:e>
-                          <m:sub>
-                            <m:r>
-                              <a:rPr lang="en-US" b="0" i="1" smtClean="0">
-                                <a:latin typeface="Cambria Math" panose="02040503050406030204" pitchFamily="18" charset="0"/>
-                              </a:rPr>
-                              <m:t>𝑖</m:t>
-                            </m:r>
-                          </m:sub>
-                        </m:sSub>
-                        <m:sSub>
-                          <m:sSubPr>
-                            <m:ctrlPr>
-                              <a:rPr lang="en-US" b="0" i="1" smtClean="0">
-                                <a:latin typeface="Cambria Math" panose="02040503050406030204" pitchFamily="18" charset="0"/>
-                              </a:rPr>
-                            </m:ctrlPr>
-                          </m:sSubPr>
-                          <m:e>
-                            <m:r>
-                              <a:rPr lang="en-US" b="0" i="1" smtClean="0">
-                                <a:latin typeface="Cambria Math" panose="02040503050406030204" pitchFamily="18" charset="0"/>
-                              </a:rPr>
-                              <m:t>𝑏</m:t>
-                            </m:r>
-                          </m:e>
-                          <m:sub>
-                            <m:r>
-                              <a:rPr lang="en-US" b="0" i="1" smtClean="0">
-                                <a:latin typeface="Cambria Math" panose="02040503050406030204" pitchFamily="18" charset="0"/>
-                              </a:rPr>
-                              <m:t>𝑖</m:t>
-                            </m:r>
-                          </m:sub>
-                        </m:sSub>
-                      </m:e>
-                    </m:nary>
-                  </m:oMath>
-                </a14:m>
-                <a:endParaRPr lang="en-US" dirty="0"/>
-              </a:p>
-              <a:p>
-                <a:pPr lvl="1"/>
-                <a14:m>
-                  <m:oMath xmlns:m="http://schemas.openxmlformats.org/officeDocument/2006/math">
-                    <m:d>
-                      <m:dPr>
-                        <m:begChr m:val="‖"/>
-                        <m:endChr m:val="‖"/>
-                        <m:ctrlPr>
-                          <a:rPr lang="en-US" i="1" smtClean="0">
-                            <a:latin typeface="Cambria Math" panose="02040503050406030204" pitchFamily="18" charset="0"/>
-                          </a:rPr>
-                        </m:ctrlPr>
-                      </m:dPr>
-                      <m:e>
-                        <m:r>
-                          <a:rPr lang="en-US" b="0" i="1" smtClean="0">
-                            <a:latin typeface="Cambria Math" panose="02040503050406030204" pitchFamily="18" charset="0"/>
-                          </a:rPr>
-                          <m:t>𝐴</m:t>
-                        </m:r>
-                      </m:e>
-                    </m:d>
-                    <m:r>
-                      <a:rPr lang="en-US" b="0" i="1" smtClean="0">
-                        <a:latin typeface="Cambria Math" panose="02040503050406030204" pitchFamily="18" charset="0"/>
-                      </a:rPr>
-                      <m:t>=</m:t>
-                    </m:r>
-                    <m:rad>
-                      <m:radPr>
-                        <m:degHide m:val="on"/>
-                        <m:ctrlPr>
-                          <a:rPr lang="en-US" b="0" i="1" smtClean="0">
-                            <a:latin typeface="Cambria Math" panose="02040503050406030204" pitchFamily="18" charset="0"/>
-                          </a:rPr>
-                        </m:ctrlPr>
-                      </m:radPr>
-                      <m:deg/>
-                      <m:e>
-                        <m:r>
-                          <a:rPr lang="en-US" b="0" i="1" smtClean="0">
-                            <a:latin typeface="Cambria Math" panose="02040503050406030204" pitchFamily="18" charset="0"/>
-                          </a:rPr>
-                          <m:t>𝐴</m:t>
-                        </m:r>
-                        <m:r>
-                          <a:rPr lang="en-US" b="0" i="1" smtClean="0">
-                            <a:latin typeface="Cambria Math" panose="02040503050406030204" pitchFamily="18" charset="0"/>
-                          </a:rPr>
-                          <m:t>⋅</m:t>
-                        </m:r>
-                        <m:r>
-                          <a:rPr lang="en-US" b="0" i="1" smtClean="0">
-                            <a:latin typeface="Cambria Math" panose="02040503050406030204" pitchFamily="18" charset="0"/>
-                          </a:rPr>
-                          <m:t>𝐵</m:t>
-                        </m:r>
-                      </m:e>
-                    </m:rad>
-                  </m:oMath>
-                </a14:m>
-                <a:r>
-                  <a:rPr lang="en-US" dirty="0"/>
-                  <a:t>    (Inner product definition of </a:t>
-                </a:r>
-                <a:r>
-                  <a:rPr lang="en-US" b="1" dirty="0"/>
-                  <a:t>length</a:t>
-                </a:r>
-                <a:r>
-                  <a:rPr lang="en-US" dirty="0"/>
-                  <a:t> of vector </a:t>
-                </a:r>
-                <a14:m>
-                  <m:oMath xmlns:m="http://schemas.openxmlformats.org/officeDocument/2006/math">
-                    <m:r>
-                      <a:rPr lang="en-US" b="0" i="1" smtClean="0">
-                        <a:latin typeface="Cambria Math" panose="02040503050406030204" pitchFamily="18" charset="0"/>
-                      </a:rPr>
-                      <m:t>𝐴</m:t>
-                    </m:r>
-                  </m:oMath>
-                </a14:m>
-                <a:r>
-                  <a:rPr lang="en-US" dirty="0"/>
-                  <a:t>)</a:t>
-                </a:r>
-              </a:p>
-              <a:p>
-                <a:pPr lvl="1"/>
-                <a14:m>
-                  <m:oMath xmlns:m="http://schemas.openxmlformats.org/officeDocument/2006/math">
-                    <m:func>
-                      <m:funcPr>
-                        <m:ctrlPr>
-                          <a:rPr lang="en-US" b="0" i="1" smtClean="0">
-                            <a:latin typeface="Cambria Math" panose="02040503050406030204" pitchFamily="18" charset="0"/>
-                          </a:rPr>
-                        </m:ctrlPr>
-                      </m:funcPr>
-                      <m:fName>
-                        <m:r>
-                          <m:rPr>
-                            <m:sty m:val="p"/>
-                          </m:rPr>
-                          <a:rPr lang="en-US" b="0" i="0" smtClean="0">
-                            <a:latin typeface="Cambria Math" panose="02040503050406030204" pitchFamily="18" charset="0"/>
-                          </a:rPr>
-                          <m:t>cos</m:t>
-                        </m:r>
-                      </m:fName>
-                      <m:e>
-                        <m:d>
-                          <m:dPr>
-                            <m:ctrlPr>
-                              <a:rPr lang="en-US" b="0" i="1" smtClean="0">
-                                <a:latin typeface="Cambria Math" panose="02040503050406030204" pitchFamily="18" charset="0"/>
-                              </a:rPr>
-                            </m:ctrlPr>
-                          </m:dPr>
-                          <m:e>
-                            <m:r>
-                              <a:rPr lang="en-US" b="0" i="1" smtClean="0">
-                                <a:latin typeface="Cambria Math" panose="02040503050406030204" pitchFamily="18" charset="0"/>
-                              </a:rPr>
-                              <m:t>𝜃</m:t>
-                            </m:r>
-                          </m:e>
-                        </m:d>
-                      </m:e>
-                    </m:func>
-                    <m:r>
-                      <a:rPr lang="en-US" b="0" i="1" smtClean="0">
-                        <a:latin typeface="Cambria Math" panose="02040503050406030204" pitchFamily="18" charset="0"/>
-                      </a:rPr>
-                      <m:t>=</m:t>
-                    </m:r>
-                    <m:box>
-                      <m:boxPr>
-                        <m:ctrlPr>
-                          <a:rPr lang="en-US" b="0" i="1" smtClean="0">
-                            <a:latin typeface="Cambria Math" panose="02040503050406030204" pitchFamily="18" charset="0"/>
-                          </a:rPr>
-                        </m:ctrlPr>
-                      </m:boxPr>
-                      <m:e>
-                        <m:argPr>
-                          <m:argSz m:val="-1"/>
-                        </m:argPr>
-                        <m:f>
-                          <m:fPr>
-                            <m:ctrlPr>
-                              <a:rPr lang="en-US" b="0" i="1" smtClean="0">
-                                <a:latin typeface="Cambria Math" panose="02040503050406030204" pitchFamily="18" charset="0"/>
-                              </a:rPr>
-                            </m:ctrlPr>
-                          </m:fPr>
-                          <m:num>
-                            <m:r>
-                              <a:rPr lang="en-US" b="0" i="1" smtClean="0">
-                                <a:latin typeface="Cambria Math" panose="02040503050406030204" pitchFamily="18" charset="0"/>
-                              </a:rPr>
-                              <m:t>𝐴</m:t>
-                            </m:r>
-                            <m:r>
-                              <a:rPr lang="en-US" b="0" i="1" smtClean="0">
-                                <a:latin typeface="Cambria Math" panose="02040503050406030204" pitchFamily="18" charset="0"/>
-                              </a:rPr>
-                              <m:t>⋅</m:t>
-                            </m:r>
-                            <m:r>
-                              <a:rPr lang="en-US" b="0" i="1" smtClean="0">
-                                <a:latin typeface="Cambria Math" panose="02040503050406030204" pitchFamily="18" charset="0"/>
-                              </a:rPr>
-                              <m:t>𝐵</m:t>
-                            </m:r>
-                          </m:num>
-                          <m:den>
-                            <m:d>
-                              <m:dPr>
-                                <m:begChr m:val="‖"/>
-                                <m:endChr m:val="‖"/>
-                                <m:ctrlPr>
-                                  <a:rPr lang="en-US" b="0" i="1" smtClean="0">
-                                    <a:latin typeface="Cambria Math" panose="02040503050406030204" pitchFamily="18" charset="0"/>
-                                  </a:rPr>
-                                </m:ctrlPr>
-                              </m:dPr>
-                              <m:e>
-                                <m:r>
-                                  <a:rPr lang="en-US" b="0" i="1" smtClean="0">
-                                    <a:latin typeface="Cambria Math" panose="02040503050406030204" pitchFamily="18" charset="0"/>
-                                  </a:rPr>
-                                  <m:t>𝐴</m:t>
-                                </m:r>
-                              </m:e>
-                            </m:d>
-                            <m:d>
-                              <m:dPr>
-                                <m:begChr m:val="‖"/>
-                                <m:endChr m:val="‖"/>
-                                <m:ctrlPr>
-                                  <a:rPr lang="en-US" b="0" i="1" smtClean="0">
-                                    <a:latin typeface="Cambria Math" panose="02040503050406030204" pitchFamily="18" charset="0"/>
-                                  </a:rPr>
-                                </m:ctrlPr>
-                              </m:dPr>
-                              <m:e>
-                                <m:r>
-                                  <a:rPr lang="en-US" b="0" i="1" smtClean="0">
-                                    <a:latin typeface="Cambria Math" panose="02040503050406030204" pitchFamily="18" charset="0"/>
-                                  </a:rPr>
-                                  <m:t>𝐵</m:t>
-                                </m:r>
-                              </m:e>
-                            </m:d>
-                          </m:den>
-                        </m:f>
-                      </m:e>
-                    </m:box>
-                  </m:oMath>
-                </a14:m>
-                <a:r>
-                  <a:rPr lang="en-US" dirty="0"/>
-                  <a:t>  (Inner product definition of </a:t>
-                </a:r>
-                <a:r>
-                  <a:rPr lang="en-US" b="1" dirty="0"/>
-                  <a:t>angle </a:t>
-                </a:r>
-                <a14:m>
-                  <m:oMath xmlns:m="http://schemas.openxmlformats.org/officeDocument/2006/math">
-                    <m:r>
-                      <a:rPr lang="en-US" b="1" i="1" smtClean="0">
-                        <a:latin typeface="Cambria Math" panose="02040503050406030204" pitchFamily="18" charset="0"/>
-                      </a:rPr>
-                      <m:t>𝜽</m:t>
-                    </m:r>
-                  </m:oMath>
-                </a14:m>
-                <a:r>
-                  <a:rPr lang="en-US" b="1" dirty="0"/>
-                  <a:t> </a:t>
-                </a:r>
-                <a:r>
-                  <a:rPr lang="en-US" dirty="0"/>
-                  <a:t>between </a:t>
-                </a:r>
-                <a14:m>
-                  <m:oMath xmlns:m="http://schemas.openxmlformats.org/officeDocument/2006/math">
-                    <m:r>
-                      <a:rPr lang="en-US" i="1">
-                        <a:latin typeface="Cambria Math" panose="02040503050406030204" pitchFamily="18" charset="0"/>
-                      </a:rPr>
-                      <m:t>𝐴</m:t>
-                    </m:r>
-                  </m:oMath>
-                </a14:m>
-                <a:r>
-                  <a:rPr lang="en-US" dirty="0"/>
-                  <a:t> and </a:t>
-                </a:r>
-                <a14:m>
-                  <m:oMath xmlns:m="http://schemas.openxmlformats.org/officeDocument/2006/math">
-                    <m:r>
-                      <a:rPr lang="en-US" b="0" i="1" smtClean="0">
-                        <a:latin typeface="Cambria Math" panose="02040503050406030204" pitchFamily="18" charset="0"/>
-                      </a:rPr>
-                      <m:t>𝐵</m:t>
-                    </m:r>
-                  </m:oMath>
-                </a14:m>
-                <a:r>
-                  <a:rPr lang="en-US" dirty="0"/>
-                  <a:t>)</a:t>
-                </a:r>
-              </a:p>
-            </p:txBody>
-          </p:sp>
-        </mc:Choice>
-        <mc:Fallback>
-          <p:sp>
-            <p:nvSpPr>
-              <p:cNvPr id="3" name="Content Placeholder 2"/>
-              <p:cNvSpPr>
-                <a:spLocks noGrp="1" noRot="1" noChangeAspect="1" noMove="1" noResize="1" noEditPoints="1" noAdjustHandles="1" noChangeArrowheads="1" noChangeShapeType="1" noTextEdit="1"/>
-              </p:cNvSpPr>
-              <p:nvPr>
-                <p:ph idx="1"/>
-              </p:nvPr>
-            </p:nvSpPr>
-            <p:spPr>
-              <a:xfrm>
-                <a:off x="2231136" y="2638044"/>
-                <a:ext cx="7729728" cy="3523059"/>
-              </a:xfrm>
-              <a:blipFill>
-                <a:blip r:embed="rId2"/>
-                <a:stretch>
-                  <a:fillRect l="-473" t="-1038"/>
-                </a:stretch>
-              </a:blipFill>
-            </p:spPr>
-            <p:txBody>
-              <a:bodyPr/>
-              <a:lstStyle/>
-              <a:p>
-                <a:r>
-                  <a:rPr lang="en-US">
-                    <a:noFill/>
-                  </a:rPr>
-                  <a:t> </a:t>
-                </a:r>
-              </a:p>
-            </p:txBody>
-          </p:sp>
-        </mc:Fallback>
-      </mc:AlternateContent>
-    </p:spTree>
-    <p:extLst>
-      <p:ext uri="{BB962C8B-B14F-4D97-AF65-F5344CB8AC3E}">
-        <p14:creationId xmlns:p14="http://schemas.microsoft.com/office/powerpoint/2010/main" val="61979083"/>
-      </p:ext>
-    </p:extLst>
-  </p:cSld>
-  <p:clrMapOvr>
-    <a:masterClrMapping/>
-  </p:clrMapOvr>
-</p:sld>
-</file>
-
-<file path=ppt/slides/slide6.xml><?xml version="1.0" encoding="utf-8"?>
+<file path=ppt/slides/slide17.xml><?xml version="1.0" encoding="utf-8"?>
 <p:sld xmlns:a="http://schemas.openxmlformats.org/drawingml/2006/main" xmlns:r="http://schemas.openxmlformats.org/officeDocument/2006/relationships" xmlns:p="http://schemas.openxmlformats.org/presentationml/2006/main">
   <p:cSld>
     <p:spTree>
@@ -5118,169 +5006,7 @@
 </p:sld>
 </file>
 
-<file path=ppt/slides/slide7.xml><?xml version="1.0" encoding="utf-8"?>
-<p:sld xmlns:a="http://schemas.openxmlformats.org/drawingml/2006/main" xmlns:r="http://schemas.openxmlformats.org/officeDocument/2006/relationships" xmlns:p="http://schemas.openxmlformats.org/presentationml/2006/main">
-  <p:cSld>
-    <p:spTree>
-      <p:nvGrpSpPr>
-        <p:cNvPr id="1" name=""/>
-        <p:cNvGrpSpPr/>
-        <p:nvPr/>
-      </p:nvGrpSpPr>
-      <p:grpSpPr>
-        <a:xfrm>
-          <a:off x="0" y="0"/>
-          <a:ext cx="0" cy="0"/>
-          <a:chOff x="0" y="0"/>
-          <a:chExt cx="0" cy="0"/>
-        </a:xfrm>
-      </p:grpSpPr>
-      <p:grpSp>
-        <p:nvGrpSpPr>
-          <p:cNvPr id="7" name="Group 6"/>
-          <p:cNvGrpSpPr/>
-          <p:nvPr/>
-        </p:nvGrpSpPr>
-        <p:grpSpPr>
-          <a:xfrm>
-            <a:off x="599050" y="433204"/>
-            <a:ext cx="10993900" cy="5050562"/>
-            <a:chOff x="599050" y="903719"/>
-            <a:chExt cx="10993900" cy="5050562"/>
-          </a:xfrm>
-        </p:grpSpPr>
-        <p:pic>
-          <p:nvPicPr>
-            <p:cNvPr id="4" name="Picture 3"/>
-            <p:cNvPicPr>
-              <a:picLocks noChangeAspect="1"/>
-            </p:cNvPicPr>
-            <p:nvPr/>
-          </p:nvPicPr>
-          <p:blipFill>
-            <a:blip r:embed="rId2"/>
-            <a:stretch>
-              <a:fillRect/>
-            </a:stretch>
-          </p:blipFill>
-          <p:spPr>
-            <a:xfrm>
-              <a:off x="599050" y="903719"/>
-              <a:ext cx="10993900" cy="5050562"/>
-            </a:xfrm>
-            <a:prstGeom prst="rect">
-              <a:avLst/>
-            </a:prstGeom>
-          </p:spPr>
-        </p:pic>
-        <p:sp>
-          <p:nvSpPr>
-            <p:cNvPr id="5" name="TextBox 4"/>
-            <p:cNvSpPr txBox="1"/>
-            <p:nvPr/>
-          </p:nvSpPr>
-          <p:spPr>
-            <a:xfrm>
-              <a:off x="4847207" y="1083076"/>
-              <a:ext cx="2308194" cy="430887"/>
-            </a:xfrm>
-            <a:prstGeom prst="rect">
-              <a:avLst/>
-            </a:prstGeom>
-            <a:noFill/>
-          </p:spPr>
-          <p:txBody>
-            <a:bodyPr wrap="square" rtlCol="0">
-              <a:spAutoFit/>
-            </a:bodyPr>
-            <a:lstStyle/>
-            <a:p>
-              <a:pPr algn="ctr"/>
-              <a:r>
-                <a:rPr lang="en-US" sz="2200" dirty="0">
-                  <a:solidFill>
-                    <a:srgbClr val="0070C0"/>
-                  </a:solidFill>
-                  <a:latin typeface="Arial" panose="020B0604020202020204" pitchFamily="34" charset="0"/>
-                  <a:cs typeface="Arial" panose="020B0604020202020204" pitchFamily="34" charset="0"/>
-                </a:rPr>
-                <a:t>Orthogonal Case</a:t>
-              </a:r>
-            </a:p>
-          </p:txBody>
-        </p:sp>
-      </p:grpSp>
-      <p:sp>
-        <p:nvSpPr>
-          <p:cNvPr id="6" name="TextBox 5"/>
-          <p:cNvSpPr txBox="1"/>
-          <p:nvPr/>
-        </p:nvSpPr>
-        <p:spPr>
-          <a:xfrm>
-            <a:off x="2900039" y="5769596"/>
-            <a:ext cx="6391922" cy="646331"/>
-          </a:xfrm>
-          <a:prstGeom prst="rect">
-            <a:avLst/>
-          </a:prstGeom>
-          <a:solidFill>
-            <a:schemeClr val="bg1"/>
-          </a:solidFill>
-          <a:ln w="38100">
-            <a:solidFill>
-              <a:schemeClr val="accent1"/>
-            </a:solidFill>
-          </a:ln>
-        </p:spPr>
-        <p:txBody>
-          <a:bodyPr wrap="square" rtlCol="0">
-            <a:spAutoFit/>
-          </a:bodyPr>
-          <a:lstStyle/>
-          <a:p>
-            <a:pPr algn="just"/>
-            <a:r>
-              <a:rPr lang="en-US" dirty="0">
-                <a:solidFill>
-                  <a:srgbClr val="0070C0"/>
-                </a:solidFill>
-              </a:rPr>
-              <a:t>The dot product can be thought of as the length along one of the vectors of the </a:t>
-            </a:r>
-            <a:r>
-              <a:rPr lang="en-US" b="1" dirty="0">
-                <a:solidFill>
-                  <a:srgbClr val="0070C0"/>
-                </a:solidFill>
-              </a:rPr>
-              <a:t>projection</a:t>
-            </a:r>
-            <a:r>
-              <a:rPr lang="en-US" dirty="0">
-                <a:solidFill>
-                  <a:srgbClr val="0070C0"/>
-                </a:solidFill>
-              </a:rPr>
-              <a:t> of the other vector.</a:t>
-            </a:r>
-          </a:p>
-        </p:txBody>
-      </p:sp>
-    </p:spTree>
-    <p:extLst>
-      <p:ext uri="{BB962C8B-B14F-4D97-AF65-F5344CB8AC3E}">
-        <p14:creationId xmlns:p14="http://schemas.microsoft.com/office/powerpoint/2010/main" val="2453329963"/>
-      </p:ext>
-    </p:extLst>
-  </p:cSld>
-  <p:clrMapOvr>
-    <a:masterClrMapping/>
-  </p:clrMapOvr>
-</p:sld>
-</file>
-
-<file path=ppt/slides/slide8.xml><?xml version="1.0" encoding="utf-8"?>
+<file path=ppt/slides/slide18.xml><?xml version="1.0" encoding="utf-8"?>
 <p:sld xmlns:a="http://schemas.openxmlformats.org/drawingml/2006/main" xmlns:r="http://schemas.openxmlformats.org/officeDocument/2006/relationships" xmlns:p="http://schemas.openxmlformats.org/presentationml/2006/main">
   <p:cSld>
     <p:spTree>
@@ -5428,6 +5154,3600 @@
 </p:sld>
 </file>
 
+<file path=ppt/slides/slide19.xml><?xml version="1.0" encoding="utf-8"?>
+<p:sld xmlns:a="http://schemas.openxmlformats.org/drawingml/2006/main" xmlns:r="http://schemas.openxmlformats.org/officeDocument/2006/relationships" xmlns:p="http://schemas.openxmlformats.org/presentationml/2006/main">
+  <p:cSld>
+    <p:spTree>
+      <p:nvGrpSpPr>
+        <p:cNvPr id="1" name=""/>
+        <p:cNvGrpSpPr/>
+        <p:nvPr/>
+      </p:nvGrpSpPr>
+      <p:grpSpPr>
+        <a:xfrm>
+          <a:off x="0" y="0"/>
+          <a:ext cx="0" cy="0"/>
+          <a:chOff x="0" y="0"/>
+          <a:chExt cx="0" cy="0"/>
+        </a:xfrm>
+      </p:grpSpPr>
+      <p:pic>
+        <p:nvPicPr>
+          <p:cNvPr id="2" name="Picture 1"/>
+          <p:cNvPicPr>
+            <a:picLocks noChangeAspect="1"/>
+          </p:cNvPicPr>
+          <p:nvPr/>
+        </p:nvPicPr>
+        <p:blipFill>
+          <a:blip r:embed="rId2"/>
+          <a:stretch>
+            <a:fillRect/>
+          </a:stretch>
+        </p:blipFill>
+        <p:spPr>
+          <a:xfrm>
+            <a:off x="1026502" y="422772"/>
+            <a:ext cx="4019550" cy="5467350"/>
+          </a:xfrm>
+          <a:prstGeom prst="rect">
+            <a:avLst/>
+          </a:prstGeom>
+        </p:spPr>
+      </p:pic>
+      <p:sp>
+        <p:nvSpPr>
+          <p:cNvPr id="3" name="TextBox 2"/>
+          <p:cNvSpPr txBox="1"/>
+          <p:nvPr/>
+        </p:nvSpPr>
+        <p:spPr>
+          <a:xfrm>
+            <a:off x="208817" y="6145827"/>
+            <a:ext cx="5594106" cy="523220"/>
+          </a:xfrm>
+          <a:prstGeom prst="rect">
+            <a:avLst/>
+          </a:prstGeom>
+          <a:noFill/>
+        </p:spPr>
+        <p:txBody>
+          <a:bodyPr wrap="square" rtlCol="0">
+            <a:spAutoFit/>
+          </a:bodyPr>
+          <a:lstStyle/>
+          <a:p>
+            <a:pPr algn="just"/>
+            <a:r>
+              <a:rPr lang="en-US" sz="1400" dirty="0">
+                <a:hlinkClick r:id="rId3"/>
+              </a:rPr>
+              <a:t>http://textbook.scotthill.us/01-Vectors/04-Dot.php</a:t>
+            </a:r>
+            <a:r>
+              <a:rPr lang="en-US" sz="1400" dirty="0"/>
+              <a:t> See also the vector sections of: </a:t>
+            </a:r>
+            <a:r>
+              <a:rPr lang="en-US" sz="1400" dirty="0">
+                <a:hlinkClick r:id="rId4"/>
+              </a:rPr>
+              <a:t>http://textbook.scotthill.us/</a:t>
+            </a:r>
+            <a:r>
+              <a:rPr lang="en-US" sz="1400" dirty="0"/>
+              <a:t> more generally. </a:t>
+            </a:r>
+          </a:p>
+        </p:txBody>
+      </p:sp>
+      <p:sp>
+        <p:nvSpPr>
+          <p:cNvPr id="4" name="TextBox 3"/>
+          <p:cNvSpPr txBox="1"/>
+          <p:nvPr/>
+        </p:nvSpPr>
+        <p:spPr>
+          <a:xfrm>
+            <a:off x="6603023" y="2417783"/>
+            <a:ext cx="4501662" cy="1477328"/>
+          </a:xfrm>
+          <a:prstGeom prst="rect">
+            <a:avLst/>
+          </a:prstGeom>
+          <a:noFill/>
+        </p:spPr>
+        <p:txBody>
+          <a:bodyPr wrap="square" rtlCol="0">
+            <a:spAutoFit/>
+          </a:bodyPr>
+          <a:lstStyle/>
+          <a:p>
+            <a:r>
+              <a:rPr lang="en-US" dirty="0"/>
+              <a:t>Vectors in the same direction: 		1</a:t>
+            </a:r>
+          </a:p>
+          <a:p>
+            <a:r>
+              <a:rPr lang="en-US" dirty="0"/>
+              <a:t>Vectors perpendicular (orthogonal): 	0</a:t>
+            </a:r>
+          </a:p>
+          <a:p>
+            <a:endParaRPr lang="en-US" dirty="0"/>
+          </a:p>
+          <a:p>
+            <a:r>
+              <a:rPr lang="en-US" dirty="0"/>
+              <a:t>Acute Angles: 	Positive</a:t>
+            </a:r>
+          </a:p>
+          <a:p>
+            <a:r>
+              <a:rPr lang="en-US" dirty="0"/>
+              <a:t>Obtuse Angles: 	Negative</a:t>
+            </a:r>
+          </a:p>
+        </p:txBody>
+      </p:sp>
+    </p:spTree>
+    <p:extLst>
+      <p:ext uri="{BB962C8B-B14F-4D97-AF65-F5344CB8AC3E}">
+        <p14:creationId xmlns:p14="http://schemas.microsoft.com/office/powerpoint/2010/main" val="780631041"/>
+      </p:ext>
+    </p:extLst>
+  </p:cSld>
+  <p:clrMapOvr>
+    <a:masterClrMapping/>
+  </p:clrMapOvr>
+</p:sld>
+</file>
+
+<file path=ppt/slides/slide2.xml><?xml version="1.0" encoding="utf-8"?>
+<p:sld xmlns:a="http://schemas.openxmlformats.org/drawingml/2006/main" xmlns:r="http://schemas.openxmlformats.org/officeDocument/2006/relationships" xmlns:p="http://schemas.openxmlformats.org/presentationml/2006/main">
+  <p:cSld>
+    <p:spTree>
+      <p:nvGrpSpPr>
+        <p:cNvPr id="1" name=""/>
+        <p:cNvGrpSpPr/>
+        <p:nvPr/>
+      </p:nvGrpSpPr>
+      <p:grpSpPr>
+        <a:xfrm>
+          <a:off x="0" y="0"/>
+          <a:ext cx="0" cy="0"/>
+          <a:chOff x="0" y="0"/>
+          <a:chExt cx="0" cy="0"/>
+        </a:xfrm>
+      </p:grpSpPr>
+      <p:sp>
+        <p:nvSpPr>
+          <p:cNvPr id="2" name="Title 1"/>
+          <p:cNvSpPr>
+            <a:spLocks noGrp="1"/>
+          </p:cNvSpPr>
+          <p:nvPr>
+            <p:ph type="title"/>
+          </p:nvPr>
+        </p:nvSpPr>
+        <p:spPr/>
+        <p:txBody>
+          <a:bodyPr/>
+          <a:lstStyle/>
+          <a:p>
+            <a:r>
+              <a:rPr lang="en-US" dirty="0"/>
+              <a:t>Linear Algebra</a:t>
+            </a:r>
+          </a:p>
+        </p:txBody>
+      </p:sp>
+      <mc:AlternateContent xmlns:mc="http://schemas.openxmlformats.org/markup-compatibility/2006">
+        <mc:Choice xmlns:a14="http://schemas.microsoft.com/office/drawing/2010/main" Requires="a14">
+          <p:sp>
+            <p:nvSpPr>
+              <p:cNvPr id="3" name="Content Placeholder 2"/>
+              <p:cNvSpPr>
+                <a:spLocks noGrp="1"/>
+              </p:cNvSpPr>
+              <p:nvPr>
+                <p:ph idx="1"/>
+              </p:nvPr>
+            </p:nvSpPr>
+            <p:spPr>
+              <a:xfrm>
+                <a:off x="2231136" y="2638044"/>
+                <a:ext cx="7729728" cy="3815510"/>
+              </a:xfrm>
+            </p:spPr>
+            <p:txBody>
+              <a:bodyPr>
+                <a:normAutofit fontScale="92500"/>
+              </a:bodyPr>
+              <a:lstStyle/>
+              <a:p>
+                <a:r>
+                  <a:rPr lang="en-US" dirty="0"/>
+                  <a:t>Underlying all of applied math is the subject of Linear (or Vector) Algebra</a:t>
+                </a:r>
+              </a:p>
+              <a:p>
+                <a:pPr lvl="1"/>
+                <a:r>
+                  <a:rPr lang="en-US" dirty="0"/>
+                  <a:t>It is just the extension of </a:t>
+                </a:r>
+                <a:r>
+                  <a:rPr lang="en-US" b="1" dirty="0"/>
+                  <a:t>algebra</a:t>
+                </a:r>
+                <a:r>
+                  <a:rPr lang="en-US" dirty="0"/>
+                  <a:t> to other sorts of objects</a:t>
+                </a:r>
+              </a:p>
+              <a:p>
+                <a:pPr lvl="1"/>
+                <a:r>
+                  <a:rPr lang="en-US" dirty="0"/>
+                  <a:t>You begin by defining what </a:t>
+                </a:r>
+                <a14:m>
+                  <m:oMath xmlns:m="http://schemas.openxmlformats.org/officeDocument/2006/math">
+                    <m:r>
+                      <a:rPr lang="en-US" b="0" i="1" smtClean="0">
+                        <a:latin typeface="Cambria Math" panose="02040503050406030204" pitchFamily="18" charset="0"/>
+                      </a:rPr>
+                      <m:t>+</m:t>
+                    </m:r>
+                  </m:oMath>
+                </a14:m>
+                <a:r>
+                  <a:rPr lang="en-US" dirty="0"/>
+                  <a:t>, </a:t>
+                </a:r>
+                <a14:m>
+                  <m:oMath xmlns:m="http://schemas.openxmlformats.org/officeDocument/2006/math">
+                    <m:r>
+                      <a:rPr lang="en-US" b="0" i="1" dirty="0" smtClean="0">
+                        <a:latin typeface="Cambria Math" panose="02040503050406030204" pitchFamily="18" charset="0"/>
+                      </a:rPr>
+                      <m:t>−</m:t>
+                    </m:r>
+                  </m:oMath>
+                </a14:m>
+                <a:r>
+                  <a:rPr lang="en-US" dirty="0"/>
+                  <a:t>, and </a:t>
+                </a:r>
+                <a14:m>
+                  <m:oMath xmlns:m="http://schemas.openxmlformats.org/officeDocument/2006/math">
+                    <m:r>
+                      <a:rPr lang="en-US" i="1" smtClean="0">
+                        <a:latin typeface="Cambria Math" panose="02040503050406030204" pitchFamily="18" charset="0"/>
+                        <a:ea typeface="Cambria Math" panose="02040503050406030204" pitchFamily="18" charset="0"/>
+                      </a:rPr>
+                      <m:t>×</m:t>
+                    </m:r>
+                  </m:oMath>
+                </a14:m>
+                <a:r>
+                  <a:rPr lang="en-US" dirty="0"/>
+                  <a:t> or </a:t>
+                </a:r>
+                <a14:m>
+                  <m:oMath xmlns:m="http://schemas.openxmlformats.org/officeDocument/2006/math">
+                    <m:r>
+                      <a:rPr lang="en-US" i="1" smtClean="0">
+                        <a:latin typeface="Cambria Math" panose="02040503050406030204" pitchFamily="18" charset="0"/>
+                        <a:ea typeface="Cambria Math" panose="02040503050406030204" pitchFamily="18" charset="0"/>
+                      </a:rPr>
+                      <m:t>∙</m:t>
+                    </m:r>
+                  </m:oMath>
+                </a14:m>
+                <a:r>
+                  <a:rPr lang="en-US" dirty="0"/>
+                  <a:t> (multiplication) mean</a:t>
+                </a:r>
+              </a:p>
+              <a:p>
+                <a:pPr lvl="1"/>
+                <a:r>
+                  <a:rPr lang="en-US" dirty="0"/>
+                  <a:t>The first two tend to be easy, the last one is where you get into trouble!!</a:t>
+                </a:r>
+              </a:p>
+              <a:p>
+                <a:pPr lvl="2"/>
+                <a:r>
+                  <a:rPr lang="en-US" dirty="0"/>
+                  <a:t>There are several multiplications: scalar multiplication, matrix multiplication, cross-product, and the dot product</a:t>
+                </a:r>
+              </a:p>
+              <a:p>
+                <a:pPr lvl="1"/>
+                <a:r>
+                  <a:rPr lang="en-US" dirty="0"/>
+                  <a:t>The dot product is just one of these multiplications that is defined for vectors</a:t>
+                </a:r>
+              </a:p>
+              <a:p>
+                <a:r>
+                  <a:rPr lang="en-US" dirty="0"/>
+                  <a:t>Vectors (the basic objects) are often just ordered lists of numbers</a:t>
+                </a:r>
+              </a:p>
+              <a:p>
+                <a:pPr lvl="1"/>
+                <a:r>
+                  <a:rPr lang="en-US" b="1" dirty="0"/>
+                  <a:t>But not really!</a:t>
+                </a:r>
+              </a:p>
+              <a:p>
+                <a:pPr lvl="1"/>
+                <a:r>
+                  <a:rPr lang="en-US" dirty="0"/>
+                  <a:t>The algebra operations are relatively simple:</a:t>
+                </a:r>
+              </a:p>
+              <a:p>
+                <a:endParaRPr lang="en-US" dirty="0"/>
+              </a:p>
+            </p:txBody>
+          </p:sp>
+        </mc:Choice>
+        <mc:Fallback>
+          <p:sp>
+            <p:nvSpPr>
+              <p:cNvPr id="3" name="Content Placeholder 2"/>
+              <p:cNvSpPr>
+                <a:spLocks noGrp="1" noRot="1" noChangeAspect="1" noMove="1" noResize="1" noEditPoints="1" noAdjustHandles="1" noChangeArrowheads="1" noChangeShapeType="1" noTextEdit="1"/>
+              </p:cNvSpPr>
+              <p:nvPr>
+                <p:ph idx="1"/>
+              </p:nvPr>
+            </p:nvSpPr>
+            <p:spPr>
+              <a:xfrm>
+                <a:off x="2231136" y="2638044"/>
+                <a:ext cx="7729728" cy="3815510"/>
+              </a:xfrm>
+              <a:blipFill>
+                <a:blip r:embed="rId2"/>
+                <a:stretch>
+                  <a:fillRect l="-394" t="-479"/>
+                </a:stretch>
+              </a:blipFill>
+            </p:spPr>
+            <p:txBody>
+              <a:bodyPr/>
+              <a:lstStyle/>
+              <a:p>
+                <a:r>
+                  <a:rPr lang="en-US">
+                    <a:noFill/>
+                  </a:rPr>
+                  <a:t> </a:t>
+                </a:r>
+              </a:p>
+            </p:txBody>
+          </p:sp>
+        </mc:Fallback>
+      </mc:AlternateContent>
+    </p:spTree>
+    <p:extLst>
+      <p:ext uri="{BB962C8B-B14F-4D97-AF65-F5344CB8AC3E}">
+        <p14:creationId xmlns:p14="http://schemas.microsoft.com/office/powerpoint/2010/main" val="3441882852"/>
+      </p:ext>
+    </p:extLst>
+  </p:cSld>
+  <p:clrMapOvr>
+    <a:masterClrMapping/>
+  </p:clrMapOvr>
+</p:sld>
+</file>
+
+<file path=ppt/slides/slide20.xml><?xml version="1.0" encoding="utf-8"?>
+<p:sld xmlns:a="http://schemas.openxmlformats.org/drawingml/2006/main" xmlns:r="http://schemas.openxmlformats.org/officeDocument/2006/relationships" xmlns:p="http://schemas.openxmlformats.org/presentationml/2006/main">
+  <p:cSld>
+    <p:spTree>
+      <p:nvGrpSpPr>
+        <p:cNvPr id="1" name=""/>
+        <p:cNvGrpSpPr/>
+        <p:nvPr/>
+      </p:nvGrpSpPr>
+      <p:grpSpPr>
+        <a:xfrm>
+          <a:off x="0" y="0"/>
+          <a:ext cx="0" cy="0"/>
+          <a:chOff x="0" y="0"/>
+          <a:chExt cx="0" cy="0"/>
+        </a:xfrm>
+      </p:grpSpPr>
+      <p:sp>
+        <p:nvSpPr>
+          <p:cNvPr id="2" name="Title 1"/>
+          <p:cNvSpPr>
+            <a:spLocks noGrp="1"/>
+          </p:cNvSpPr>
+          <p:nvPr>
+            <p:ph type="title"/>
+          </p:nvPr>
+        </p:nvSpPr>
+        <p:spPr/>
+        <p:txBody>
+          <a:bodyPr/>
+          <a:lstStyle/>
+          <a:p>
+            <a:r>
+              <a:rPr lang="en-US" dirty="0"/>
+              <a:t>Weird at First</a:t>
+            </a:r>
+          </a:p>
+        </p:txBody>
+      </p:sp>
+      <p:sp>
+        <p:nvSpPr>
+          <p:cNvPr id="3" name="Content Placeholder 2"/>
+          <p:cNvSpPr>
+            <a:spLocks noGrp="1"/>
+          </p:cNvSpPr>
+          <p:nvPr>
+            <p:ph idx="1"/>
+          </p:nvPr>
+        </p:nvSpPr>
+        <p:spPr/>
+        <p:txBody>
+          <a:bodyPr/>
+          <a:lstStyle/>
+          <a:p>
+            <a:r>
+              <a:rPr lang="en-US" dirty="0"/>
+              <a:t>It takes some getting used to, but our vectors live in a </a:t>
+            </a:r>
+            <a:r>
+              <a:rPr lang="en-US" b="1" dirty="0"/>
+              <a:t>high dimensional space</a:t>
+            </a:r>
+            <a:r>
+              <a:rPr lang="en-US" dirty="0"/>
+              <a:t>:</a:t>
+            </a:r>
+          </a:p>
+          <a:p>
+            <a:pPr lvl="1"/>
+            <a:r>
+              <a:rPr lang="en-US" dirty="0"/>
+              <a:t>A vector of length 2 is a point in </a:t>
+            </a:r>
+            <a:r>
+              <a:rPr lang="en-US" b="1" dirty="0"/>
+              <a:t>2-space</a:t>
+            </a:r>
+            <a:r>
+              <a:rPr lang="en-US" dirty="0"/>
+              <a:t> (the </a:t>
+            </a:r>
+            <a:r>
+              <a:rPr lang="en-US" b="1" dirty="0"/>
+              <a:t>Cartesian plane</a:t>
+            </a:r>
+            <a:r>
+              <a:rPr lang="en-US" dirty="0"/>
+              <a:t>)</a:t>
+            </a:r>
+          </a:p>
+          <a:p>
+            <a:pPr lvl="1"/>
+            <a:r>
+              <a:rPr lang="en-US" dirty="0"/>
+              <a:t>A vector of length 3 is a point in </a:t>
+            </a:r>
+            <a:r>
+              <a:rPr lang="en-US" b="1" dirty="0"/>
+              <a:t>3-D space </a:t>
+            </a:r>
+          </a:p>
+          <a:p>
+            <a:pPr lvl="1"/>
+            <a:r>
+              <a:rPr lang="en-US" dirty="0"/>
+              <a:t>A vector representing a 2 second sample of EEG (for one electrode) with a sampling rate of 512 Hz is a vector of length 1024</a:t>
+            </a:r>
+          </a:p>
+          <a:p>
+            <a:pPr lvl="2"/>
+            <a:r>
+              <a:rPr lang="en-US" dirty="0"/>
+              <a:t>It lives as a single point in a </a:t>
+            </a:r>
+            <a:r>
+              <a:rPr lang="en-US" b="1" dirty="0"/>
+              <a:t>1024-dimensional space</a:t>
+            </a:r>
+          </a:p>
+          <a:p>
+            <a:pPr lvl="2"/>
+            <a:r>
+              <a:rPr lang="en-US" dirty="0"/>
+              <a:t>Each number in the vector is one coordinate of the 1024-dimensional point</a:t>
+            </a:r>
+          </a:p>
+        </p:txBody>
+      </p:sp>
+    </p:spTree>
+    <p:extLst>
+      <p:ext uri="{BB962C8B-B14F-4D97-AF65-F5344CB8AC3E}">
+        <p14:creationId xmlns:p14="http://schemas.microsoft.com/office/powerpoint/2010/main" val="3108552304"/>
+      </p:ext>
+    </p:extLst>
+  </p:cSld>
+  <p:clrMapOvr>
+    <a:masterClrMapping/>
+  </p:clrMapOvr>
+</p:sld>
+</file>
+
+<file path=ppt/slides/slide21.xml><?xml version="1.0" encoding="utf-8"?>
+<p:sld xmlns:a="http://schemas.openxmlformats.org/drawingml/2006/main" xmlns:r="http://schemas.openxmlformats.org/officeDocument/2006/relationships" xmlns:p="http://schemas.openxmlformats.org/presentationml/2006/main">
+  <p:cSld>
+    <p:spTree>
+      <p:nvGrpSpPr>
+        <p:cNvPr id="1" name=""/>
+        <p:cNvGrpSpPr/>
+        <p:nvPr/>
+      </p:nvGrpSpPr>
+      <p:grpSpPr>
+        <a:xfrm>
+          <a:off x="0" y="0"/>
+          <a:ext cx="0" cy="0"/>
+          <a:chOff x="0" y="0"/>
+          <a:chExt cx="0" cy="0"/>
+        </a:xfrm>
+      </p:grpSpPr>
+      <p:sp>
+        <p:nvSpPr>
+          <p:cNvPr id="2" name="Title 1"/>
+          <p:cNvSpPr>
+            <a:spLocks noGrp="1"/>
+          </p:cNvSpPr>
+          <p:nvPr>
+            <p:ph type="title"/>
+          </p:nvPr>
+        </p:nvSpPr>
+        <p:spPr/>
+        <p:txBody>
+          <a:bodyPr/>
+          <a:lstStyle/>
+          <a:p>
+            <a:r>
+              <a:rPr lang="en-US" dirty="0"/>
+              <a:t>Convolution</a:t>
+            </a:r>
+          </a:p>
+        </p:txBody>
+      </p:sp>
+      <p:sp>
+        <p:nvSpPr>
+          <p:cNvPr id="3" name="Content Placeholder 2"/>
+          <p:cNvSpPr>
+            <a:spLocks noGrp="1"/>
+          </p:cNvSpPr>
+          <p:nvPr>
+            <p:ph idx="1"/>
+          </p:nvPr>
+        </p:nvSpPr>
+        <p:spPr/>
+        <p:txBody>
+          <a:bodyPr/>
+          <a:lstStyle/>
+          <a:p>
+            <a:r>
+              <a:rPr lang="en-US" dirty="0"/>
+              <a:t>Has been called a “rolling together” of two vectors (or functions or signals)</a:t>
+            </a:r>
+          </a:p>
+          <a:p>
+            <a:r>
+              <a:rPr lang="en-US" dirty="0"/>
+              <a:t>Think of it as smearing and shifting the signal</a:t>
+            </a:r>
+          </a:p>
+        </p:txBody>
+      </p:sp>
+    </p:spTree>
+    <p:extLst>
+      <p:ext uri="{BB962C8B-B14F-4D97-AF65-F5344CB8AC3E}">
+        <p14:creationId xmlns:p14="http://schemas.microsoft.com/office/powerpoint/2010/main" val="4100574947"/>
+      </p:ext>
+    </p:extLst>
+  </p:cSld>
+  <p:clrMapOvr>
+    <a:masterClrMapping/>
+  </p:clrMapOvr>
+</p:sld>
+</file>
+
+<file path=ppt/slides/slide22.xml><?xml version="1.0" encoding="utf-8"?>
+<p:sld xmlns:a="http://schemas.openxmlformats.org/drawingml/2006/main" xmlns:r="http://schemas.openxmlformats.org/officeDocument/2006/relationships" xmlns:p="http://schemas.openxmlformats.org/presentationml/2006/main">
+  <p:cSld>
+    <p:spTree>
+      <p:nvGrpSpPr>
+        <p:cNvPr id="1" name=""/>
+        <p:cNvGrpSpPr/>
+        <p:nvPr/>
+      </p:nvGrpSpPr>
+      <p:grpSpPr>
+        <a:xfrm>
+          <a:off x="0" y="0"/>
+          <a:ext cx="0" cy="0"/>
+          <a:chOff x="0" y="0"/>
+          <a:chExt cx="0" cy="0"/>
+        </a:xfrm>
+      </p:grpSpPr>
+      <p:pic>
+        <p:nvPicPr>
+          <p:cNvPr id="4" name="Picture 3"/>
+          <p:cNvPicPr>
+            <a:picLocks noChangeAspect="1"/>
+          </p:cNvPicPr>
+          <p:nvPr/>
+        </p:nvPicPr>
+        <p:blipFill>
+          <a:blip r:embed="rId2"/>
+          <a:stretch>
+            <a:fillRect/>
+          </a:stretch>
+        </p:blipFill>
+        <p:spPr>
+          <a:xfrm>
+            <a:off x="3657600" y="990600"/>
+            <a:ext cx="4876800" cy="4876800"/>
+          </a:xfrm>
+          <a:prstGeom prst="rect">
+            <a:avLst/>
+          </a:prstGeom>
+        </p:spPr>
+      </p:pic>
+      <p:sp>
+        <p:nvSpPr>
+          <p:cNvPr id="5" name="TextBox 4"/>
+          <p:cNvSpPr txBox="1"/>
+          <p:nvPr/>
+        </p:nvSpPr>
+        <p:spPr>
+          <a:xfrm>
+            <a:off x="4589755" y="6400799"/>
+            <a:ext cx="7741328" cy="276999"/>
+          </a:xfrm>
+          <a:prstGeom prst="rect">
+            <a:avLst/>
+          </a:prstGeom>
+          <a:noFill/>
+        </p:spPr>
+        <p:txBody>
+          <a:bodyPr wrap="square" rtlCol="0">
+            <a:spAutoFit/>
+          </a:bodyPr>
+          <a:lstStyle/>
+          <a:p>
+            <a:pPr algn="ctr"/>
+            <a:r>
+              <a:rPr lang="en-US" sz="1200" dirty="0"/>
+              <a:t>http://bmia.bmt.tue.nl/education/courses/fev/course/notebooks/triangleblockconvolution.gif</a:t>
+            </a:r>
+          </a:p>
+        </p:txBody>
+      </p:sp>
+    </p:spTree>
+    <p:extLst>
+      <p:ext uri="{BB962C8B-B14F-4D97-AF65-F5344CB8AC3E}">
+        <p14:creationId xmlns:p14="http://schemas.microsoft.com/office/powerpoint/2010/main" val="2366478129"/>
+      </p:ext>
+    </p:extLst>
+  </p:cSld>
+  <p:clrMapOvr>
+    <a:masterClrMapping/>
+  </p:clrMapOvr>
+</p:sld>
+</file>
+
+<file path=ppt/slides/slide23.xml><?xml version="1.0" encoding="utf-8"?>
+<p:sld xmlns:a="http://schemas.openxmlformats.org/drawingml/2006/main" xmlns:r="http://schemas.openxmlformats.org/officeDocument/2006/relationships" xmlns:p="http://schemas.openxmlformats.org/presentationml/2006/main">
+  <p:cSld>
+    <p:spTree>
+      <p:nvGrpSpPr>
+        <p:cNvPr id="1" name=""/>
+        <p:cNvGrpSpPr/>
+        <p:nvPr/>
+      </p:nvGrpSpPr>
+      <p:grpSpPr>
+        <a:xfrm>
+          <a:off x="0" y="0"/>
+          <a:ext cx="0" cy="0"/>
+          <a:chOff x="0" y="0"/>
+          <a:chExt cx="0" cy="0"/>
+        </a:xfrm>
+      </p:grpSpPr>
+      <mc:AlternateContent xmlns:mc="http://schemas.openxmlformats.org/markup-compatibility/2006">
+        <mc:Choice xmlns:a14="http://schemas.microsoft.com/office/drawing/2010/main" Requires="a14">
+          <p:sp>
+            <p:nvSpPr>
+              <p:cNvPr id="7" name="TextBox 6"/>
+              <p:cNvSpPr txBox="1"/>
+              <p:nvPr/>
+            </p:nvSpPr>
+            <p:spPr>
+              <a:xfrm>
+                <a:off x="2836380" y="4484477"/>
+                <a:ext cx="6519241" cy="1200329"/>
+              </a:xfrm>
+              <a:prstGeom prst="rect">
+                <a:avLst/>
+              </a:prstGeom>
+              <a:noFill/>
+            </p:spPr>
+            <p:txBody>
+              <a:bodyPr wrap="square" rtlCol="0">
+                <a:spAutoFit/>
+              </a:bodyPr>
+              <a:lstStyle/>
+              <a:p>
+                <a:pPr algn="just"/>
+                <a:r>
+                  <a:rPr lang="en-US" sz="2400" dirty="0"/>
+                  <a:t>Convolution is a </a:t>
+                </a:r>
+                <a:r>
+                  <a:rPr lang="en-US" sz="2400" b="1" dirty="0"/>
+                  <a:t>sliding</a:t>
+                </a:r>
+                <a:r>
+                  <a:rPr lang="en-US" sz="2400" dirty="0"/>
+                  <a:t>, </a:t>
+                </a:r>
+                <a:r>
+                  <a:rPr lang="en-US" sz="2400" b="1" dirty="0"/>
+                  <a:t>weighted-sum</a:t>
+                </a:r>
+                <a:r>
+                  <a:rPr lang="en-US" sz="2400" dirty="0"/>
+                  <a:t>, of function </a:t>
+                </a:r>
+                <a14:m>
+                  <m:oMath xmlns:m="http://schemas.openxmlformats.org/officeDocument/2006/math">
+                    <m:r>
+                      <a:rPr lang="en-US" sz="2400" b="0" i="1" smtClean="0">
+                        <a:latin typeface="Cambria Math" panose="02040503050406030204" pitchFamily="18" charset="0"/>
+                      </a:rPr>
+                      <m:t>𝑓</m:t>
+                    </m:r>
+                    <m:r>
+                      <a:rPr lang="en-US" sz="2400" b="0" i="1" smtClean="0">
+                        <a:latin typeface="Cambria Math" panose="02040503050406030204" pitchFamily="18" charset="0"/>
+                      </a:rPr>
+                      <m:t>(</m:t>
+                    </m:r>
+                    <m:r>
+                      <a:rPr lang="en-US" sz="2400" b="0" i="1" smtClean="0">
+                        <a:latin typeface="Cambria Math" panose="02040503050406030204" pitchFamily="18" charset="0"/>
+                      </a:rPr>
+                      <m:t>𝜏</m:t>
+                    </m:r>
+                    <m:r>
+                      <a:rPr lang="en-US" sz="2400" b="0" i="1" smtClean="0">
+                        <a:latin typeface="Cambria Math" panose="02040503050406030204" pitchFamily="18" charset="0"/>
+                      </a:rPr>
+                      <m:t>)</m:t>
+                    </m:r>
+                  </m:oMath>
+                </a14:m>
+                <a:r>
+                  <a:rPr lang="en-US" sz="2400" dirty="0"/>
+                  <a:t>, with the weights specified by the weighting function </a:t>
+                </a:r>
+                <a14:m>
+                  <m:oMath xmlns:m="http://schemas.openxmlformats.org/officeDocument/2006/math">
+                    <m:r>
+                      <a:rPr lang="en-US" sz="2400" b="0" i="1" smtClean="0">
+                        <a:latin typeface="Cambria Math" panose="02040503050406030204" pitchFamily="18" charset="0"/>
+                      </a:rPr>
+                      <m:t>𝑔</m:t>
+                    </m:r>
+                    <m:r>
+                      <a:rPr lang="en-US" sz="2400" b="0" i="1" smtClean="0">
+                        <a:latin typeface="Cambria Math" panose="02040503050406030204" pitchFamily="18" charset="0"/>
+                      </a:rPr>
+                      <m:t>(−</m:t>
+                    </m:r>
+                    <m:r>
+                      <a:rPr lang="en-US" sz="2400" b="0" i="1" smtClean="0">
+                        <a:latin typeface="Cambria Math" panose="02040503050406030204" pitchFamily="18" charset="0"/>
+                      </a:rPr>
+                      <m:t>𝜏</m:t>
+                    </m:r>
+                    <m:r>
+                      <a:rPr lang="en-US" sz="2400" b="0" i="1" smtClean="0">
+                        <a:latin typeface="Cambria Math" panose="02040503050406030204" pitchFamily="18" charset="0"/>
+                      </a:rPr>
+                      <m:t>)</m:t>
+                    </m:r>
+                  </m:oMath>
+                </a14:m>
+                <a:r>
+                  <a:rPr lang="en-US" sz="2400" dirty="0"/>
+                  <a:t>.</a:t>
+                </a:r>
+              </a:p>
+            </p:txBody>
+          </p:sp>
+        </mc:Choice>
+        <mc:Fallback>
+          <p:sp>
+            <p:nvSpPr>
+              <p:cNvPr id="7" name="TextBox 6"/>
+              <p:cNvSpPr txBox="1">
+                <a:spLocks noRot="1" noChangeAspect="1" noMove="1" noResize="1" noEditPoints="1" noAdjustHandles="1" noChangeArrowheads="1" noChangeShapeType="1" noTextEdit="1"/>
+              </p:cNvSpPr>
+              <p:nvPr/>
+            </p:nvSpPr>
+            <p:spPr>
+              <a:xfrm>
+                <a:off x="2836380" y="4484477"/>
+                <a:ext cx="6519241" cy="1200329"/>
+              </a:xfrm>
+              <a:prstGeom prst="rect">
+                <a:avLst/>
+              </a:prstGeom>
+              <a:blipFill>
+                <a:blip r:embed="rId2"/>
+                <a:stretch>
+                  <a:fillRect l="-1402" t="-4061" r="-1402" b="-10660"/>
+                </a:stretch>
+              </a:blipFill>
+            </p:spPr>
+            <p:txBody>
+              <a:bodyPr/>
+              <a:lstStyle/>
+              <a:p>
+                <a:r>
+                  <a:rPr lang="en-US">
+                    <a:noFill/>
+                  </a:rPr>
+                  <a:t> </a:t>
+                </a:r>
+              </a:p>
+            </p:txBody>
+          </p:sp>
+        </mc:Fallback>
+      </mc:AlternateContent>
+      <p:grpSp>
+        <p:nvGrpSpPr>
+          <p:cNvPr id="13" name="Group 12"/>
+          <p:cNvGrpSpPr/>
+          <p:nvPr/>
+        </p:nvGrpSpPr>
+        <p:grpSpPr>
+          <a:xfrm>
+            <a:off x="502845" y="1016636"/>
+            <a:ext cx="11186310" cy="3046988"/>
+            <a:chOff x="389235" y="541857"/>
+            <a:chExt cx="11186310" cy="3046988"/>
+          </a:xfrm>
+        </p:grpSpPr>
+        <p:grpSp>
+          <p:nvGrpSpPr>
+            <p:cNvPr id="11" name="Group 10"/>
+            <p:cNvGrpSpPr/>
+            <p:nvPr/>
+          </p:nvGrpSpPr>
+          <p:grpSpPr>
+            <a:xfrm>
+              <a:off x="389235" y="1060751"/>
+              <a:ext cx="6527155" cy="2012729"/>
+              <a:chOff x="438150" y="559614"/>
+              <a:chExt cx="6527155" cy="2012729"/>
+            </a:xfrm>
+          </p:grpSpPr>
+          <p:grpSp>
+            <p:nvGrpSpPr>
+              <p:cNvPr id="10" name="Group 9"/>
+              <p:cNvGrpSpPr/>
+              <p:nvPr/>
+            </p:nvGrpSpPr>
+            <p:grpSpPr>
+              <a:xfrm>
+                <a:off x="438150" y="559614"/>
+                <a:ext cx="5497830" cy="2012729"/>
+                <a:chOff x="438150" y="559614"/>
+                <a:chExt cx="5497830" cy="2012729"/>
+              </a:xfrm>
+            </p:grpSpPr>
+            <p:pic>
+              <p:nvPicPr>
+                <p:cNvPr id="5" name="Picture 4"/>
+                <p:cNvPicPr>
+                  <a:picLocks noChangeAspect="1"/>
+                </p:cNvPicPr>
+                <p:nvPr/>
+              </p:nvPicPr>
+              <p:blipFill>
+                <a:blip r:embed="rId3"/>
+                <a:stretch>
+                  <a:fillRect/>
+                </a:stretch>
+              </p:blipFill>
+              <p:spPr>
+                <a:xfrm>
+                  <a:off x="438150" y="559614"/>
+                  <a:ext cx="5497830" cy="921205"/>
+                </a:xfrm>
+                <a:prstGeom prst="rect">
+                  <a:avLst/>
+                </a:prstGeom>
+              </p:spPr>
+            </p:pic>
+            <p:pic>
+              <p:nvPicPr>
+                <p:cNvPr id="6" name="Picture 5"/>
+                <p:cNvPicPr>
+                  <a:picLocks noChangeAspect="1"/>
+                </p:cNvPicPr>
+                <p:nvPr/>
+              </p:nvPicPr>
+              <p:blipFill>
+                <a:blip r:embed="rId4"/>
+                <a:stretch>
+                  <a:fillRect/>
+                </a:stretch>
+              </p:blipFill>
+              <p:spPr>
+                <a:xfrm>
+                  <a:off x="796925" y="1653058"/>
+                  <a:ext cx="4780280" cy="919285"/>
+                </a:xfrm>
+                <a:prstGeom prst="rect">
+                  <a:avLst/>
+                </a:prstGeom>
+              </p:spPr>
+            </p:pic>
+          </p:grpSp>
+          <p:sp>
+            <p:nvSpPr>
+              <p:cNvPr id="8" name="Right Brace 7"/>
+              <p:cNvSpPr/>
+              <p:nvPr/>
+            </p:nvSpPr>
+            <p:spPr>
+              <a:xfrm>
+                <a:off x="6339139" y="559614"/>
+                <a:ext cx="626166" cy="2012729"/>
+              </a:xfrm>
+              <a:prstGeom prst="rightBrace">
+                <a:avLst/>
+              </a:prstGeom>
+              <a:ln w="38100"/>
+            </p:spPr>
+            <p:style>
+              <a:lnRef idx="1">
+                <a:schemeClr val="accent1"/>
+              </a:lnRef>
+              <a:fillRef idx="0">
+                <a:schemeClr val="accent1"/>
+              </a:fillRef>
+              <a:effectRef idx="0">
+                <a:schemeClr val="accent1"/>
+              </a:effectRef>
+              <a:fontRef idx="minor">
+                <a:schemeClr val="tx1"/>
+              </a:fontRef>
+            </p:style>
+            <p:txBody>
+              <a:bodyPr rtlCol="0" anchor="ctr"/>
+              <a:lstStyle/>
+              <a:p>
+                <a:pPr algn="ctr"/>
+                <a:endParaRPr lang="en-US"/>
+              </a:p>
+            </p:txBody>
+          </p:sp>
+        </p:grpSp>
+        <mc:AlternateContent xmlns:mc="http://schemas.openxmlformats.org/markup-compatibility/2006">
+          <mc:Choice xmlns:a14="http://schemas.microsoft.com/office/drawing/2010/main" Requires="a14">
+            <p:sp>
+              <p:nvSpPr>
+                <p:cNvPr id="9" name="TextBox 8"/>
+                <p:cNvSpPr txBox="1"/>
+                <p:nvPr/>
+              </p:nvSpPr>
+              <p:spPr>
+                <a:xfrm>
+                  <a:off x="7133118" y="541857"/>
+                  <a:ext cx="4442427" cy="3046988"/>
+                </a:xfrm>
+                <a:prstGeom prst="rect">
+                  <a:avLst/>
+                </a:prstGeom>
+                <a:noFill/>
+              </p:spPr>
+              <p:txBody>
+                <a:bodyPr wrap="square" rtlCol="0">
+                  <a:spAutoFit/>
+                </a:bodyPr>
+                <a:lstStyle/>
+                <a:p>
+                  <a:pPr algn="just"/>
+                  <a:r>
+                    <a:rPr lang="en-US" sz="2400" dirty="0"/>
+                    <a:t>Either of these formulae are applied to </a:t>
+                  </a:r>
+                  <a:r>
+                    <a:rPr lang="en-US" sz="2400" b="1" dirty="0"/>
+                    <a:t>each</a:t>
+                  </a:r>
+                  <a:r>
+                    <a:rPr lang="en-US" sz="2400" dirty="0"/>
+                    <a:t> value of </a:t>
+                  </a:r>
+                  <a14:m>
+                    <m:oMath xmlns:m="http://schemas.openxmlformats.org/officeDocument/2006/math">
+                      <m:r>
+                        <a:rPr lang="en-US" sz="2400" b="0" i="1" smtClean="0">
+                          <a:latin typeface="Cambria Math" panose="02040503050406030204" pitchFamily="18" charset="0"/>
+                        </a:rPr>
+                        <m:t>𝑥</m:t>
+                      </m:r>
+                    </m:oMath>
+                  </a14:m>
+                  <a:r>
+                    <a:rPr lang="en-US" sz="2400" dirty="0"/>
+                    <a:t> that you are interested in knowing about.</a:t>
+                  </a:r>
+                </a:p>
+                <a:p>
+                  <a:pPr algn="just"/>
+                  <a:endParaRPr lang="en-US" sz="2400" dirty="0"/>
+                </a:p>
+                <a:p>
+                  <a:pPr algn="just"/>
+                  <a:r>
+                    <a:rPr lang="en-US" sz="2400" dirty="0"/>
+                    <a:t>When things get small enough, we just stop (to deal with the </a:t>
+                  </a:r>
+                  <a14:m>
+                    <m:oMath xmlns:m="http://schemas.openxmlformats.org/officeDocument/2006/math">
+                      <m:r>
+                        <a:rPr lang="en-US" sz="2400" b="0" i="1" smtClean="0">
+                          <a:latin typeface="Cambria Math" panose="02040503050406030204" pitchFamily="18" charset="0"/>
+                        </a:rPr>
+                        <m:t>±∞</m:t>
+                      </m:r>
+                    </m:oMath>
+                  </a14:m>
+                  <a:r>
+                    <a:rPr lang="en-US" sz="2400" dirty="0"/>
+                    <a:t>.</a:t>
+                  </a:r>
+                </a:p>
+              </p:txBody>
+            </p:sp>
+          </mc:Choice>
+          <mc:Fallback>
+            <p:sp>
+              <p:nvSpPr>
+                <p:cNvPr id="9" name="TextBox 8"/>
+                <p:cNvSpPr txBox="1">
+                  <a:spLocks noRot="1" noChangeAspect="1" noMove="1" noResize="1" noEditPoints="1" noAdjustHandles="1" noChangeArrowheads="1" noChangeShapeType="1" noTextEdit="1"/>
+                </p:cNvSpPr>
+                <p:nvPr/>
+              </p:nvSpPr>
+              <p:spPr>
+                <a:xfrm>
+                  <a:off x="7133118" y="541857"/>
+                  <a:ext cx="4442427" cy="3046988"/>
+                </a:xfrm>
+                <a:prstGeom prst="rect">
+                  <a:avLst/>
+                </a:prstGeom>
+                <a:blipFill>
+                  <a:blip r:embed="rId5"/>
+                  <a:stretch>
+                    <a:fillRect l="-2195" t="-1600" r="-2058" b="-3600"/>
+                  </a:stretch>
+                </a:blipFill>
+              </p:spPr>
+              <p:txBody>
+                <a:bodyPr/>
+                <a:lstStyle/>
+                <a:p>
+                  <a:r>
+                    <a:rPr lang="en-US">
+                      <a:noFill/>
+                    </a:rPr>
+                    <a:t> </a:t>
+                  </a:r>
+                </a:p>
+              </p:txBody>
+            </p:sp>
+          </mc:Fallback>
+        </mc:AlternateContent>
+      </p:grpSp>
+      <mc:AlternateContent xmlns:mc="http://schemas.openxmlformats.org/markup-compatibility/2006">
+        <mc:Choice xmlns:a14="http://schemas.microsoft.com/office/drawing/2010/main" Requires="a14">
+          <p:sp>
+            <p:nvSpPr>
+              <p:cNvPr id="14" name="TextBox 13"/>
+              <p:cNvSpPr txBox="1"/>
+              <p:nvPr/>
+            </p:nvSpPr>
+            <p:spPr>
+              <a:xfrm>
+                <a:off x="340405" y="216662"/>
+                <a:ext cx="6243306" cy="461665"/>
+              </a:xfrm>
+              <a:prstGeom prst="rect">
+                <a:avLst/>
+              </a:prstGeom>
+              <a:noFill/>
+            </p:spPr>
+            <p:txBody>
+              <a:bodyPr wrap="square" rtlCol="0">
+                <a:spAutoFit/>
+              </a:bodyPr>
+              <a:lstStyle/>
+              <a:p>
+                <a:r>
+                  <a:rPr lang="en-US" sz="2400" dirty="0"/>
+                  <a:t>Formula for convolution for a point </a:t>
+                </a:r>
+                <a14:m>
+                  <m:oMath xmlns:m="http://schemas.openxmlformats.org/officeDocument/2006/math">
+                    <m:r>
+                      <a:rPr lang="en-US" sz="2400" b="0" i="1" smtClean="0">
+                        <a:latin typeface="Cambria Math" panose="02040503050406030204" pitchFamily="18" charset="0"/>
+                      </a:rPr>
+                      <m:t>𝑥</m:t>
+                    </m:r>
+                  </m:oMath>
+                </a14:m>
+                <a:r>
+                  <a:rPr lang="en-US" sz="2400" dirty="0"/>
+                  <a:t>:</a:t>
+                </a:r>
+              </a:p>
+            </p:txBody>
+          </p:sp>
+        </mc:Choice>
+        <mc:Fallback>
+          <p:sp>
+            <p:nvSpPr>
+              <p:cNvPr id="14" name="TextBox 13"/>
+              <p:cNvSpPr txBox="1">
+                <a:spLocks noRot="1" noChangeAspect="1" noMove="1" noResize="1" noEditPoints="1" noAdjustHandles="1" noChangeArrowheads="1" noChangeShapeType="1" noTextEdit="1"/>
+              </p:cNvSpPr>
+              <p:nvPr/>
+            </p:nvSpPr>
+            <p:spPr>
+              <a:xfrm>
+                <a:off x="340405" y="216662"/>
+                <a:ext cx="6243306" cy="461665"/>
+              </a:xfrm>
+              <a:prstGeom prst="rect">
+                <a:avLst/>
+              </a:prstGeom>
+              <a:blipFill>
+                <a:blip r:embed="rId6"/>
+                <a:stretch>
+                  <a:fillRect l="-1563" t="-10667" b="-30667"/>
+                </a:stretch>
+              </a:blipFill>
+            </p:spPr>
+            <p:txBody>
+              <a:bodyPr/>
+              <a:lstStyle/>
+              <a:p>
+                <a:r>
+                  <a:rPr lang="en-US">
+                    <a:noFill/>
+                  </a:rPr>
+                  <a:t> </a:t>
+                </a:r>
+              </a:p>
+            </p:txBody>
+          </p:sp>
+        </mc:Fallback>
+      </mc:AlternateContent>
+      <p:sp>
+        <p:nvSpPr>
+          <p:cNvPr id="15" name="TextBox 14"/>
+          <p:cNvSpPr txBox="1"/>
+          <p:nvPr/>
+        </p:nvSpPr>
+        <p:spPr>
+          <a:xfrm>
+            <a:off x="6000675" y="6262885"/>
+            <a:ext cx="6031522" cy="461665"/>
+          </a:xfrm>
+          <a:prstGeom prst="rect">
+            <a:avLst/>
+          </a:prstGeom>
+          <a:noFill/>
+        </p:spPr>
+        <p:txBody>
+          <a:bodyPr wrap="square" rtlCol="0">
+            <a:spAutoFit/>
+          </a:bodyPr>
+          <a:lstStyle/>
+          <a:p>
+            <a:pPr algn="ctr"/>
+            <a:r>
+              <a:rPr lang="en-US" sz="2400" b="1" dirty="0">
+                <a:latin typeface="MV Boli" panose="02000500030200090000" pitchFamily="2" charset="0"/>
+                <a:cs typeface="MV Boli" panose="02000500030200090000" pitchFamily="2" charset="0"/>
+              </a:rPr>
+              <a:t>Sorry! The book calls my “x” here “k”!!</a:t>
+            </a:r>
+          </a:p>
+        </p:txBody>
+      </p:sp>
+    </p:spTree>
+    <p:extLst>
+      <p:ext uri="{BB962C8B-B14F-4D97-AF65-F5344CB8AC3E}">
+        <p14:creationId xmlns:p14="http://schemas.microsoft.com/office/powerpoint/2010/main" val="1134122450"/>
+      </p:ext>
+    </p:extLst>
+  </p:cSld>
+  <p:clrMapOvr>
+    <a:masterClrMapping/>
+  </p:clrMapOvr>
+</p:sld>
+</file>
+
+<file path=ppt/slides/slide24.xml><?xml version="1.0" encoding="utf-8"?>
+<p:sld xmlns:a="http://schemas.openxmlformats.org/drawingml/2006/main" xmlns:r="http://schemas.openxmlformats.org/officeDocument/2006/relationships" xmlns:p="http://schemas.openxmlformats.org/presentationml/2006/main">
+  <p:cSld>
+    <p:spTree>
+      <p:nvGrpSpPr>
+        <p:cNvPr id="1" name=""/>
+        <p:cNvGrpSpPr/>
+        <p:nvPr/>
+      </p:nvGrpSpPr>
+      <p:grpSpPr>
+        <a:xfrm>
+          <a:off x="0" y="0"/>
+          <a:ext cx="0" cy="0"/>
+          <a:chOff x="0" y="0"/>
+          <a:chExt cx="0" cy="0"/>
+        </a:xfrm>
+      </p:grpSpPr>
+      <p:pic>
+        <p:nvPicPr>
+          <p:cNvPr id="4" name="Picture 3"/>
+          <p:cNvPicPr>
+            <a:picLocks noChangeAspect="1"/>
+          </p:cNvPicPr>
+          <p:nvPr/>
+        </p:nvPicPr>
+        <p:blipFill>
+          <a:blip r:embed="rId2"/>
+          <a:stretch>
+            <a:fillRect/>
+          </a:stretch>
+        </p:blipFill>
+        <p:spPr>
+          <a:xfrm>
+            <a:off x="1066800" y="914400"/>
+            <a:ext cx="10058400" cy="5029200"/>
+          </a:xfrm>
+          <a:prstGeom prst="rect">
+            <a:avLst/>
+          </a:prstGeom>
+        </p:spPr>
+      </p:pic>
+    </p:spTree>
+    <p:extLst>
+      <p:ext uri="{BB962C8B-B14F-4D97-AF65-F5344CB8AC3E}">
+        <p14:creationId xmlns:p14="http://schemas.microsoft.com/office/powerpoint/2010/main" val="2665638603"/>
+      </p:ext>
+    </p:extLst>
+  </p:cSld>
+  <p:clrMapOvr>
+    <a:masterClrMapping/>
+  </p:clrMapOvr>
+</p:sld>
+</file>
+
+<file path=ppt/slides/slide25.xml><?xml version="1.0" encoding="utf-8"?>
+<p:sld xmlns:a="http://schemas.openxmlformats.org/drawingml/2006/main" xmlns:r="http://schemas.openxmlformats.org/officeDocument/2006/relationships" xmlns:p="http://schemas.openxmlformats.org/presentationml/2006/main">
+  <p:cSld>
+    <p:spTree>
+      <p:nvGrpSpPr>
+        <p:cNvPr id="1" name=""/>
+        <p:cNvGrpSpPr/>
+        <p:nvPr/>
+      </p:nvGrpSpPr>
+      <p:grpSpPr>
+        <a:xfrm>
+          <a:off x="0" y="0"/>
+          <a:ext cx="0" cy="0"/>
+          <a:chOff x="0" y="0"/>
+          <a:chExt cx="0" cy="0"/>
+        </a:xfrm>
+      </p:grpSpPr>
+      <p:sp>
+        <p:nvSpPr>
+          <p:cNvPr id="2" name="Title 1"/>
+          <p:cNvSpPr>
+            <a:spLocks noGrp="1"/>
+          </p:cNvSpPr>
+          <p:nvPr>
+            <p:ph type="title"/>
+          </p:nvPr>
+        </p:nvSpPr>
+        <p:spPr/>
+        <p:txBody>
+          <a:bodyPr/>
+          <a:lstStyle/>
+          <a:p>
+            <a:r>
+              <a:rPr lang="en-US" dirty="0"/>
+              <a:t>Convolution</a:t>
+            </a:r>
+          </a:p>
+        </p:txBody>
+      </p:sp>
+      <p:sp>
+        <p:nvSpPr>
+          <p:cNvPr id="3" name="Content Placeholder 2"/>
+          <p:cNvSpPr>
+            <a:spLocks noGrp="1"/>
+          </p:cNvSpPr>
+          <p:nvPr>
+            <p:ph idx="1"/>
+          </p:nvPr>
+        </p:nvSpPr>
+        <p:spPr/>
+        <p:txBody>
+          <a:bodyPr/>
+          <a:lstStyle/>
+          <a:p>
+            <a:r>
+              <a:rPr lang="en-US" dirty="0"/>
+              <a:t>Has been called a “rolling together” of two vectors (or functions or signals)</a:t>
+            </a:r>
+          </a:p>
+          <a:p>
+            <a:r>
+              <a:rPr lang="en-US" dirty="0"/>
+              <a:t>Think of it as smearing and shifting the signal</a:t>
+            </a:r>
+          </a:p>
+          <a:p>
+            <a:r>
+              <a:rPr lang="en-US" dirty="0"/>
+              <a:t>What about the end points?</a:t>
+            </a:r>
+          </a:p>
+          <a:p>
+            <a:pPr lvl="1"/>
+            <a:r>
+              <a:rPr lang="en-US" dirty="0"/>
+              <a:t>Zero padding</a:t>
+            </a:r>
+          </a:p>
+          <a:p>
+            <a:pPr lvl="1"/>
+            <a:r>
+              <a:rPr lang="en-US" dirty="0"/>
+              <a:t>Trim excess points at the end (p. 115)</a:t>
+            </a:r>
+          </a:p>
+          <a:p>
+            <a:endParaRPr lang="en-US" dirty="0"/>
+          </a:p>
+        </p:txBody>
+      </p:sp>
+    </p:spTree>
+    <p:extLst>
+      <p:ext uri="{BB962C8B-B14F-4D97-AF65-F5344CB8AC3E}">
+        <p14:creationId xmlns:p14="http://schemas.microsoft.com/office/powerpoint/2010/main" val="601642616"/>
+      </p:ext>
+    </p:extLst>
+  </p:cSld>
+  <p:clrMapOvr>
+    <a:masterClrMapping/>
+  </p:clrMapOvr>
+</p:sld>
+</file>
+
+<file path=ppt/slides/slide26.xml><?xml version="1.0" encoding="utf-8"?>
+<p:sld xmlns:a="http://schemas.openxmlformats.org/drawingml/2006/main" xmlns:r="http://schemas.openxmlformats.org/officeDocument/2006/relationships" xmlns:p="http://schemas.openxmlformats.org/presentationml/2006/main">
+  <p:cSld>
+    <p:spTree>
+      <p:nvGrpSpPr>
+        <p:cNvPr id="1" name=""/>
+        <p:cNvGrpSpPr/>
+        <p:nvPr/>
+      </p:nvGrpSpPr>
+      <p:grpSpPr>
+        <a:xfrm>
+          <a:off x="0" y="0"/>
+          <a:ext cx="0" cy="0"/>
+          <a:chOff x="0" y="0"/>
+          <a:chExt cx="0" cy="0"/>
+        </a:xfrm>
+      </p:grpSpPr>
+      <p:sp>
+        <p:nvSpPr>
+          <p:cNvPr id="2" name="Title 1"/>
+          <p:cNvSpPr>
+            <a:spLocks noGrp="1"/>
+          </p:cNvSpPr>
+          <p:nvPr>
+            <p:ph type="title"/>
+          </p:nvPr>
+        </p:nvSpPr>
+        <p:spPr/>
+        <p:txBody>
+          <a:bodyPr/>
+          <a:lstStyle/>
+          <a:p>
+            <a:r>
+              <a:rPr lang="en-US" dirty="0"/>
+              <a:t>Why Convolve?</a:t>
+            </a:r>
+          </a:p>
+        </p:txBody>
+      </p:sp>
+      <p:sp>
+        <p:nvSpPr>
+          <p:cNvPr id="3" name="Content Placeholder 2"/>
+          <p:cNvSpPr>
+            <a:spLocks noGrp="1"/>
+          </p:cNvSpPr>
+          <p:nvPr>
+            <p:ph idx="1"/>
+          </p:nvPr>
+        </p:nvSpPr>
+        <p:spPr/>
+        <p:txBody>
+          <a:bodyPr/>
+          <a:lstStyle/>
+          <a:p>
+            <a:r>
+              <a:rPr lang="en-US" dirty="0"/>
+              <a:t>Convolution is how you apply a filter to a data signal</a:t>
+            </a:r>
+          </a:p>
+          <a:p>
+            <a:r>
+              <a:rPr lang="en-US" dirty="0"/>
+              <a:t>It can show the action of a physical system: the system’s effect is called the “impulse response” and this is convolved with the input signal</a:t>
+            </a:r>
+          </a:p>
+          <a:p>
+            <a:pPr lvl="1"/>
+            <a:r>
+              <a:rPr lang="en-US" dirty="0"/>
+              <a:t>In EEG, this is used in modeling the effect of the skull on the EEG, for instance</a:t>
+            </a:r>
+          </a:p>
+          <a:p>
+            <a:r>
+              <a:rPr lang="en-US" dirty="0"/>
+              <a:t>We will use it to pick out frequency band specific activity from the EEG signal</a:t>
+            </a:r>
+          </a:p>
+        </p:txBody>
+      </p:sp>
+    </p:spTree>
+    <p:extLst>
+      <p:ext uri="{BB962C8B-B14F-4D97-AF65-F5344CB8AC3E}">
+        <p14:creationId xmlns:p14="http://schemas.microsoft.com/office/powerpoint/2010/main" val="1493182441"/>
+      </p:ext>
+    </p:extLst>
+  </p:cSld>
+  <p:clrMapOvr>
+    <a:masterClrMapping/>
+  </p:clrMapOvr>
+</p:sld>
+</file>
+
+<file path=ppt/slides/slide3.xml><?xml version="1.0" encoding="utf-8"?>
+<p:sld xmlns:a="http://schemas.openxmlformats.org/drawingml/2006/main" xmlns:r="http://schemas.openxmlformats.org/officeDocument/2006/relationships" xmlns:p="http://schemas.openxmlformats.org/presentationml/2006/main">
+  <p:cSld>
+    <p:spTree>
+      <p:nvGrpSpPr>
+        <p:cNvPr id="1" name=""/>
+        <p:cNvGrpSpPr/>
+        <p:nvPr/>
+      </p:nvGrpSpPr>
+      <p:grpSpPr>
+        <a:xfrm>
+          <a:off x="0" y="0"/>
+          <a:ext cx="0" cy="0"/>
+          <a:chOff x="0" y="0"/>
+          <a:chExt cx="0" cy="0"/>
+        </a:xfrm>
+      </p:grpSpPr>
+      <p:sp>
+        <p:nvSpPr>
+          <p:cNvPr id="2" name="Title 1"/>
+          <p:cNvSpPr>
+            <a:spLocks noGrp="1"/>
+          </p:cNvSpPr>
+          <p:nvPr>
+            <p:ph type="title"/>
+          </p:nvPr>
+        </p:nvSpPr>
+        <p:spPr/>
+        <p:txBody>
+          <a:bodyPr/>
+          <a:lstStyle/>
+          <a:p>
+            <a:r>
+              <a:rPr lang="en-US" dirty="0"/>
+              <a:t>Linear Algebra</a:t>
+            </a:r>
+          </a:p>
+        </p:txBody>
+      </p:sp>
+      <p:pic>
+        <p:nvPicPr>
+          <p:cNvPr id="4" name="Picture 3"/>
+          <p:cNvPicPr>
+            <a:picLocks noChangeAspect="1"/>
+          </p:cNvPicPr>
+          <p:nvPr/>
+        </p:nvPicPr>
+        <p:blipFill>
+          <a:blip r:embed="rId2"/>
+          <a:stretch>
+            <a:fillRect/>
+          </a:stretch>
+        </p:blipFill>
+        <p:spPr>
+          <a:xfrm>
+            <a:off x="3200149" y="3680971"/>
+            <a:ext cx="5791702" cy="1676545"/>
+          </a:xfrm>
+          <a:prstGeom prst="rect">
+            <a:avLst/>
+          </a:prstGeom>
+        </p:spPr>
+      </p:pic>
+      <p:sp>
+        <p:nvSpPr>
+          <p:cNvPr id="5" name="TextBox 4"/>
+          <p:cNvSpPr txBox="1"/>
+          <p:nvPr/>
+        </p:nvSpPr>
+        <p:spPr>
+          <a:xfrm>
+            <a:off x="1285875" y="2532185"/>
+            <a:ext cx="9620250" cy="646331"/>
+          </a:xfrm>
+          <a:prstGeom prst="rect">
+            <a:avLst/>
+          </a:prstGeom>
+          <a:noFill/>
+        </p:spPr>
+        <p:txBody>
+          <a:bodyPr wrap="square" rtlCol="0">
+            <a:spAutoFit/>
+          </a:bodyPr>
+          <a:lstStyle/>
+          <a:p>
+            <a:r>
+              <a:rPr lang="en-US" dirty="0"/>
+              <a:t>Vector addition (and subtraction) are easy (and obvious) with “scalar multiplication” being a useful if not immediately obvious idea:</a:t>
+            </a:r>
+          </a:p>
+        </p:txBody>
+      </p:sp>
+      <mc:AlternateContent xmlns:mc="http://schemas.openxmlformats.org/markup-compatibility/2006">
+        <mc:Choice xmlns:a14="http://schemas.microsoft.com/office/drawing/2010/main" Requires="a14">
+          <p:sp>
+            <p:nvSpPr>
+              <p:cNvPr id="6" name="TextBox 5"/>
+              <p:cNvSpPr txBox="1"/>
+              <p:nvPr/>
+            </p:nvSpPr>
+            <p:spPr>
+              <a:xfrm>
+                <a:off x="6330461" y="5752318"/>
+                <a:ext cx="2083777" cy="646331"/>
+              </a:xfrm>
+              <a:prstGeom prst="rect">
+                <a:avLst/>
+              </a:prstGeom>
+              <a:noFill/>
+            </p:spPr>
+            <p:txBody>
+              <a:bodyPr wrap="square" rtlCol="0">
+                <a:spAutoFit/>
+              </a:bodyPr>
+              <a:lstStyle/>
+              <a:p>
+                <a:r>
+                  <a:rPr lang="en-US" dirty="0"/>
+                  <a:t>Let </a:t>
+                </a:r>
+                <a14:m>
+                  <m:oMath xmlns:m="http://schemas.openxmlformats.org/officeDocument/2006/math">
+                    <m:r>
+                      <a:rPr lang="en-US" b="0" i="1" smtClean="0">
+                        <a:latin typeface="Cambria Math" panose="02040503050406030204" pitchFamily="18" charset="0"/>
+                      </a:rPr>
+                      <m:t>𝑎</m:t>
+                    </m:r>
+                    <m:r>
+                      <a:rPr lang="en-US" b="0" i="1" smtClean="0">
+                        <a:latin typeface="Cambria Math" panose="02040503050406030204" pitchFamily="18" charset="0"/>
+                      </a:rPr>
+                      <m:t>=−1</m:t>
+                    </m:r>
+                  </m:oMath>
+                </a14:m>
+                <a:r>
+                  <a:rPr lang="en-US" dirty="0"/>
+                  <a:t> to get subtraction!</a:t>
+                </a:r>
+              </a:p>
+            </p:txBody>
+          </p:sp>
+        </mc:Choice>
+        <mc:Fallback>
+          <p:sp>
+            <p:nvSpPr>
+              <p:cNvPr id="6" name="TextBox 5"/>
+              <p:cNvSpPr txBox="1">
+                <a:spLocks noRot="1" noChangeAspect="1" noMove="1" noResize="1" noEditPoints="1" noAdjustHandles="1" noChangeArrowheads="1" noChangeShapeType="1" noTextEdit="1"/>
+              </p:cNvSpPr>
+              <p:nvPr/>
+            </p:nvSpPr>
+            <p:spPr>
+              <a:xfrm>
+                <a:off x="6330461" y="5752318"/>
+                <a:ext cx="2083777" cy="646331"/>
+              </a:xfrm>
+              <a:prstGeom prst="rect">
+                <a:avLst/>
+              </a:prstGeom>
+              <a:blipFill>
+                <a:blip r:embed="rId3"/>
+                <a:stretch>
+                  <a:fillRect l="-2339" t="-5660" r="-3801" b="-14151"/>
+                </a:stretch>
+              </a:blipFill>
+            </p:spPr>
+            <p:txBody>
+              <a:bodyPr/>
+              <a:lstStyle/>
+              <a:p>
+                <a:r>
+                  <a:rPr lang="en-US">
+                    <a:noFill/>
+                  </a:rPr>
+                  <a:t> </a:t>
+                </a:r>
+              </a:p>
+            </p:txBody>
+          </p:sp>
+        </mc:Fallback>
+      </mc:AlternateContent>
+      <p:sp>
+        <p:nvSpPr>
+          <p:cNvPr id="7" name="TextBox 6"/>
+          <p:cNvSpPr txBox="1"/>
+          <p:nvPr/>
+        </p:nvSpPr>
+        <p:spPr>
+          <a:xfrm>
+            <a:off x="3033346" y="6075484"/>
+            <a:ext cx="1811216" cy="369277"/>
+          </a:xfrm>
+          <a:prstGeom prst="rect">
+            <a:avLst/>
+          </a:prstGeom>
+          <a:noFill/>
+        </p:spPr>
+        <p:txBody>
+          <a:bodyPr wrap="square" rtlCol="0">
+            <a:spAutoFit/>
+          </a:bodyPr>
+          <a:lstStyle/>
+          <a:p>
+            <a:pPr algn="ctr"/>
+            <a:r>
+              <a:rPr lang="en-US" dirty="0"/>
+              <a:t>Vectors!</a:t>
+            </a:r>
+          </a:p>
+        </p:txBody>
+      </p:sp>
+      <p:cxnSp>
+        <p:nvCxnSpPr>
+          <p:cNvPr id="9" name="Straight Arrow Connector 8"/>
+          <p:cNvCxnSpPr>
+            <a:stCxn id="7" idx="0"/>
+          </p:cNvCxnSpPr>
+          <p:nvPr/>
+        </p:nvCxnSpPr>
+        <p:spPr>
+          <a:xfrm flipH="1" flipV="1">
+            <a:off x="3771900" y="5165937"/>
+            <a:ext cx="167054" cy="909547"/>
+          </a:xfrm>
+          <a:prstGeom prst="straightConnector1">
+            <a:avLst/>
+          </a:prstGeom>
+          <a:ln w="38100">
+            <a:tailEnd type="triangle"/>
+          </a:ln>
+        </p:spPr>
+        <p:style>
+          <a:lnRef idx="1">
+            <a:schemeClr val="accent1"/>
+          </a:lnRef>
+          <a:fillRef idx="0">
+            <a:schemeClr val="accent1"/>
+          </a:fillRef>
+          <a:effectRef idx="0">
+            <a:schemeClr val="accent1"/>
+          </a:effectRef>
+          <a:fontRef idx="minor">
+            <a:schemeClr val="tx1"/>
+          </a:fontRef>
+        </p:style>
+      </p:cxnSp>
+      <p:cxnSp>
+        <p:nvCxnSpPr>
+          <p:cNvPr id="10" name="Straight Arrow Connector 9"/>
+          <p:cNvCxnSpPr>
+            <a:stCxn id="7" idx="0"/>
+          </p:cNvCxnSpPr>
+          <p:nvPr/>
+        </p:nvCxnSpPr>
+        <p:spPr>
+          <a:xfrm flipV="1">
+            <a:off x="3938954" y="5165936"/>
+            <a:ext cx="308464" cy="909548"/>
+          </a:xfrm>
+          <a:prstGeom prst="straightConnector1">
+            <a:avLst/>
+          </a:prstGeom>
+          <a:ln w="38100">
+            <a:tailEnd type="triangle"/>
+          </a:ln>
+        </p:spPr>
+        <p:style>
+          <a:lnRef idx="1">
+            <a:schemeClr val="accent1"/>
+          </a:lnRef>
+          <a:fillRef idx="0">
+            <a:schemeClr val="accent1"/>
+          </a:fillRef>
+          <a:effectRef idx="0">
+            <a:schemeClr val="accent1"/>
+          </a:effectRef>
+          <a:fontRef idx="minor">
+            <a:schemeClr val="tx1"/>
+          </a:fontRef>
+        </p:style>
+      </p:cxnSp>
+      <p:cxnSp>
+        <p:nvCxnSpPr>
+          <p:cNvPr id="13" name="Straight Arrow Connector 12"/>
+          <p:cNvCxnSpPr>
+            <a:stCxn id="7" idx="0"/>
+          </p:cNvCxnSpPr>
+          <p:nvPr/>
+        </p:nvCxnSpPr>
+        <p:spPr>
+          <a:xfrm flipV="1">
+            <a:off x="3938954" y="5113566"/>
+            <a:ext cx="905608" cy="961918"/>
+          </a:xfrm>
+          <a:prstGeom prst="straightConnector1">
+            <a:avLst/>
+          </a:prstGeom>
+          <a:ln w="38100">
+            <a:tailEnd type="triangle"/>
+          </a:ln>
+        </p:spPr>
+        <p:style>
+          <a:lnRef idx="1">
+            <a:schemeClr val="accent1"/>
+          </a:lnRef>
+          <a:fillRef idx="0">
+            <a:schemeClr val="accent1"/>
+          </a:fillRef>
+          <a:effectRef idx="0">
+            <a:schemeClr val="accent1"/>
+          </a:effectRef>
+          <a:fontRef idx="minor">
+            <a:schemeClr val="tx1"/>
+          </a:fontRef>
+        </p:style>
+      </p:cxnSp>
+      <p:cxnSp>
+        <p:nvCxnSpPr>
+          <p:cNvPr id="19" name="Straight Arrow Connector 18"/>
+          <p:cNvCxnSpPr>
+            <a:stCxn id="6" idx="0"/>
+          </p:cNvCxnSpPr>
+          <p:nvPr/>
+        </p:nvCxnSpPr>
+        <p:spPr>
+          <a:xfrm flipH="1" flipV="1">
+            <a:off x="7156938" y="4774223"/>
+            <a:ext cx="215412" cy="978095"/>
+          </a:xfrm>
+          <a:prstGeom prst="straightConnector1">
+            <a:avLst/>
+          </a:prstGeom>
+          <a:ln w="38100">
+            <a:tailEnd type="triangle"/>
+          </a:ln>
+        </p:spPr>
+        <p:style>
+          <a:lnRef idx="1">
+            <a:schemeClr val="accent1"/>
+          </a:lnRef>
+          <a:fillRef idx="0">
+            <a:schemeClr val="accent1"/>
+          </a:fillRef>
+          <a:effectRef idx="0">
+            <a:schemeClr val="accent1"/>
+          </a:effectRef>
+          <a:fontRef idx="minor">
+            <a:schemeClr val="tx1"/>
+          </a:fontRef>
+        </p:style>
+      </p:cxnSp>
+    </p:spTree>
+    <p:extLst>
+      <p:ext uri="{BB962C8B-B14F-4D97-AF65-F5344CB8AC3E}">
+        <p14:creationId xmlns:p14="http://schemas.microsoft.com/office/powerpoint/2010/main" val="1420101937"/>
+      </p:ext>
+    </p:extLst>
+  </p:cSld>
+  <p:clrMapOvr>
+    <a:masterClrMapping/>
+  </p:clrMapOvr>
+</p:sld>
+</file>
+
+<file path=ppt/slides/slide4.xml><?xml version="1.0" encoding="utf-8"?>
+<p:sld xmlns:a="http://schemas.openxmlformats.org/drawingml/2006/main" xmlns:r="http://schemas.openxmlformats.org/officeDocument/2006/relationships" xmlns:p="http://schemas.openxmlformats.org/presentationml/2006/main">
+  <p:cSld>
+    <p:spTree>
+      <p:nvGrpSpPr>
+        <p:cNvPr id="1" name=""/>
+        <p:cNvGrpSpPr/>
+        <p:nvPr/>
+      </p:nvGrpSpPr>
+      <p:grpSpPr>
+        <a:xfrm>
+          <a:off x="0" y="0"/>
+          <a:ext cx="0" cy="0"/>
+          <a:chOff x="0" y="0"/>
+          <a:chExt cx="0" cy="0"/>
+        </a:xfrm>
+      </p:grpSpPr>
+      <mc:AlternateContent xmlns:mc="http://schemas.openxmlformats.org/markup-compatibility/2006">
+        <mc:Choice xmlns:a14="http://schemas.microsoft.com/office/drawing/2010/main" Requires="a14">
+          <p:sp>
+            <p:nvSpPr>
+              <p:cNvPr id="4" name="TextBox 3"/>
+              <p:cNvSpPr txBox="1"/>
+              <p:nvPr/>
+            </p:nvSpPr>
+            <p:spPr>
+              <a:xfrm>
+                <a:off x="1938704" y="1327638"/>
+                <a:ext cx="2162002" cy="1302280"/>
+              </a:xfrm>
+              <a:prstGeom prst="rect">
+                <a:avLst/>
+              </a:prstGeom>
+              <a:noFill/>
+            </p:spPr>
+            <p:txBody>
+              <a:bodyPr wrap="none" lIns="0" tIns="0" rIns="0" bIns="0" rtlCol="0">
+                <a:spAutoFit/>
+              </a:bodyPr>
+              <a:lstStyle/>
+              <a:p>
+                <a14:m>
+                  <m:oMath xmlns:m="http://schemas.openxmlformats.org/officeDocument/2006/math">
+                    <m:d>
+                      <m:dPr>
+                        <m:begChr m:val="["/>
+                        <m:endChr m:val="]"/>
+                        <m:ctrlPr>
+                          <a:rPr lang="en-US" sz="3200" i="1" smtClean="0">
+                            <a:latin typeface="Cambria Math" panose="02040503050406030204" pitchFamily="18" charset="0"/>
+                          </a:rPr>
+                        </m:ctrlPr>
+                      </m:dPr>
+                      <m:e>
+                        <m:m>
+                          <m:mPr>
+                            <m:mcs>
+                              <m:mc>
+                                <m:mcPr>
+                                  <m:count m:val="1"/>
+                                  <m:mcJc m:val="center"/>
+                                </m:mcPr>
+                              </m:mc>
+                            </m:mcs>
+                            <m:ctrlPr>
+                              <a:rPr lang="en-US" sz="3200" i="1" smtClean="0">
+                                <a:latin typeface="Cambria Math" panose="02040503050406030204" pitchFamily="18" charset="0"/>
+                              </a:rPr>
+                            </m:ctrlPr>
+                          </m:mPr>
+                          <m:mr>
+                            <m:e>
+                              <m:r>
+                                <m:rPr>
+                                  <m:brk m:alnAt="7"/>
+                                </m:rPr>
+                                <a:rPr lang="en-US" sz="3200" b="0" i="1" smtClean="0">
+                                  <a:latin typeface="Cambria Math" panose="02040503050406030204" pitchFamily="18" charset="0"/>
+                                </a:rPr>
+                                <m:t>1</m:t>
+                              </m:r>
+                            </m:e>
+                          </m:mr>
+                          <m:mr>
+                            <m:e>
+                              <m:r>
+                                <a:rPr lang="en-US" sz="3200" b="0" i="1" smtClean="0">
+                                  <a:latin typeface="Cambria Math" panose="02040503050406030204" pitchFamily="18" charset="0"/>
+                                </a:rPr>
+                                <m:t>2</m:t>
+                              </m:r>
+                            </m:e>
+                          </m:mr>
+                          <m:mr>
+                            <m:e>
+                              <m:r>
+                                <a:rPr lang="en-US" sz="3200" b="0" i="1" smtClean="0">
+                                  <a:latin typeface="Cambria Math" panose="02040503050406030204" pitchFamily="18" charset="0"/>
+                                </a:rPr>
+                                <m:t>3</m:t>
+                              </m:r>
+                            </m:e>
+                          </m:mr>
+                        </m:m>
+                      </m:e>
+                    </m:d>
+                  </m:oMath>
+                </a14:m>
+                <a:r>
+                  <a:rPr lang="en-US" sz="3200" dirty="0"/>
+                  <a:t>+</a:t>
+                </a:r>
+                <a14:m>
+                  <m:oMath xmlns:m="http://schemas.openxmlformats.org/officeDocument/2006/math">
+                    <m:d>
+                      <m:dPr>
+                        <m:begChr m:val="["/>
+                        <m:endChr m:val="]"/>
+                        <m:ctrlPr>
+                          <a:rPr lang="en-US" sz="3200" i="1">
+                            <a:latin typeface="Cambria Math" panose="02040503050406030204" pitchFamily="18" charset="0"/>
+                          </a:rPr>
+                        </m:ctrlPr>
+                      </m:dPr>
+                      <m:e>
+                        <m:m>
+                          <m:mPr>
+                            <m:mcs>
+                              <m:mc>
+                                <m:mcPr>
+                                  <m:count m:val="1"/>
+                                  <m:mcJc m:val="center"/>
+                                </m:mcPr>
+                              </m:mc>
+                            </m:mcs>
+                            <m:ctrlPr>
+                              <a:rPr lang="en-US" sz="3200" i="1">
+                                <a:latin typeface="Cambria Math" panose="02040503050406030204" pitchFamily="18" charset="0"/>
+                              </a:rPr>
+                            </m:ctrlPr>
+                          </m:mPr>
+                          <m:mr>
+                            <m:e>
+                              <m:r>
+                                <m:rPr>
+                                  <m:brk m:alnAt="7"/>
+                                </m:rPr>
+                                <a:rPr lang="en-US" sz="3200" b="0" i="1" smtClean="0">
+                                  <a:latin typeface="Cambria Math" panose="02040503050406030204" pitchFamily="18" charset="0"/>
+                                </a:rPr>
+                                <m:t>2</m:t>
+                              </m:r>
+                            </m:e>
+                          </m:mr>
+                          <m:mr>
+                            <m:e>
+                              <m:r>
+                                <a:rPr lang="en-US" sz="3200" b="0" i="1" smtClean="0">
+                                  <a:latin typeface="Cambria Math" panose="02040503050406030204" pitchFamily="18" charset="0"/>
+                                </a:rPr>
+                                <m:t>4</m:t>
+                              </m:r>
+                            </m:e>
+                          </m:mr>
+                          <m:mr>
+                            <m:e>
+                              <m:r>
+                                <a:rPr lang="en-US" sz="3200" b="0" i="1" smtClean="0">
+                                  <a:latin typeface="Cambria Math" panose="02040503050406030204" pitchFamily="18" charset="0"/>
+                                </a:rPr>
+                                <m:t>6</m:t>
+                              </m:r>
+                            </m:e>
+                          </m:mr>
+                        </m:m>
+                      </m:e>
+                    </m:d>
+                  </m:oMath>
+                </a14:m>
+                <a:r>
+                  <a:rPr lang="en-US" sz="3200" dirty="0"/>
+                  <a:t>=</a:t>
+                </a:r>
+                <a14:m>
+                  <m:oMath xmlns:m="http://schemas.openxmlformats.org/officeDocument/2006/math">
+                    <m:d>
+                      <m:dPr>
+                        <m:begChr m:val="["/>
+                        <m:endChr m:val="]"/>
+                        <m:ctrlPr>
+                          <a:rPr lang="en-US" sz="3200" i="1">
+                            <a:latin typeface="Cambria Math" panose="02040503050406030204" pitchFamily="18" charset="0"/>
+                          </a:rPr>
+                        </m:ctrlPr>
+                      </m:dPr>
+                      <m:e>
+                        <m:m>
+                          <m:mPr>
+                            <m:mcs>
+                              <m:mc>
+                                <m:mcPr>
+                                  <m:count m:val="1"/>
+                                  <m:mcJc m:val="center"/>
+                                </m:mcPr>
+                              </m:mc>
+                            </m:mcs>
+                            <m:ctrlPr>
+                              <a:rPr lang="en-US" sz="3200" i="1">
+                                <a:latin typeface="Cambria Math" panose="02040503050406030204" pitchFamily="18" charset="0"/>
+                              </a:rPr>
+                            </m:ctrlPr>
+                          </m:mPr>
+                          <m:mr>
+                            <m:e>
+                              <m:r>
+                                <m:rPr>
+                                  <m:brk m:alnAt="7"/>
+                                </m:rPr>
+                                <a:rPr lang="en-US" sz="3200" b="0" i="1" smtClean="0">
+                                  <a:latin typeface="Cambria Math" panose="02040503050406030204" pitchFamily="18" charset="0"/>
+                                </a:rPr>
+                                <m:t>3</m:t>
+                              </m:r>
+                            </m:e>
+                          </m:mr>
+                          <m:mr>
+                            <m:e>
+                              <m:r>
+                                <a:rPr lang="en-US" sz="3200" b="0" i="1" smtClean="0">
+                                  <a:latin typeface="Cambria Math" panose="02040503050406030204" pitchFamily="18" charset="0"/>
+                                </a:rPr>
+                                <m:t>6</m:t>
+                              </m:r>
+                            </m:e>
+                          </m:mr>
+                          <m:mr>
+                            <m:e>
+                              <m:r>
+                                <a:rPr lang="en-US" sz="3200" b="0" i="1" smtClean="0">
+                                  <a:latin typeface="Cambria Math" panose="02040503050406030204" pitchFamily="18" charset="0"/>
+                                </a:rPr>
+                                <m:t>9</m:t>
+                              </m:r>
+                            </m:e>
+                          </m:mr>
+                        </m:m>
+                      </m:e>
+                    </m:d>
+                  </m:oMath>
+                </a14:m>
+                <a:endParaRPr lang="en-US" sz="3200" dirty="0"/>
+              </a:p>
+            </p:txBody>
+          </p:sp>
+        </mc:Choice>
+        <mc:Fallback>
+          <p:sp>
+            <p:nvSpPr>
+              <p:cNvPr id="4" name="TextBox 3"/>
+              <p:cNvSpPr txBox="1">
+                <a:spLocks noRot="1" noChangeAspect="1" noMove="1" noResize="1" noEditPoints="1" noAdjustHandles="1" noChangeArrowheads="1" noChangeShapeType="1" noTextEdit="1"/>
+              </p:cNvSpPr>
+              <p:nvPr/>
+            </p:nvSpPr>
+            <p:spPr>
+              <a:xfrm>
+                <a:off x="1938704" y="1327638"/>
+                <a:ext cx="2162002" cy="1302280"/>
+              </a:xfrm>
+              <a:prstGeom prst="rect">
+                <a:avLst/>
+              </a:prstGeom>
+              <a:blipFill>
+                <a:blip r:embed="rId2"/>
+                <a:stretch>
+                  <a:fillRect/>
+                </a:stretch>
+              </a:blipFill>
+            </p:spPr>
+            <p:txBody>
+              <a:bodyPr/>
+              <a:lstStyle/>
+              <a:p>
+                <a:r>
+                  <a:rPr lang="en-US">
+                    <a:noFill/>
+                  </a:rPr>
+                  <a:t> </a:t>
+                </a:r>
+              </a:p>
+            </p:txBody>
+          </p:sp>
+        </mc:Fallback>
+      </mc:AlternateContent>
+      <mc:AlternateContent xmlns:mc="http://schemas.openxmlformats.org/markup-compatibility/2006">
+        <mc:Choice xmlns:a14="http://schemas.microsoft.com/office/drawing/2010/main" Requires="a14">
+          <p:sp>
+            <p:nvSpPr>
+              <p:cNvPr id="6" name="Rectangle 5"/>
+              <p:cNvSpPr/>
+              <p:nvPr/>
+            </p:nvSpPr>
+            <p:spPr>
+              <a:xfrm>
+                <a:off x="4665854" y="3895777"/>
+                <a:ext cx="5767092" cy="1404615"/>
+              </a:xfrm>
+              <a:prstGeom prst="rect">
+                <a:avLst/>
+              </a:prstGeom>
+            </p:spPr>
+            <p:txBody>
+              <a:bodyPr wrap="none">
+                <a:spAutoFit/>
+              </a:bodyPr>
+              <a:lstStyle/>
+              <a:p>
+                <a14:m>
+                  <m:oMathPara xmlns:m="http://schemas.openxmlformats.org/officeDocument/2006/math">
+                    <m:oMathParaPr>
+                      <m:jc m:val="centerGroup"/>
+                    </m:oMathParaPr>
+                    <m:oMath xmlns:m="http://schemas.openxmlformats.org/officeDocument/2006/math">
+                      <m:d>
+                        <m:dPr>
+                          <m:begChr m:val="["/>
+                          <m:endChr m:val="]"/>
+                          <m:ctrlPr>
+                            <a:rPr lang="en-US" sz="3200" i="1" smtClean="0">
+                              <a:latin typeface="Cambria Math" panose="02040503050406030204" pitchFamily="18" charset="0"/>
+                            </a:rPr>
+                          </m:ctrlPr>
+                        </m:dPr>
+                        <m:e>
+                          <m:m>
+                            <m:mPr>
+                              <m:mcs>
+                                <m:mc>
+                                  <m:mcPr>
+                                    <m:count m:val="1"/>
+                                    <m:mcJc m:val="center"/>
+                                  </m:mcPr>
+                                </m:mc>
+                              </m:mcs>
+                              <m:ctrlPr>
+                                <a:rPr lang="en-US" sz="3200" i="1">
+                                  <a:latin typeface="Cambria Math" panose="02040503050406030204" pitchFamily="18" charset="0"/>
+                                </a:rPr>
+                              </m:ctrlPr>
+                            </m:mPr>
+                            <m:mr>
+                              <m:e>
+                                <m:r>
+                                  <m:rPr>
+                                    <m:brk m:alnAt="7"/>
+                                  </m:rPr>
+                                  <a:rPr lang="en-US" sz="3200" i="1">
+                                    <a:latin typeface="Cambria Math" panose="02040503050406030204" pitchFamily="18" charset="0"/>
+                                  </a:rPr>
+                                  <m:t>1</m:t>
+                                </m:r>
+                              </m:e>
+                            </m:mr>
+                            <m:mr>
+                              <m:e>
+                                <m:r>
+                                  <a:rPr lang="en-US" sz="3200" i="1">
+                                    <a:latin typeface="Cambria Math" panose="02040503050406030204" pitchFamily="18" charset="0"/>
+                                  </a:rPr>
+                                  <m:t>2</m:t>
+                                </m:r>
+                              </m:e>
+                            </m:mr>
+                            <m:mr>
+                              <m:e>
+                                <m:r>
+                                  <a:rPr lang="en-US" sz="3200" i="1">
+                                    <a:latin typeface="Cambria Math" panose="02040503050406030204" pitchFamily="18" charset="0"/>
+                                  </a:rPr>
+                                  <m:t>3</m:t>
+                                </m:r>
+                              </m:e>
+                            </m:mr>
+                          </m:m>
+                        </m:e>
+                      </m:d>
+                      <m:r>
+                        <a:rPr lang="en-US" sz="3200" b="0" i="0" smtClean="0">
+                          <a:latin typeface="Cambria Math" panose="02040503050406030204" pitchFamily="18" charset="0"/>
+                        </a:rPr>
+                        <m:t>+2</m:t>
+                      </m:r>
+                      <m:d>
+                        <m:dPr>
+                          <m:begChr m:val="["/>
+                          <m:endChr m:val="]"/>
+                          <m:ctrlPr>
+                            <a:rPr lang="en-US" sz="3200" i="1">
+                              <a:latin typeface="Cambria Math" panose="02040503050406030204" pitchFamily="18" charset="0"/>
+                            </a:rPr>
+                          </m:ctrlPr>
+                        </m:dPr>
+                        <m:e>
+                          <m:m>
+                            <m:mPr>
+                              <m:mcs>
+                                <m:mc>
+                                  <m:mcPr>
+                                    <m:count m:val="1"/>
+                                    <m:mcJc m:val="center"/>
+                                  </m:mcPr>
+                                </m:mc>
+                              </m:mcs>
+                              <m:ctrlPr>
+                                <a:rPr lang="en-US" sz="3200" i="1">
+                                  <a:latin typeface="Cambria Math" panose="02040503050406030204" pitchFamily="18" charset="0"/>
+                                </a:rPr>
+                              </m:ctrlPr>
+                            </m:mPr>
+                            <m:mr>
+                              <m:e>
+                                <m:r>
+                                  <m:rPr>
+                                    <m:brk m:alnAt="7"/>
+                                  </m:rPr>
+                                  <a:rPr lang="en-US" sz="3200" i="1">
+                                    <a:latin typeface="Cambria Math" panose="02040503050406030204" pitchFamily="18" charset="0"/>
+                                  </a:rPr>
+                                  <m:t>2</m:t>
+                                </m:r>
+                              </m:e>
+                            </m:mr>
+                            <m:mr>
+                              <m:e>
+                                <m:r>
+                                  <a:rPr lang="en-US" sz="3200" i="1">
+                                    <a:latin typeface="Cambria Math" panose="02040503050406030204" pitchFamily="18" charset="0"/>
+                                  </a:rPr>
+                                  <m:t>4</m:t>
+                                </m:r>
+                              </m:e>
+                            </m:mr>
+                            <m:mr>
+                              <m:e>
+                                <m:r>
+                                  <a:rPr lang="en-US" sz="3200" i="1">
+                                    <a:latin typeface="Cambria Math" panose="02040503050406030204" pitchFamily="18" charset="0"/>
+                                  </a:rPr>
+                                  <m:t>6</m:t>
+                                </m:r>
+                              </m:e>
+                            </m:mr>
+                          </m:m>
+                        </m:e>
+                      </m:d>
+                      <m:r>
+                        <a:rPr lang="en-US" sz="3200" b="0" i="0" smtClean="0">
+                          <a:latin typeface="Cambria Math" panose="02040503050406030204" pitchFamily="18" charset="0"/>
+                        </a:rPr>
+                        <m:t>=</m:t>
+                      </m:r>
+                      <m:d>
+                        <m:dPr>
+                          <m:begChr m:val="["/>
+                          <m:endChr m:val="]"/>
+                          <m:ctrlPr>
+                            <a:rPr lang="en-US" sz="3200" i="1">
+                              <a:latin typeface="Cambria Math" panose="02040503050406030204" pitchFamily="18" charset="0"/>
+                            </a:rPr>
+                          </m:ctrlPr>
+                        </m:dPr>
+                        <m:e>
+                          <m:m>
+                            <m:mPr>
+                              <m:mcs>
+                                <m:mc>
+                                  <m:mcPr>
+                                    <m:count m:val="1"/>
+                                    <m:mcJc m:val="center"/>
+                                  </m:mcPr>
+                                </m:mc>
+                              </m:mcs>
+                              <m:ctrlPr>
+                                <a:rPr lang="en-US" sz="3200" i="1">
+                                  <a:latin typeface="Cambria Math" panose="02040503050406030204" pitchFamily="18" charset="0"/>
+                                </a:rPr>
+                              </m:ctrlPr>
+                            </m:mPr>
+                            <m:mr>
+                              <m:e>
+                                <m:r>
+                                  <m:rPr>
+                                    <m:brk m:alnAt="7"/>
+                                  </m:rPr>
+                                  <a:rPr lang="en-US" sz="3200" i="1">
+                                    <a:latin typeface="Cambria Math" panose="02040503050406030204" pitchFamily="18" charset="0"/>
+                                  </a:rPr>
+                                  <m:t>1</m:t>
+                                </m:r>
+                              </m:e>
+                            </m:mr>
+                            <m:mr>
+                              <m:e>
+                                <m:r>
+                                  <a:rPr lang="en-US" sz="3200" i="1">
+                                    <a:latin typeface="Cambria Math" panose="02040503050406030204" pitchFamily="18" charset="0"/>
+                                  </a:rPr>
+                                  <m:t>2</m:t>
+                                </m:r>
+                              </m:e>
+                            </m:mr>
+                            <m:mr>
+                              <m:e>
+                                <m:r>
+                                  <a:rPr lang="en-US" sz="3200" i="1">
+                                    <a:latin typeface="Cambria Math" panose="02040503050406030204" pitchFamily="18" charset="0"/>
+                                  </a:rPr>
+                                  <m:t>3</m:t>
+                                </m:r>
+                              </m:e>
+                            </m:mr>
+                          </m:m>
+                        </m:e>
+                      </m:d>
+                      <m:r>
+                        <m:rPr>
+                          <m:nor/>
+                        </m:rPr>
+                        <a:rPr lang="en-US" sz="3200" dirty="0"/>
+                        <m:t>+</m:t>
+                      </m:r>
+                      <m:d>
+                        <m:dPr>
+                          <m:begChr m:val="["/>
+                          <m:endChr m:val="]"/>
+                          <m:ctrlPr>
+                            <a:rPr lang="en-US" sz="3200" i="1">
+                              <a:latin typeface="Cambria Math" panose="02040503050406030204" pitchFamily="18" charset="0"/>
+                            </a:rPr>
+                          </m:ctrlPr>
+                        </m:dPr>
+                        <m:e>
+                          <m:m>
+                            <m:mPr>
+                              <m:mcs>
+                                <m:mc>
+                                  <m:mcPr>
+                                    <m:count m:val="1"/>
+                                    <m:mcJc m:val="center"/>
+                                  </m:mcPr>
+                                </m:mc>
+                              </m:mcs>
+                              <m:ctrlPr>
+                                <a:rPr lang="en-US" sz="3200" i="1">
+                                  <a:latin typeface="Cambria Math" panose="02040503050406030204" pitchFamily="18" charset="0"/>
+                                </a:rPr>
+                              </m:ctrlPr>
+                            </m:mPr>
+                            <m:mr>
+                              <m:e>
+                                <m:r>
+                                  <m:rPr>
+                                    <m:brk m:alnAt="7"/>
+                                  </m:rPr>
+                                  <a:rPr lang="en-US" sz="3200" b="0" i="1" smtClean="0">
+                                    <a:latin typeface="Cambria Math" panose="02040503050406030204" pitchFamily="18" charset="0"/>
+                                  </a:rPr>
+                                  <m:t>4</m:t>
+                                </m:r>
+                              </m:e>
+                            </m:mr>
+                            <m:mr>
+                              <m:e>
+                                <m:r>
+                                  <a:rPr lang="en-US" sz="3200" b="0" i="1" smtClean="0">
+                                    <a:latin typeface="Cambria Math" panose="02040503050406030204" pitchFamily="18" charset="0"/>
+                                  </a:rPr>
+                                  <m:t>8</m:t>
+                                </m:r>
+                              </m:e>
+                            </m:mr>
+                            <m:mr>
+                              <m:e>
+                                <m:r>
+                                  <a:rPr lang="en-US" sz="3200" b="0" i="1" smtClean="0">
+                                    <a:latin typeface="Cambria Math" panose="02040503050406030204" pitchFamily="18" charset="0"/>
+                                  </a:rPr>
+                                  <m:t>12</m:t>
+                                </m:r>
+                              </m:e>
+                            </m:mr>
+                          </m:m>
+                        </m:e>
+                      </m:d>
+                      <m:r>
+                        <a:rPr lang="en-US" sz="3200" b="0" i="0" smtClean="0">
+                          <a:latin typeface="Cambria Math" panose="02040503050406030204" pitchFamily="18" charset="0"/>
+                        </a:rPr>
+                        <m:t>=</m:t>
+                      </m:r>
+                      <m:d>
+                        <m:dPr>
+                          <m:begChr m:val="["/>
+                          <m:endChr m:val="]"/>
+                          <m:ctrlPr>
+                            <a:rPr lang="en-US" sz="3200" i="1">
+                              <a:latin typeface="Cambria Math" panose="02040503050406030204" pitchFamily="18" charset="0"/>
+                            </a:rPr>
+                          </m:ctrlPr>
+                        </m:dPr>
+                        <m:e>
+                          <m:m>
+                            <m:mPr>
+                              <m:mcs>
+                                <m:mc>
+                                  <m:mcPr>
+                                    <m:count m:val="1"/>
+                                    <m:mcJc m:val="center"/>
+                                  </m:mcPr>
+                                </m:mc>
+                              </m:mcs>
+                              <m:ctrlPr>
+                                <a:rPr lang="en-US" sz="3200" i="1">
+                                  <a:latin typeface="Cambria Math" panose="02040503050406030204" pitchFamily="18" charset="0"/>
+                                </a:rPr>
+                              </m:ctrlPr>
+                            </m:mPr>
+                            <m:mr>
+                              <m:e>
+                                <m:r>
+                                  <m:rPr>
+                                    <m:brk m:alnAt="7"/>
+                                  </m:rPr>
+                                  <a:rPr lang="en-US" sz="3200" b="0" i="1" smtClean="0">
+                                    <a:latin typeface="Cambria Math" panose="02040503050406030204" pitchFamily="18" charset="0"/>
+                                  </a:rPr>
+                                  <m:t>5</m:t>
+                                </m:r>
+                              </m:e>
+                            </m:mr>
+                            <m:mr>
+                              <m:e>
+                                <m:r>
+                                  <a:rPr lang="en-US" sz="3200" b="0" i="1" smtClean="0">
+                                    <a:latin typeface="Cambria Math" panose="02040503050406030204" pitchFamily="18" charset="0"/>
+                                  </a:rPr>
+                                  <m:t>10</m:t>
+                                </m:r>
+                              </m:e>
+                            </m:mr>
+                            <m:mr>
+                              <m:e>
+                                <m:r>
+                                  <a:rPr lang="en-US" sz="3200" b="0" i="1" smtClean="0">
+                                    <a:latin typeface="Cambria Math" panose="02040503050406030204" pitchFamily="18" charset="0"/>
+                                  </a:rPr>
+                                  <m:t>15</m:t>
+                                </m:r>
+                              </m:e>
+                            </m:mr>
+                          </m:m>
+                        </m:e>
+                      </m:d>
+                    </m:oMath>
+                  </m:oMathPara>
+                </a14:m>
+                <a:endParaRPr lang="en-US" sz="3200" dirty="0"/>
+              </a:p>
+            </p:txBody>
+          </p:sp>
+        </mc:Choice>
+        <mc:Fallback>
+          <p:sp>
+            <p:nvSpPr>
+              <p:cNvPr id="6" name="Rectangle 5"/>
+              <p:cNvSpPr>
+                <a:spLocks noRot="1" noChangeAspect="1" noMove="1" noResize="1" noEditPoints="1" noAdjustHandles="1" noChangeArrowheads="1" noChangeShapeType="1" noTextEdit="1"/>
+              </p:cNvSpPr>
+              <p:nvPr/>
+            </p:nvSpPr>
+            <p:spPr>
+              <a:xfrm>
+                <a:off x="4665854" y="3895777"/>
+                <a:ext cx="5767092" cy="1404615"/>
+              </a:xfrm>
+              <a:prstGeom prst="rect">
+                <a:avLst/>
+              </a:prstGeom>
+              <a:blipFill>
+                <a:blip r:embed="rId3"/>
+                <a:stretch>
+                  <a:fillRect/>
+                </a:stretch>
+              </a:blipFill>
+            </p:spPr>
+            <p:txBody>
+              <a:bodyPr/>
+              <a:lstStyle/>
+              <a:p>
+                <a:r>
+                  <a:rPr lang="en-US">
+                    <a:noFill/>
+                  </a:rPr>
+                  <a:t> </a:t>
+                </a:r>
+              </a:p>
+            </p:txBody>
+          </p:sp>
+        </mc:Fallback>
+      </mc:AlternateContent>
+    </p:spTree>
+    <p:extLst>
+      <p:ext uri="{BB962C8B-B14F-4D97-AF65-F5344CB8AC3E}">
+        <p14:creationId xmlns:p14="http://schemas.microsoft.com/office/powerpoint/2010/main" val="4225818550"/>
+      </p:ext>
+    </p:extLst>
+  </p:cSld>
+  <p:clrMapOvr>
+    <a:masterClrMapping/>
+  </p:clrMapOvr>
+</p:sld>
+</file>
+
+<file path=ppt/slides/slide5.xml><?xml version="1.0" encoding="utf-8"?>
+<p:sld xmlns:a="http://schemas.openxmlformats.org/drawingml/2006/main" xmlns:r="http://schemas.openxmlformats.org/officeDocument/2006/relationships" xmlns:p="http://schemas.openxmlformats.org/presentationml/2006/main">
+  <p:cSld>
+    <p:spTree>
+      <p:nvGrpSpPr>
+        <p:cNvPr id="1" name=""/>
+        <p:cNvGrpSpPr/>
+        <p:nvPr/>
+      </p:nvGrpSpPr>
+      <p:grpSpPr>
+        <a:xfrm>
+          <a:off x="0" y="0"/>
+          <a:ext cx="0" cy="0"/>
+          <a:chOff x="0" y="0"/>
+          <a:chExt cx="0" cy="0"/>
+        </a:xfrm>
+      </p:grpSpPr>
+      <p:pic>
+        <p:nvPicPr>
+          <p:cNvPr id="4" name="Picture 3"/>
+          <p:cNvPicPr>
+            <a:picLocks noChangeAspect="1"/>
+          </p:cNvPicPr>
+          <p:nvPr/>
+        </p:nvPicPr>
+        <p:blipFill>
+          <a:blip r:embed="rId2"/>
+          <a:stretch>
+            <a:fillRect/>
+          </a:stretch>
+        </p:blipFill>
+        <p:spPr>
+          <a:xfrm>
+            <a:off x="656492" y="764932"/>
+            <a:ext cx="6096000" cy="4572000"/>
+          </a:xfrm>
+          <a:prstGeom prst="rect">
+            <a:avLst/>
+          </a:prstGeom>
+        </p:spPr>
+      </p:pic>
+      <p:pic>
+        <p:nvPicPr>
+          <p:cNvPr id="5" name="Picture 4"/>
+          <p:cNvPicPr>
+            <a:picLocks noChangeAspect="1"/>
+          </p:cNvPicPr>
+          <p:nvPr/>
+        </p:nvPicPr>
+        <p:blipFill>
+          <a:blip r:embed="rId3"/>
+          <a:stretch>
+            <a:fillRect/>
+          </a:stretch>
+        </p:blipFill>
+        <p:spPr>
+          <a:xfrm>
+            <a:off x="8049353" y="1560453"/>
+            <a:ext cx="3325329" cy="2980958"/>
+          </a:xfrm>
+          <a:prstGeom prst="rect">
+            <a:avLst/>
+          </a:prstGeom>
+        </p:spPr>
+      </p:pic>
+    </p:spTree>
+    <p:extLst>
+      <p:ext uri="{BB962C8B-B14F-4D97-AF65-F5344CB8AC3E}">
+        <p14:creationId xmlns:p14="http://schemas.microsoft.com/office/powerpoint/2010/main" val="1313997549"/>
+      </p:ext>
+    </p:extLst>
+  </p:cSld>
+  <p:clrMapOvr>
+    <a:masterClrMapping/>
+  </p:clrMapOvr>
+</p:sld>
+</file>
+
+<file path=ppt/slides/slide6.xml><?xml version="1.0" encoding="utf-8"?>
+<p:sld xmlns:a="http://schemas.openxmlformats.org/drawingml/2006/main" xmlns:r="http://schemas.openxmlformats.org/officeDocument/2006/relationships" xmlns:p="http://schemas.openxmlformats.org/presentationml/2006/main">
+  <p:cSld>
+    <p:spTree>
+      <p:nvGrpSpPr>
+        <p:cNvPr id="1" name=""/>
+        <p:cNvGrpSpPr/>
+        <p:nvPr/>
+      </p:nvGrpSpPr>
+      <p:grpSpPr>
+        <a:xfrm>
+          <a:off x="0" y="0"/>
+          <a:ext cx="0" cy="0"/>
+          <a:chOff x="0" y="0"/>
+          <a:chExt cx="0" cy="0"/>
+        </a:xfrm>
+      </p:grpSpPr>
+      <p:sp>
+        <p:nvSpPr>
+          <p:cNvPr id="6" name="Title 5"/>
+          <p:cNvSpPr>
+            <a:spLocks noGrp="1"/>
+          </p:cNvSpPr>
+          <p:nvPr>
+            <p:ph type="title"/>
+          </p:nvPr>
+        </p:nvSpPr>
+        <p:spPr/>
+        <p:txBody>
+          <a:bodyPr/>
+          <a:lstStyle/>
+          <a:p>
+            <a:r>
+              <a:rPr lang="en-US" dirty="0"/>
+              <a:t>Dot Product</a:t>
+            </a:r>
+          </a:p>
+        </p:txBody>
+      </p:sp>
+      <mc:AlternateContent xmlns:mc="http://schemas.openxmlformats.org/markup-compatibility/2006">
+        <mc:Choice xmlns:a14="http://schemas.microsoft.com/office/drawing/2010/main" Requires="a14">
+          <p:sp>
+            <p:nvSpPr>
+              <p:cNvPr id="7" name="Content Placeholder 6"/>
+              <p:cNvSpPr>
+                <a:spLocks noGrp="1"/>
+              </p:cNvSpPr>
+              <p:nvPr>
+                <p:ph idx="1"/>
+              </p:nvPr>
+            </p:nvSpPr>
+            <p:spPr/>
+            <p:txBody>
+              <a:bodyPr/>
+              <a:lstStyle/>
+              <a:p>
+                <a:r>
+                  <a:rPr lang="en-US" dirty="0"/>
+                  <a:t>The dot product is </a:t>
+                </a:r>
+                <a:r>
+                  <a:rPr lang="en-US" b="1" dirty="0"/>
+                  <a:t>one specific way </a:t>
+                </a:r>
+                <a:r>
+                  <a:rPr lang="en-US" dirty="0"/>
+                  <a:t>of multiplying two vectors that has proven useful in mathematics and science</a:t>
+                </a:r>
+              </a:p>
+              <a:p>
+                <a:r>
+                  <a:rPr lang="en-US" dirty="0"/>
+                  <a:t>There are others that are also used!</a:t>
+                </a:r>
+              </a:p>
+              <a:p>
+                <a:endParaRPr lang="en-US" dirty="0"/>
+              </a:p>
+              <a:p>
+                <a:r>
+                  <a:rPr lang="en-US" dirty="0"/>
+                  <a:t>The dot product is defined between two vectors </a:t>
+                </a:r>
+                <a14:m>
+                  <m:oMath xmlns:m="http://schemas.openxmlformats.org/officeDocument/2006/math">
+                    <m:r>
+                      <a:rPr lang="en-US" b="0" i="1" smtClean="0">
+                        <a:latin typeface="Cambria Math" panose="02040503050406030204" pitchFamily="18" charset="0"/>
+                      </a:rPr>
+                      <m:t>𝑎</m:t>
+                    </m:r>
+                  </m:oMath>
+                </a14:m>
+                <a:r>
+                  <a:rPr lang="en-US" dirty="0"/>
+                  <a:t> and </a:t>
+                </a:r>
+                <a14:m>
+                  <m:oMath xmlns:m="http://schemas.openxmlformats.org/officeDocument/2006/math">
+                    <m:r>
+                      <a:rPr lang="en-US" b="0" i="1" smtClean="0">
+                        <a:latin typeface="Cambria Math" panose="02040503050406030204" pitchFamily="18" charset="0"/>
+                      </a:rPr>
+                      <m:t>𝑏</m:t>
+                    </m:r>
+                  </m:oMath>
+                </a14:m>
+                <a:r>
+                  <a:rPr lang="en-US" dirty="0"/>
+                  <a:t> (or just as often </a:t>
+                </a:r>
+                <a14:m>
+                  <m:oMath xmlns:m="http://schemas.openxmlformats.org/officeDocument/2006/math">
+                    <m:r>
+                      <a:rPr lang="en-US" b="0" i="1" smtClean="0">
+                        <a:latin typeface="Cambria Math" panose="02040503050406030204" pitchFamily="18" charset="0"/>
+                      </a:rPr>
+                      <m:t>𝐴</m:t>
+                    </m:r>
+                  </m:oMath>
+                </a14:m>
+                <a:r>
+                  <a:rPr lang="en-US" dirty="0"/>
+                  <a:t> and </a:t>
+                </a:r>
+                <a14:m>
+                  <m:oMath xmlns:m="http://schemas.openxmlformats.org/officeDocument/2006/math">
+                    <m:r>
+                      <a:rPr lang="en-US" b="0" i="1" smtClean="0">
+                        <a:latin typeface="Cambria Math" panose="02040503050406030204" pitchFamily="18" charset="0"/>
+                      </a:rPr>
+                      <m:t>𝐵</m:t>
+                    </m:r>
+                  </m:oMath>
+                </a14:m>
+                <a:r>
+                  <a:rPr lang="en-US" dirty="0"/>
+                  <a:t>). There are lots of different notations!</a:t>
+                </a:r>
+              </a:p>
+            </p:txBody>
+          </p:sp>
+        </mc:Choice>
+        <mc:Fallback>
+          <p:sp>
+            <p:nvSpPr>
+              <p:cNvPr id="7" name="Content Placeholder 6"/>
+              <p:cNvSpPr>
+                <a:spLocks noGrp="1" noRot="1" noChangeAspect="1" noMove="1" noResize="1" noEditPoints="1" noAdjustHandles="1" noChangeArrowheads="1" noChangeShapeType="1" noTextEdit="1"/>
+              </p:cNvSpPr>
+              <p:nvPr>
+                <p:ph idx="1"/>
+              </p:nvPr>
+            </p:nvSpPr>
+            <p:spPr>
+              <a:blipFill>
+                <a:blip r:embed="rId2"/>
+                <a:stretch>
+                  <a:fillRect l="-473" t="-1179"/>
+                </a:stretch>
+              </a:blipFill>
+            </p:spPr>
+            <p:txBody>
+              <a:bodyPr/>
+              <a:lstStyle/>
+              <a:p>
+                <a:r>
+                  <a:rPr lang="en-US">
+                    <a:noFill/>
+                  </a:rPr>
+                  <a:t> </a:t>
+                </a:r>
+              </a:p>
+            </p:txBody>
+          </p:sp>
+        </mc:Fallback>
+      </mc:AlternateContent>
+    </p:spTree>
+    <p:extLst>
+      <p:ext uri="{BB962C8B-B14F-4D97-AF65-F5344CB8AC3E}">
+        <p14:creationId xmlns:p14="http://schemas.microsoft.com/office/powerpoint/2010/main" val="2329708228"/>
+      </p:ext>
+    </p:extLst>
+  </p:cSld>
+  <p:clrMapOvr>
+    <a:masterClrMapping/>
+  </p:clrMapOvr>
+</p:sld>
+</file>
+
+<file path=ppt/slides/slide7.xml><?xml version="1.0" encoding="utf-8"?>
+<p:sld xmlns:a="http://schemas.openxmlformats.org/drawingml/2006/main" xmlns:r="http://schemas.openxmlformats.org/officeDocument/2006/relationships" xmlns:p="http://schemas.openxmlformats.org/presentationml/2006/main">
+  <p:cSld>
+    <p:spTree>
+      <p:nvGrpSpPr>
+        <p:cNvPr id="1" name=""/>
+        <p:cNvGrpSpPr/>
+        <p:nvPr/>
+      </p:nvGrpSpPr>
+      <p:grpSpPr>
+        <a:xfrm>
+          <a:off x="0" y="0"/>
+          <a:ext cx="0" cy="0"/>
+          <a:chOff x="0" y="0"/>
+          <a:chExt cx="0" cy="0"/>
+        </a:xfrm>
+      </p:grpSpPr>
+      <p:sp>
+        <p:nvSpPr>
+          <p:cNvPr id="2" name="Title 1"/>
+          <p:cNvSpPr>
+            <a:spLocks noGrp="1"/>
+          </p:cNvSpPr>
+          <p:nvPr>
+            <p:ph type="title"/>
+          </p:nvPr>
+        </p:nvSpPr>
+        <p:spPr/>
+        <p:txBody>
+          <a:bodyPr/>
+          <a:lstStyle/>
+          <a:p>
+            <a:r>
+              <a:rPr lang="en-US" dirty="0"/>
+              <a:t>Dot Product Formula</a:t>
+            </a:r>
+          </a:p>
+        </p:txBody>
+      </p:sp>
+      <p:pic>
+        <p:nvPicPr>
+          <p:cNvPr id="4" name="Picture 3"/>
+          <p:cNvPicPr>
+            <a:picLocks noChangeAspect="1"/>
+          </p:cNvPicPr>
+          <p:nvPr/>
+        </p:nvPicPr>
+        <p:blipFill>
+          <a:blip r:embed="rId2"/>
+          <a:stretch>
+            <a:fillRect/>
+          </a:stretch>
+        </p:blipFill>
+        <p:spPr>
+          <a:xfrm>
+            <a:off x="755405" y="2560393"/>
+            <a:ext cx="3981450" cy="1438275"/>
+          </a:xfrm>
+          <a:prstGeom prst="rect">
+            <a:avLst/>
+          </a:prstGeom>
+        </p:spPr>
+      </p:pic>
+      <p:pic>
+        <p:nvPicPr>
+          <p:cNvPr id="5" name="Picture 4"/>
+          <p:cNvPicPr>
+            <a:picLocks noChangeAspect="1"/>
+          </p:cNvPicPr>
+          <p:nvPr/>
+        </p:nvPicPr>
+        <p:blipFill>
+          <a:blip r:embed="rId3"/>
+          <a:stretch>
+            <a:fillRect/>
+          </a:stretch>
+        </p:blipFill>
+        <p:spPr>
+          <a:xfrm>
+            <a:off x="6096000" y="2560393"/>
+            <a:ext cx="5495925" cy="1581150"/>
+          </a:xfrm>
+          <a:prstGeom prst="rect">
+            <a:avLst/>
+          </a:prstGeom>
+        </p:spPr>
+      </p:pic>
+      <mc:AlternateContent xmlns:mc="http://schemas.openxmlformats.org/markup-compatibility/2006">
+        <mc:Choice xmlns:a14="http://schemas.microsoft.com/office/drawing/2010/main" Requires="a14">
+          <p:sp>
+            <p:nvSpPr>
+              <p:cNvPr id="6" name="TextBox 5"/>
+              <p:cNvSpPr txBox="1"/>
+              <p:nvPr/>
+            </p:nvSpPr>
+            <p:spPr>
+              <a:xfrm>
+                <a:off x="2862646" y="4548524"/>
+                <a:ext cx="5505674" cy="1607107"/>
+              </a:xfrm>
+              <a:prstGeom prst="rect">
+                <a:avLst/>
+              </a:prstGeom>
+              <a:noFill/>
+            </p:spPr>
+            <p:txBody>
+              <a:bodyPr wrap="none" lIns="0" tIns="0" rIns="0" bIns="0" rtlCol="0">
+                <a:spAutoFit/>
+              </a:bodyPr>
+              <a:lstStyle/>
+              <a:p>
+                <a:r>
+                  <a:rPr lang="en-US" sz="2800" b="0" dirty="0"/>
+                  <a:t>Book’s Version (Yuck!):</a:t>
+                </a:r>
+              </a:p>
+              <a:p>
+                <a14:m>
+                  <m:oMathPara xmlns:m="http://schemas.openxmlformats.org/officeDocument/2006/math">
+                    <m:oMathParaPr>
+                      <m:jc m:val="centerGroup"/>
+                    </m:oMathParaPr>
+                    <m:oMath xmlns:m="http://schemas.openxmlformats.org/officeDocument/2006/math">
+                      <m:r>
+                        <a:rPr lang="en-US" sz="2800" b="0" i="1" smtClean="0">
+                          <a:latin typeface="Cambria Math" panose="02040503050406030204" pitchFamily="18" charset="0"/>
+                        </a:rPr>
+                        <m:t>𝑑𝑜𝑡𝑝𝑟𝑜𝑑𝑢𝑐</m:t>
+                      </m:r>
+                      <m:sSub>
+                        <m:sSubPr>
+                          <m:ctrlPr>
+                            <a:rPr lang="en-US" sz="2800" b="0" i="1" smtClean="0">
+                              <a:latin typeface="Cambria Math" panose="02040503050406030204" pitchFamily="18" charset="0"/>
+                            </a:rPr>
+                          </m:ctrlPr>
+                        </m:sSubPr>
+                        <m:e>
+                          <m:r>
+                            <a:rPr lang="en-US" sz="2800" b="0" i="1" smtClean="0">
+                              <a:latin typeface="Cambria Math" panose="02040503050406030204" pitchFamily="18" charset="0"/>
+                            </a:rPr>
+                            <m:t>𝑡</m:t>
+                          </m:r>
+                        </m:e>
+                        <m:sub>
+                          <m:r>
+                            <a:rPr lang="en-US" sz="2800" b="0" i="1" smtClean="0">
+                              <a:latin typeface="Cambria Math" panose="02040503050406030204" pitchFamily="18" charset="0"/>
+                            </a:rPr>
+                            <m:t>𝑎𝑏</m:t>
+                          </m:r>
+                        </m:sub>
+                      </m:sSub>
+                      <m:r>
+                        <a:rPr lang="en-US" sz="2800" b="0" i="1" smtClean="0">
+                          <a:latin typeface="Cambria Math" panose="02040503050406030204" pitchFamily="18" charset="0"/>
+                        </a:rPr>
+                        <m:t>=</m:t>
+                      </m:r>
+                      <m:r>
+                        <a:rPr lang="en-US" sz="2800" b="0" i="1" smtClean="0">
+                          <a:latin typeface="Cambria Math" panose="02040503050406030204" pitchFamily="18" charset="0"/>
+                        </a:rPr>
+                        <m:t>𝑎</m:t>
+                      </m:r>
+                      <m:r>
+                        <a:rPr lang="en-US" sz="2800" b="0" i="1" smtClean="0">
+                          <a:latin typeface="Cambria Math" panose="02040503050406030204" pitchFamily="18" charset="0"/>
+                        </a:rPr>
+                        <m:t>⋅</m:t>
+                      </m:r>
+                      <m:r>
+                        <a:rPr lang="en-US" sz="2800" b="0" i="1" smtClean="0">
+                          <a:latin typeface="Cambria Math" panose="02040503050406030204" pitchFamily="18" charset="0"/>
+                        </a:rPr>
+                        <m:t>𝑏</m:t>
+                      </m:r>
+                      <m:r>
+                        <a:rPr lang="en-US" sz="2800" b="0" i="1" smtClean="0">
+                          <a:latin typeface="Cambria Math" panose="02040503050406030204" pitchFamily="18" charset="0"/>
+                        </a:rPr>
+                        <m:t>=</m:t>
+                      </m:r>
+                      <m:nary>
+                        <m:naryPr>
+                          <m:chr m:val="∑"/>
+                          <m:ctrlPr>
+                            <a:rPr lang="en-US" sz="2800" b="0" i="1" smtClean="0">
+                              <a:latin typeface="Cambria Math" panose="02040503050406030204" pitchFamily="18" charset="0"/>
+                            </a:rPr>
+                          </m:ctrlPr>
+                        </m:naryPr>
+                        <m:sub>
+                          <m:r>
+                            <m:rPr>
+                              <m:brk m:alnAt="23"/>
+                            </m:rPr>
+                            <a:rPr lang="en-US" sz="2800" b="0" i="1" smtClean="0">
+                              <a:latin typeface="Cambria Math" panose="02040503050406030204" pitchFamily="18" charset="0"/>
+                            </a:rPr>
+                            <m:t>𝑖</m:t>
+                          </m:r>
+                          <m:r>
+                            <a:rPr lang="en-US" sz="2800" b="0" i="1" smtClean="0">
+                              <a:latin typeface="Cambria Math" panose="02040503050406030204" pitchFamily="18" charset="0"/>
+                            </a:rPr>
+                            <m:t>=1</m:t>
+                          </m:r>
+                        </m:sub>
+                        <m:sup>
+                          <m:r>
+                            <a:rPr lang="en-US" sz="2800" b="0" i="1" smtClean="0">
+                              <a:latin typeface="Cambria Math" panose="02040503050406030204" pitchFamily="18" charset="0"/>
+                            </a:rPr>
+                            <m:t>𝑛</m:t>
+                          </m:r>
+                        </m:sup>
+                        <m:e>
+                          <m:sSub>
+                            <m:sSubPr>
+                              <m:ctrlPr>
+                                <a:rPr lang="en-US" sz="2800" b="0" i="1" smtClean="0">
+                                  <a:latin typeface="Cambria Math" panose="02040503050406030204" pitchFamily="18" charset="0"/>
+                                </a:rPr>
+                              </m:ctrlPr>
+                            </m:sSubPr>
+                            <m:e>
+                              <m:r>
+                                <a:rPr lang="en-US" sz="2800" b="0" i="1" smtClean="0">
+                                  <a:latin typeface="Cambria Math" panose="02040503050406030204" pitchFamily="18" charset="0"/>
+                                </a:rPr>
+                                <m:t>𝑎</m:t>
+                              </m:r>
+                            </m:e>
+                            <m:sub>
+                              <m:r>
+                                <a:rPr lang="en-US" sz="2800" b="0" i="1" smtClean="0">
+                                  <a:latin typeface="Cambria Math" panose="02040503050406030204" pitchFamily="18" charset="0"/>
+                                </a:rPr>
+                                <m:t>𝑖</m:t>
+                              </m:r>
+                            </m:sub>
+                          </m:sSub>
+                          <m:sSub>
+                            <m:sSubPr>
+                              <m:ctrlPr>
+                                <a:rPr lang="en-US" sz="2800" b="0" i="1" smtClean="0">
+                                  <a:latin typeface="Cambria Math" panose="02040503050406030204" pitchFamily="18" charset="0"/>
+                                </a:rPr>
+                              </m:ctrlPr>
+                            </m:sSubPr>
+                            <m:e>
+                              <m:r>
+                                <a:rPr lang="en-US" sz="2800" b="0" i="1" smtClean="0">
+                                  <a:latin typeface="Cambria Math" panose="02040503050406030204" pitchFamily="18" charset="0"/>
+                                </a:rPr>
+                                <m:t>𝑏</m:t>
+                              </m:r>
+                            </m:e>
+                            <m:sub>
+                              <m:r>
+                                <a:rPr lang="en-US" sz="2800" b="0" i="1" smtClean="0">
+                                  <a:latin typeface="Cambria Math" panose="02040503050406030204" pitchFamily="18" charset="0"/>
+                                </a:rPr>
+                                <m:t>𝑖</m:t>
+                              </m:r>
+                            </m:sub>
+                          </m:sSub>
+                        </m:e>
+                      </m:nary>
+                    </m:oMath>
+                  </m:oMathPara>
+                </a14:m>
+                <a:endParaRPr lang="en-US" sz="2800" dirty="0"/>
+              </a:p>
+            </p:txBody>
+          </p:sp>
+        </mc:Choice>
+        <mc:Fallback>
+          <p:sp>
+            <p:nvSpPr>
+              <p:cNvPr id="6" name="TextBox 5"/>
+              <p:cNvSpPr txBox="1">
+                <a:spLocks noRot="1" noChangeAspect="1" noMove="1" noResize="1" noEditPoints="1" noAdjustHandles="1" noChangeArrowheads="1" noChangeShapeType="1" noTextEdit="1"/>
+              </p:cNvSpPr>
+              <p:nvPr/>
+            </p:nvSpPr>
+            <p:spPr>
+              <a:xfrm>
+                <a:off x="2862646" y="4548524"/>
+                <a:ext cx="5505674" cy="1607107"/>
+              </a:xfrm>
+              <a:prstGeom prst="rect">
+                <a:avLst/>
+              </a:prstGeom>
+              <a:blipFill>
+                <a:blip r:embed="rId4"/>
+                <a:stretch>
+                  <a:fillRect l="-3987" t="-6818"/>
+                </a:stretch>
+              </a:blipFill>
+            </p:spPr>
+            <p:txBody>
+              <a:bodyPr/>
+              <a:lstStyle/>
+              <a:p>
+                <a:r>
+                  <a:rPr lang="en-US">
+                    <a:noFill/>
+                  </a:rPr>
+                  <a:t> </a:t>
+                </a:r>
+              </a:p>
+            </p:txBody>
+          </p:sp>
+        </mc:Fallback>
+      </mc:AlternateContent>
+    </p:spTree>
+    <p:extLst>
+      <p:ext uri="{BB962C8B-B14F-4D97-AF65-F5344CB8AC3E}">
+        <p14:creationId xmlns:p14="http://schemas.microsoft.com/office/powerpoint/2010/main" val="3956114939"/>
+      </p:ext>
+    </p:extLst>
+  </p:cSld>
+  <p:clrMapOvr>
+    <a:masterClrMapping/>
+  </p:clrMapOvr>
+</p:sld>
+</file>
+
+<file path=ppt/slides/slide8.xml><?xml version="1.0" encoding="utf-8"?>
+<p:sld xmlns:a="http://schemas.openxmlformats.org/drawingml/2006/main" xmlns:r="http://schemas.openxmlformats.org/officeDocument/2006/relationships" xmlns:p="http://schemas.openxmlformats.org/presentationml/2006/main">
+  <p:cSld>
+    <p:spTree>
+      <p:nvGrpSpPr>
+        <p:cNvPr id="1" name=""/>
+        <p:cNvGrpSpPr/>
+        <p:nvPr/>
+      </p:nvGrpSpPr>
+      <p:grpSpPr>
+        <a:xfrm>
+          <a:off x="0" y="0"/>
+          <a:ext cx="0" cy="0"/>
+          <a:chOff x="0" y="0"/>
+          <a:chExt cx="0" cy="0"/>
+        </a:xfrm>
+      </p:grpSpPr>
+      <p:sp>
+        <p:nvSpPr>
+          <p:cNvPr id="2" name="Title 1"/>
+          <p:cNvSpPr>
+            <a:spLocks noGrp="1"/>
+          </p:cNvSpPr>
+          <p:nvPr>
+            <p:ph type="title"/>
+          </p:nvPr>
+        </p:nvSpPr>
+        <p:spPr/>
+        <p:txBody>
+          <a:bodyPr/>
+          <a:lstStyle/>
+          <a:p>
+            <a:r>
+              <a:rPr lang="en-US" dirty="0"/>
+              <a:t>Dot Product Formula</a:t>
+            </a:r>
+          </a:p>
+        </p:txBody>
+      </p:sp>
+      <mc:AlternateContent xmlns:mc="http://schemas.openxmlformats.org/markup-compatibility/2006">
+        <mc:Choice xmlns:a14="http://schemas.microsoft.com/office/drawing/2010/main" Requires="a14">
+          <p:sp>
+            <p:nvSpPr>
+              <p:cNvPr id="6" name="TextBox 5"/>
+              <p:cNvSpPr txBox="1"/>
+              <p:nvPr/>
+            </p:nvSpPr>
+            <p:spPr>
+              <a:xfrm>
+                <a:off x="559164" y="2675763"/>
+                <a:ext cx="11192295" cy="2468881"/>
+              </a:xfrm>
+              <a:prstGeom prst="rect">
+                <a:avLst/>
+              </a:prstGeom>
+              <a:noFill/>
+            </p:spPr>
+            <p:txBody>
+              <a:bodyPr wrap="none" lIns="0" tIns="0" rIns="0" bIns="0" rtlCol="0">
+                <a:spAutoFit/>
+              </a:bodyPr>
+              <a:lstStyle/>
+              <a:p>
+                <a:r>
+                  <a:rPr lang="en-US" sz="2800" b="0" dirty="0"/>
+                  <a:t>Book’s Version (Yuck!):</a:t>
+                </a:r>
+              </a:p>
+              <a:p>
+                <a14:m>
+                  <m:oMathPara xmlns:m="http://schemas.openxmlformats.org/officeDocument/2006/math">
+                    <m:oMathParaPr>
+                      <m:jc m:val="centerGroup"/>
+                    </m:oMathParaPr>
+                    <m:oMath xmlns:m="http://schemas.openxmlformats.org/officeDocument/2006/math">
+                      <m:r>
+                        <a:rPr lang="en-US" sz="2800" b="0" i="1" smtClean="0">
+                          <a:latin typeface="Cambria Math" panose="02040503050406030204" pitchFamily="18" charset="0"/>
+                        </a:rPr>
+                        <m:t>𝑑𝑜𝑡𝑝𝑟𝑜𝑑𝑢𝑐</m:t>
+                      </m:r>
+                      <m:sSub>
+                        <m:sSubPr>
+                          <m:ctrlPr>
+                            <a:rPr lang="en-US" sz="2800" b="0" i="1" smtClean="0">
+                              <a:latin typeface="Cambria Math" panose="02040503050406030204" pitchFamily="18" charset="0"/>
+                            </a:rPr>
+                          </m:ctrlPr>
+                        </m:sSubPr>
+                        <m:e>
+                          <m:r>
+                            <a:rPr lang="en-US" sz="2800" b="0" i="1" smtClean="0">
+                              <a:latin typeface="Cambria Math" panose="02040503050406030204" pitchFamily="18" charset="0"/>
+                            </a:rPr>
+                            <m:t>𝑡</m:t>
+                          </m:r>
+                        </m:e>
+                        <m:sub>
+                          <m:r>
+                            <a:rPr lang="en-US" sz="2800" b="0" i="1" smtClean="0">
+                              <a:latin typeface="Cambria Math" panose="02040503050406030204" pitchFamily="18" charset="0"/>
+                            </a:rPr>
+                            <m:t>𝑎𝑏</m:t>
+                          </m:r>
+                        </m:sub>
+                      </m:sSub>
+                      <m:r>
+                        <a:rPr lang="en-US" sz="2800" b="0" i="1" smtClean="0">
+                          <a:latin typeface="Cambria Math" panose="02040503050406030204" pitchFamily="18" charset="0"/>
+                        </a:rPr>
+                        <m:t>=</m:t>
+                      </m:r>
+                      <m:r>
+                        <a:rPr lang="en-US" sz="2800" b="0" i="1" smtClean="0">
+                          <a:latin typeface="Cambria Math" panose="02040503050406030204" pitchFamily="18" charset="0"/>
+                        </a:rPr>
+                        <m:t>𝑎</m:t>
+                      </m:r>
+                      <m:r>
+                        <a:rPr lang="en-US" sz="2800" b="0" i="1" smtClean="0">
+                          <a:latin typeface="Cambria Math" panose="02040503050406030204" pitchFamily="18" charset="0"/>
+                        </a:rPr>
+                        <m:t>⋅</m:t>
+                      </m:r>
+                      <m:r>
+                        <a:rPr lang="en-US" sz="2800" b="0" i="1" smtClean="0">
+                          <a:latin typeface="Cambria Math" panose="02040503050406030204" pitchFamily="18" charset="0"/>
+                        </a:rPr>
+                        <m:t>𝑏</m:t>
+                      </m:r>
+                      <m:r>
+                        <a:rPr lang="en-US" sz="2800" b="0" i="1" smtClean="0">
+                          <a:latin typeface="Cambria Math" panose="02040503050406030204" pitchFamily="18" charset="0"/>
+                        </a:rPr>
+                        <m:t>=</m:t>
+                      </m:r>
+                      <m:nary>
+                        <m:naryPr>
+                          <m:chr m:val="∑"/>
+                          <m:ctrlPr>
+                            <a:rPr lang="en-US" sz="2800" b="0" i="1" smtClean="0">
+                              <a:latin typeface="Cambria Math" panose="02040503050406030204" pitchFamily="18" charset="0"/>
+                            </a:rPr>
+                          </m:ctrlPr>
+                        </m:naryPr>
+                        <m:sub>
+                          <m:r>
+                            <m:rPr>
+                              <m:brk m:alnAt="23"/>
+                            </m:rPr>
+                            <a:rPr lang="en-US" sz="2800" b="0" i="1" smtClean="0">
+                              <a:latin typeface="Cambria Math" panose="02040503050406030204" pitchFamily="18" charset="0"/>
+                            </a:rPr>
+                            <m:t>𝑖</m:t>
+                          </m:r>
+                          <m:r>
+                            <a:rPr lang="en-US" sz="2800" b="0" i="1" smtClean="0">
+                              <a:latin typeface="Cambria Math" panose="02040503050406030204" pitchFamily="18" charset="0"/>
+                            </a:rPr>
+                            <m:t>=1</m:t>
+                          </m:r>
+                        </m:sub>
+                        <m:sup>
+                          <m:r>
+                            <a:rPr lang="en-US" sz="2800" b="0" i="1" smtClean="0">
+                              <a:latin typeface="Cambria Math" panose="02040503050406030204" pitchFamily="18" charset="0"/>
+                            </a:rPr>
+                            <m:t>𝑛</m:t>
+                          </m:r>
+                        </m:sup>
+                        <m:e>
+                          <m:sSub>
+                            <m:sSubPr>
+                              <m:ctrlPr>
+                                <a:rPr lang="en-US" sz="2800" b="0" i="1" smtClean="0">
+                                  <a:latin typeface="Cambria Math" panose="02040503050406030204" pitchFamily="18" charset="0"/>
+                                </a:rPr>
+                              </m:ctrlPr>
+                            </m:sSubPr>
+                            <m:e>
+                              <m:r>
+                                <a:rPr lang="en-US" sz="2800" b="0" i="1" smtClean="0">
+                                  <a:latin typeface="Cambria Math" panose="02040503050406030204" pitchFamily="18" charset="0"/>
+                                </a:rPr>
+                                <m:t>𝑎</m:t>
+                              </m:r>
+                            </m:e>
+                            <m:sub>
+                              <m:r>
+                                <a:rPr lang="en-US" sz="2800" b="0" i="1" smtClean="0">
+                                  <a:latin typeface="Cambria Math" panose="02040503050406030204" pitchFamily="18" charset="0"/>
+                                </a:rPr>
+                                <m:t>𝑖</m:t>
+                              </m:r>
+                            </m:sub>
+                          </m:sSub>
+                          <m:sSub>
+                            <m:sSubPr>
+                              <m:ctrlPr>
+                                <a:rPr lang="en-US" sz="2800" b="0" i="1" smtClean="0">
+                                  <a:latin typeface="Cambria Math" panose="02040503050406030204" pitchFamily="18" charset="0"/>
+                                </a:rPr>
+                              </m:ctrlPr>
+                            </m:sSubPr>
+                            <m:e>
+                              <m:r>
+                                <a:rPr lang="en-US" sz="2800" b="0" i="1" smtClean="0">
+                                  <a:latin typeface="Cambria Math" panose="02040503050406030204" pitchFamily="18" charset="0"/>
+                                </a:rPr>
+                                <m:t>𝑏</m:t>
+                              </m:r>
+                            </m:e>
+                            <m:sub>
+                              <m:r>
+                                <a:rPr lang="en-US" sz="2800" b="0" i="1" smtClean="0">
+                                  <a:latin typeface="Cambria Math" panose="02040503050406030204" pitchFamily="18" charset="0"/>
+                                </a:rPr>
+                                <m:t>𝑖</m:t>
+                              </m:r>
+                            </m:sub>
+                          </m:sSub>
+                        </m:e>
+                      </m:nary>
+                    </m:oMath>
+                  </m:oMathPara>
+                </a14:m>
+                <a:endParaRPr lang="en-US" sz="2800" dirty="0"/>
+              </a:p>
+              <a:p>
+                <a:endParaRPr lang="en-US" sz="2800" dirty="0"/>
+              </a:p>
+              <a:p>
+                <a14:m>
+                  <m:oMath xmlns:m="http://schemas.openxmlformats.org/officeDocument/2006/math">
+                    <m:r>
+                      <a:rPr lang="en-US" sz="2800" b="0" i="1" smtClean="0">
+                        <a:latin typeface="Cambria Math" panose="02040503050406030204" pitchFamily="18" charset="0"/>
+                      </a:rPr>
+                      <m:t>𝑎</m:t>
+                    </m:r>
+                  </m:oMath>
+                </a14:m>
+                <a:r>
+                  <a:rPr lang="en-US" sz="2800" dirty="0"/>
+                  <a:t> and </a:t>
+                </a:r>
+                <a14:m>
+                  <m:oMath xmlns:m="http://schemas.openxmlformats.org/officeDocument/2006/math">
+                    <m:r>
+                      <a:rPr lang="en-US" sz="2800" b="0" i="1" smtClean="0">
+                        <a:latin typeface="Cambria Math" panose="02040503050406030204" pitchFamily="18" charset="0"/>
+                      </a:rPr>
+                      <m:t>𝑏</m:t>
+                    </m:r>
+                  </m:oMath>
+                </a14:m>
+                <a:r>
+                  <a:rPr lang="en-US" sz="2800" dirty="0"/>
+                  <a:t> are the vectors, </a:t>
+                </a:r>
+                <a14:m>
+                  <m:oMath xmlns:m="http://schemas.openxmlformats.org/officeDocument/2006/math">
+                    <m:sSub>
+                      <m:sSubPr>
+                        <m:ctrlPr>
+                          <a:rPr lang="en-US" sz="2800" b="0" i="1" smtClean="0">
+                            <a:latin typeface="Cambria Math" panose="02040503050406030204" pitchFamily="18" charset="0"/>
+                          </a:rPr>
+                        </m:ctrlPr>
+                      </m:sSubPr>
+                      <m:e>
+                        <m:r>
+                          <a:rPr lang="en-US" sz="2800" b="0" i="1" smtClean="0">
+                            <a:latin typeface="Cambria Math" panose="02040503050406030204" pitchFamily="18" charset="0"/>
+                          </a:rPr>
+                          <m:t>𝑎</m:t>
+                        </m:r>
+                      </m:e>
+                      <m:sub>
+                        <m:r>
+                          <a:rPr lang="en-US" sz="2800" b="0" i="1" smtClean="0">
+                            <a:latin typeface="Cambria Math" panose="02040503050406030204" pitchFamily="18" charset="0"/>
+                          </a:rPr>
+                          <m:t>𝑖</m:t>
+                        </m:r>
+                      </m:sub>
+                    </m:sSub>
+                  </m:oMath>
+                </a14:m>
+                <a:r>
+                  <a:rPr lang="en-US" sz="2800" dirty="0"/>
+                  <a:t> and </a:t>
+                </a:r>
+                <a14:m>
+                  <m:oMath xmlns:m="http://schemas.openxmlformats.org/officeDocument/2006/math">
+                    <m:sSub>
+                      <m:sSubPr>
+                        <m:ctrlPr>
+                          <a:rPr lang="en-US" sz="2800" b="0" i="1" smtClean="0">
+                            <a:latin typeface="Cambria Math" panose="02040503050406030204" pitchFamily="18" charset="0"/>
+                          </a:rPr>
+                        </m:ctrlPr>
+                      </m:sSubPr>
+                      <m:e>
+                        <m:r>
+                          <a:rPr lang="en-US" sz="2800" b="0" i="1" smtClean="0">
+                            <a:latin typeface="Cambria Math" panose="02040503050406030204" pitchFamily="18" charset="0"/>
+                          </a:rPr>
+                          <m:t>𝑏</m:t>
+                        </m:r>
+                      </m:e>
+                      <m:sub>
+                        <m:r>
+                          <a:rPr lang="en-US" sz="2800" b="0" i="1" smtClean="0">
+                            <a:latin typeface="Cambria Math" panose="02040503050406030204" pitchFamily="18" charset="0"/>
+                          </a:rPr>
+                          <m:t>𝑖</m:t>
+                        </m:r>
+                      </m:sub>
+                    </m:sSub>
+                  </m:oMath>
+                </a14:m>
+                <a:r>
+                  <a:rPr lang="en-US" sz="2800" dirty="0"/>
+                  <a:t> represent the </a:t>
+                </a:r>
+                <a14:m>
+                  <m:oMath xmlns:m="http://schemas.openxmlformats.org/officeDocument/2006/math">
+                    <m:r>
+                      <a:rPr lang="en-US" sz="2800" b="0" i="1" smtClean="0">
+                        <a:latin typeface="Cambria Math" panose="02040503050406030204" pitchFamily="18" charset="0"/>
+                      </a:rPr>
+                      <m:t>𝑖</m:t>
+                    </m:r>
+                  </m:oMath>
+                </a14:m>
+                <a:r>
+                  <a:rPr lang="en-US" sz="2800" dirty="0"/>
+                  <a:t>-</a:t>
+                </a:r>
+                <a:r>
+                  <a:rPr lang="en-US" sz="2800" dirty="0" err="1"/>
+                  <a:t>th</a:t>
+                </a:r>
+                <a:r>
+                  <a:rPr lang="en-US" sz="2800" dirty="0"/>
+                  <a:t> components</a:t>
+                </a:r>
+              </a:p>
+            </p:txBody>
+          </p:sp>
+        </mc:Choice>
+        <mc:Fallback>
+          <p:sp>
+            <p:nvSpPr>
+              <p:cNvPr id="6" name="TextBox 5"/>
+              <p:cNvSpPr txBox="1">
+                <a:spLocks noRot="1" noChangeAspect="1" noMove="1" noResize="1" noEditPoints="1" noAdjustHandles="1" noChangeArrowheads="1" noChangeShapeType="1" noTextEdit="1"/>
+              </p:cNvSpPr>
+              <p:nvPr/>
+            </p:nvSpPr>
+            <p:spPr>
+              <a:xfrm>
+                <a:off x="559164" y="2675763"/>
+                <a:ext cx="11192295" cy="2468881"/>
+              </a:xfrm>
+              <a:prstGeom prst="rect">
+                <a:avLst/>
+              </a:prstGeom>
+              <a:blipFill>
+                <a:blip r:embed="rId2"/>
+                <a:stretch>
+                  <a:fillRect l="-1961" t="-4444" r="-763" b="-7654"/>
+                </a:stretch>
+              </a:blipFill>
+            </p:spPr>
+            <p:txBody>
+              <a:bodyPr/>
+              <a:lstStyle/>
+              <a:p>
+                <a:r>
+                  <a:rPr lang="en-US">
+                    <a:noFill/>
+                  </a:rPr>
+                  <a:t> </a:t>
+                </a:r>
+              </a:p>
+            </p:txBody>
+          </p:sp>
+        </mc:Fallback>
+      </mc:AlternateContent>
+    </p:spTree>
+    <p:extLst>
+      <p:ext uri="{BB962C8B-B14F-4D97-AF65-F5344CB8AC3E}">
+        <p14:creationId xmlns:p14="http://schemas.microsoft.com/office/powerpoint/2010/main" val="2954227001"/>
+      </p:ext>
+    </p:extLst>
+  </p:cSld>
+  <p:clrMapOvr>
+    <a:masterClrMapping/>
+  </p:clrMapOvr>
+</p:sld>
+</file>
+
 <file path=ppt/slides/slide9.xml><?xml version="1.0" encoding="utf-8"?>
 <p:sld xmlns:a="http://schemas.openxmlformats.org/drawingml/2006/main" xmlns:r="http://schemas.openxmlformats.org/officeDocument/2006/relationships" xmlns:p="http://schemas.openxmlformats.org/presentationml/2006/main">
   <p:cSld>
@@ -5462,7 +8782,7 @@
           <a:p>
             <a:r>
               <a:rPr lang="en-US" dirty="0"/>
-              <a:t>Weird at First</a:t>
+              <a:t>How to Compute the Dot Product</a:t>
             </a:r>
           </a:p>
         </p:txBody>
@@ -5484,78 +8804,42 @@
           <a:p>
             <a:r>
               <a:rPr lang="en-US" dirty="0"/>
-              <a:t>It takes some getting used to, but our vectors live in a </a:t>
-            </a:r>
-            <a:r>
-              <a:rPr lang="en-US" b="1" dirty="0"/>
-              <a:t>high dimensional space</a:t>
-            </a:r>
-            <a:r>
-              <a:rPr lang="en-US" dirty="0"/>
-              <a:t>:</a:t>
-            </a:r>
-          </a:p>
-          <a:p>
-            <a:pPr lvl="1"/>
-            <a:r>
-              <a:rPr lang="en-US" dirty="0"/>
-              <a:t>A vector of length 2 is a point in </a:t>
-            </a:r>
-            <a:r>
-              <a:rPr lang="en-US" b="1" dirty="0"/>
-              <a:t>2-space</a:t>
-            </a:r>
-            <a:r>
-              <a:rPr lang="en-US" dirty="0"/>
-              <a:t> (the </a:t>
-            </a:r>
-            <a:r>
-              <a:rPr lang="en-US" b="1" dirty="0"/>
-              <a:t>Cartesian plane</a:t>
-            </a:r>
-            <a:r>
-              <a:rPr lang="en-US" dirty="0"/>
-              <a:t>)</a:t>
-            </a:r>
-          </a:p>
-          <a:p>
-            <a:pPr lvl="1"/>
-            <a:r>
-              <a:rPr lang="en-US" dirty="0"/>
-              <a:t>A vector of length 3 is a point in 3-D space </a:t>
-            </a:r>
-          </a:p>
-          <a:p>
-            <a:pPr lvl="1"/>
-            <a:r>
-              <a:rPr lang="en-US" dirty="0"/>
-              <a:t>A vector representing a 2 second sample of EEG (for one electrode) with a sampling rate of 512 Hz is a vector of length 1024</a:t>
-            </a:r>
-          </a:p>
-          <a:p>
-            <a:pPr lvl="2"/>
-            <a:r>
-              <a:rPr lang="en-US" dirty="0"/>
-              <a:t>It lives as a single point in a </a:t>
-            </a:r>
-            <a:r>
-              <a:rPr lang="en-US" b="1" dirty="0"/>
-              <a:t>1024-dimensional space</a:t>
-            </a:r>
-          </a:p>
-          <a:p>
-            <a:pPr lvl="2"/>
-            <a:r>
-              <a:rPr lang="en-US" dirty="0"/>
-              <a:t>Each number in the vector is one coordinate of the 1024-dimensional point</a:t>
-            </a:r>
-          </a:p>
-        </p:txBody>
-      </p:sp>
+              <a:t>Given two vectors (lists of numbers):</a:t>
+            </a:r>
+          </a:p>
+          <a:p>
+            <a:endParaRPr lang="en-US" dirty="0"/>
+          </a:p>
+        </p:txBody>
+      </p:sp>
+      <p:pic>
+        <p:nvPicPr>
+          <p:cNvPr id="5" name="Picture 4"/>
+          <p:cNvPicPr>
+            <a:picLocks noChangeAspect="1"/>
+          </p:cNvPicPr>
+          <p:nvPr/>
+        </p:nvPicPr>
+        <p:blipFill>
+          <a:blip r:embed="rId2"/>
+          <a:stretch>
+            <a:fillRect/>
+          </a:stretch>
+        </p:blipFill>
+        <p:spPr>
+          <a:xfrm>
+            <a:off x="1371600" y="3376339"/>
+            <a:ext cx="9448800" cy="1381125"/>
+          </a:xfrm>
+          <a:prstGeom prst="rect">
+            <a:avLst/>
+          </a:prstGeom>
+        </p:spPr>
+      </p:pic>
     </p:spTree>
     <p:extLst>
       <p:ext uri="{BB962C8B-B14F-4D97-AF65-F5344CB8AC3E}">
-        <p14:creationId xmlns:p14="http://schemas.microsoft.com/office/powerpoint/2010/main" val="3108552304"/>
+        <p14:creationId xmlns:p14="http://schemas.microsoft.com/office/powerpoint/2010/main" val="23924719"/>
       </p:ext>
     </p:extLst>
   </p:cSld>
